--- a/core/dev/img/source image of dev.pptx
+++ b/core/dev/img/source image of dev.pptx
@@ -5,14 +5,15 @@
     <p:sldMasterId id="2147483648" r:id="rId1"/>
   </p:sldMasterIdLst>
   <p:notesMasterIdLst>
-    <p:notesMasterId r:id="rId7"/>
+    <p:notesMasterId r:id="rId8"/>
   </p:notesMasterIdLst>
   <p:sldIdLst>
     <p:sldId id="256" r:id="rId2"/>
-    <p:sldId id="257" r:id="rId3"/>
-    <p:sldId id="258" r:id="rId4"/>
-    <p:sldId id="259" r:id="rId5"/>
-    <p:sldId id="260" r:id="rId6"/>
+    <p:sldId id="262" r:id="rId3"/>
+    <p:sldId id="257" r:id="rId4"/>
+    <p:sldId id="258" r:id="rId5"/>
+    <p:sldId id="259" r:id="rId6"/>
+    <p:sldId id="260" r:id="rId7"/>
   </p:sldIdLst>
   <p:sldSz cx="12192000" cy="6858000"/>
   <p:notesSz cx="6858000" cy="9144000"/>
@@ -201,7 +202,7 @@
           <a:p>
             <a:fld id="{E85B158D-C065-452D-8E8A-CA20D578E86D}" type="datetimeFigureOut">
               <a:rPr lang="zh-CN" altLang="en-US" smtClean="0"/>
-              <a:t>2024/1/6</a:t>
+              <a:t>2024/1/15</a:t>
             </a:fld>
             <a:endParaRPr lang="zh-CN" altLang="en-US"/>
           </a:p>
@@ -533,7 +534,7 @@
           <a:p>
             <a:fld id="{09309DB4-754A-490D-BDCF-A97E80E535FF}" type="slidenum">
               <a:rPr lang="zh-CN" altLang="en-US" smtClean="0"/>
-              <a:t>2</a:t>
+              <a:t>3</a:t>
             </a:fld>
             <a:endParaRPr lang="zh-CN" altLang="en-US"/>
           </a:p>
@@ -699,7 +700,7 @@
           <a:p>
             <a:fld id="{C6B3A635-1216-4C3F-926B-9D8030C21AA9}" type="datetimeFigureOut">
               <a:rPr lang="zh-CN" altLang="en-US" smtClean="0"/>
-              <a:t>2024/1/6</a:t>
+              <a:t>2024/1/15</a:t>
             </a:fld>
             <a:endParaRPr lang="zh-CN" altLang="en-US"/>
           </a:p>
@@ -897,7 +898,7 @@
           <a:p>
             <a:fld id="{C6B3A635-1216-4C3F-926B-9D8030C21AA9}" type="datetimeFigureOut">
               <a:rPr lang="zh-CN" altLang="en-US" smtClean="0"/>
-              <a:t>2024/1/6</a:t>
+              <a:t>2024/1/15</a:t>
             </a:fld>
             <a:endParaRPr lang="zh-CN" altLang="en-US"/>
           </a:p>
@@ -1105,7 +1106,7 @@
           <a:p>
             <a:fld id="{C6B3A635-1216-4C3F-926B-9D8030C21AA9}" type="datetimeFigureOut">
               <a:rPr lang="zh-CN" altLang="en-US" smtClean="0"/>
-              <a:t>2024/1/6</a:t>
+              <a:t>2024/1/15</a:t>
             </a:fld>
             <a:endParaRPr lang="zh-CN" altLang="en-US"/>
           </a:p>
@@ -1303,7 +1304,7 @@
           <a:p>
             <a:fld id="{C6B3A635-1216-4C3F-926B-9D8030C21AA9}" type="datetimeFigureOut">
               <a:rPr lang="zh-CN" altLang="en-US" smtClean="0"/>
-              <a:t>2024/1/6</a:t>
+              <a:t>2024/1/15</a:t>
             </a:fld>
             <a:endParaRPr lang="zh-CN" altLang="en-US"/>
           </a:p>
@@ -1578,7 +1579,7 @@
           <a:p>
             <a:fld id="{C6B3A635-1216-4C3F-926B-9D8030C21AA9}" type="datetimeFigureOut">
               <a:rPr lang="zh-CN" altLang="en-US" smtClean="0"/>
-              <a:t>2024/1/6</a:t>
+              <a:t>2024/1/15</a:t>
             </a:fld>
             <a:endParaRPr lang="zh-CN" altLang="en-US"/>
           </a:p>
@@ -1843,7 +1844,7 @@
           <a:p>
             <a:fld id="{C6B3A635-1216-4C3F-926B-9D8030C21AA9}" type="datetimeFigureOut">
               <a:rPr lang="zh-CN" altLang="en-US" smtClean="0"/>
-              <a:t>2024/1/6</a:t>
+              <a:t>2024/1/15</a:t>
             </a:fld>
             <a:endParaRPr lang="zh-CN" altLang="en-US"/>
           </a:p>
@@ -2255,7 +2256,7 @@
           <a:p>
             <a:fld id="{C6B3A635-1216-4C3F-926B-9D8030C21AA9}" type="datetimeFigureOut">
               <a:rPr lang="zh-CN" altLang="en-US" smtClean="0"/>
-              <a:t>2024/1/6</a:t>
+              <a:t>2024/1/15</a:t>
             </a:fld>
             <a:endParaRPr lang="zh-CN" altLang="en-US"/>
           </a:p>
@@ -2396,7 +2397,7 @@
           <a:p>
             <a:fld id="{C6B3A635-1216-4C3F-926B-9D8030C21AA9}" type="datetimeFigureOut">
               <a:rPr lang="zh-CN" altLang="en-US" smtClean="0"/>
-              <a:t>2024/1/6</a:t>
+              <a:t>2024/1/15</a:t>
             </a:fld>
             <a:endParaRPr lang="zh-CN" altLang="en-US"/>
           </a:p>
@@ -2509,7 +2510,7 @@
           <a:p>
             <a:fld id="{C6B3A635-1216-4C3F-926B-9D8030C21AA9}" type="datetimeFigureOut">
               <a:rPr lang="zh-CN" altLang="en-US" smtClean="0"/>
-              <a:t>2024/1/6</a:t>
+              <a:t>2024/1/15</a:t>
             </a:fld>
             <a:endParaRPr lang="zh-CN" altLang="en-US"/>
           </a:p>
@@ -2820,7 +2821,7 @@
           <a:p>
             <a:fld id="{C6B3A635-1216-4C3F-926B-9D8030C21AA9}" type="datetimeFigureOut">
               <a:rPr lang="zh-CN" altLang="en-US" smtClean="0"/>
-              <a:t>2024/1/6</a:t>
+              <a:t>2024/1/15</a:t>
             </a:fld>
             <a:endParaRPr lang="zh-CN" altLang="en-US"/>
           </a:p>
@@ -3108,7 +3109,7 @@
           <a:p>
             <a:fld id="{C6B3A635-1216-4C3F-926B-9D8030C21AA9}" type="datetimeFigureOut">
               <a:rPr lang="zh-CN" altLang="en-US" smtClean="0"/>
-              <a:t>2024/1/6</a:t>
+              <a:t>2024/1/15</a:t>
             </a:fld>
             <a:endParaRPr lang="zh-CN" altLang="en-US"/>
           </a:p>
@@ -3349,7 +3350,7 @@
           <a:p>
             <a:fld id="{C6B3A635-1216-4C3F-926B-9D8030C21AA9}" type="datetimeFigureOut">
               <a:rPr lang="zh-CN" altLang="en-US" smtClean="0"/>
-              <a:t>2024/1/6</a:t>
+              <a:t>2024/1/15</a:t>
             </a:fld>
             <a:endParaRPr lang="zh-CN" altLang="en-US"/>
           </a:p>
@@ -5814,7 +5815,7 @@
           <p:cNvPr id="2" name="矩形: 圆角 1">
             <a:extLst>
               <a:ext uri="{FF2B5EF4-FFF2-40B4-BE49-F238E27FC236}">
-                <a16:creationId xmlns:a16="http://schemas.microsoft.com/office/drawing/2014/main" id="{52E4EF38-1E53-4D03-8DB7-88CF7035ECAA}"/>
+                <a16:creationId xmlns:a16="http://schemas.microsoft.com/office/drawing/2014/main" id="{A68E3798-81F0-4B74-8575-FDA59ADF01E3}"/>
               </a:ext>
             </a:extLst>
           </p:cNvPr>
@@ -5823,7 +5824,7 @@
         </p:nvSpPr>
         <p:spPr>
           <a:xfrm>
-            <a:off x="2718472" y="1079458"/>
+            <a:off x="4996542" y="398323"/>
             <a:ext cx="1425718" cy="466344"/>
           </a:xfrm>
           <a:prstGeom prst="roundRect">
@@ -5877,10 +5878,10 @@
       </p:sp>
       <p:sp>
         <p:nvSpPr>
-          <p:cNvPr id="5" name="矩形: 圆角 4">
-            <a:extLst>
-              <a:ext uri="{FF2B5EF4-FFF2-40B4-BE49-F238E27FC236}">
-                <a16:creationId xmlns:a16="http://schemas.microsoft.com/office/drawing/2014/main" id="{84FA0CC4-5BDD-4CA3-A57D-4D98F4135A6C}"/>
+          <p:cNvPr id="3" name="矩形: 圆角 2">
+            <a:extLst>
+              <a:ext uri="{FF2B5EF4-FFF2-40B4-BE49-F238E27FC236}">
+                <a16:creationId xmlns:a16="http://schemas.microsoft.com/office/drawing/2014/main" id="{71A78B29-8921-4814-8A75-566A2CF44677}"/>
               </a:ext>
             </a:extLst>
           </p:cNvPr>
@@ -5889,8 +5890,8 @@
         </p:nvSpPr>
         <p:spPr>
           <a:xfrm>
-            <a:off x="4851920" y="1079458"/>
-            <a:ext cx="895739" cy="466344"/>
+            <a:off x="7086600" y="388736"/>
+            <a:ext cx="1425718" cy="466344"/>
           </a:xfrm>
           <a:prstGeom prst="roundRect">
             <a:avLst/>
@@ -5926,14 +5927,14 @@
           <a:p>
             <a:pPr algn="ctr"/>
             <a:r>
-              <a:rPr lang="en-US" altLang="zh-CN" dirty="0">
+              <a:rPr lang="en-US" altLang="zh-CN" sz="1600" dirty="0">
                 <a:solidFill>
                   <a:schemeClr val="tx1"/>
                 </a:solidFill>
               </a:rPr>
-              <a:t>Read</a:t>
-            </a:r>
-            <a:endParaRPr lang="zh-CN" altLang="en-US" dirty="0">
+              <a:t>List iterator</a:t>
+            </a:r>
+            <a:endParaRPr lang="zh-CN" altLang="en-US" sz="1600" dirty="0">
               <a:solidFill>
                 <a:schemeClr val="tx1"/>
               </a:solidFill>
@@ -5943,10 +5944,10 @@
       </p:sp>
       <p:sp>
         <p:nvSpPr>
-          <p:cNvPr id="6" name="矩形: 圆角 5">
-            <a:extLst>
-              <a:ext uri="{FF2B5EF4-FFF2-40B4-BE49-F238E27FC236}">
-                <a16:creationId xmlns:a16="http://schemas.microsoft.com/office/drawing/2014/main" id="{57654E87-0290-4BF1-B43D-AC7BF9EE32BE}"/>
+          <p:cNvPr id="4" name="矩形: 圆角 3">
+            <a:extLst>
+              <a:ext uri="{FF2B5EF4-FFF2-40B4-BE49-F238E27FC236}">
+                <a16:creationId xmlns:a16="http://schemas.microsoft.com/office/drawing/2014/main" id="{1E7F81D6-8796-464E-A861-79526D003074}"/>
               </a:ext>
             </a:extLst>
           </p:cNvPr>
@@ -5955,8 +5956,8 @@
         </p:nvSpPr>
         <p:spPr>
           <a:xfrm>
-            <a:off x="6497217" y="1079458"/>
-            <a:ext cx="895739" cy="466344"/>
+            <a:off x="2194560" y="2216953"/>
+            <a:ext cx="3515776" cy="466344"/>
           </a:xfrm>
           <a:prstGeom prst="roundRect">
             <a:avLst/>
@@ -5964,11 +5965,7 @@
           <a:solidFill>
             <a:schemeClr val="bg1"/>
           </a:solidFill>
-          <a:ln w="19050">
-            <a:solidFill>
-              <a:schemeClr val="tx1"/>
-            </a:solidFill>
-          </a:ln>
+          <a:ln w="19050"/>
         </p:spPr>
         <p:style>
           <a:lnRef idx="2">
@@ -5992,14 +5989,14 @@
           <a:p>
             <a:pPr algn="ctr"/>
             <a:r>
-              <a:rPr lang="en-US" altLang="zh-CN" dirty="0">
+              <a:rPr lang="en-US" altLang="zh-CN" sz="1600" dirty="0">
                 <a:solidFill>
                   <a:schemeClr val="tx1"/>
                 </a:solidFill>
               </a:rPr>
-              <a:t>Write</a:t>
-            </a:r>
-            <a:endParaRPr lang="zh-CN" altLang="en-US" dirty="0">
+              <a:t>Driver Entity</a:t>
+            </a:r>
+            <a:endParaRPr lang="zh-CN" altLang="en-US" sz="1600" dirty="0">
               <a:solidFill>
                 <a:schemeClr val="tx1"/>
               </a:solidFill>
@@ -6009,10 +6006,10 @@
       </p:sp>
       <p:sp>
         <p:nvSpPr>
-          <p:cNvPr id="7" name="矩形: 圆角 6">
-            <a:extLst>
-              <a:ext uri="{FF2B5EF4-FFF2-40B4-BE49-F238E27FC236}">
-                <a16:creationId xmlns:a16="http://schemas.microsoft.com/office/drawing/2014/main" id="{7BBEB933-AD8C-481E-BB9A-EECCBFCEC442}"/>
+          <p:cNvPr id="5" name="矩形: 圆角 4">
+            <a:extLst>
+              <a:ext uri="{FF2B5EF4-FFF2-40B4-BE49-F238E27FC236}">
+                <a16:creationId xmlns:a16="http://schemas.microsoft.com/office/drawing/2014/main" id="{2A4730B9-59DC-4BD6-A3A1-2C1682C67725}"/>
               </a:ext>
             </a:extLst>
           </p:cNvPr>
@@ -6021,8 +6018,8 @@
         </p:nvSpPr>
         <p:spPr>
           <a:xfrm>
-            <a:off x="8142514" y="1079458"/>
-            <a:ext cx="1290736" cy="466344"/>
+            <a:off x="2194560" y="3195828"/>
+            <a:ext cx="3515776" cy="466344"/>
           </a:xfrm>
           <a:prstGeom prst="roundRect">
             <a:avLst/>
@@ -6030,11 +6027,7 @@
           <a:solidFill>
             <a:schemeClr val="bg1"/>
           </a:solidFill>
-          <a:ln w="19050">
-            <a:solidFill>
-              <a:schemeClr val="tx1"/>
-            </a:solidFill>
-          </a:ln>
+          <a:ln w="19050"/>
         </p:spPr>
         <p:style>
           <a:lnRef idx="2">
@@ -6058,14 +6051,14 @@
           <a:p>
             <a:pPr algn="ctr"/>
             <a:r>
-              <a:rPr lang="en-US" altLang="zh-CN" dirty="0" err="1">
+              <a:rPr lang="en-US" altLang="zh-CN" sz="1600" dirty="0">
                 <a:solidFill>
                   <a:schemeClr val="tx1"/>
                 </a:solidFill>
               </a:rPr>
-              <a:t>ReadWrite</a:t>
-            </a:r>
-            <a:endParaRPr lang="zh-CN" altLang="en-US" dirty="0">
+              <a:t>Driver implementation</a:t>
+            </a:r>
+            <a:endParaRPr lang="zh-CN" altLang="en-US" sz="1600" dirty="0">
               <a:solidFill>
                 <a:schemeClr val="tx1"/>
               </a:solidFill>
@@ -6075,10 +6068,424 @@
       </p:sp>
       <p:sp>
         <p:nvSpPr>
-          <p:cNvPr id="8" name="矩形: 圆角 7">
-            <a:extLst>
-              <a:ext uri="{FF2B5EF4-FFF2-40B4-BE49-F238E27FC236}">
-                <a16:creationId xmlns:a16="http://schemas.microsoft.com/office/drawing/2014/main" id="{7CCBF306-7A52-4766-B5DF-36EFA5197100}"/>
+          <p:cNvPr id="6" name="文本框 5">
+            <a:extLst>
+              <a:ext uri="{FF2B5EF4-FFF2-40B4-BE49-F238E27FC236}">
+                <a16:creationId xmlns:a16="http://schemas.microsoft.com/office/drawing/2014/main" id="{3283C4C6-FF35-4084-8565-6CD5B644B2A4}"/>
+              </a:ext>
+            </a:extLst>
+          </p:cNvPr>
+          <p:cNvSpPr txBox="1"/>
+          <p:nvPr/>
+        </p:nvSpPr>
+        <p:spPr>
+          <a:xfrm>
+            <a:off x="2795830" y="680458"/>
+            <a:ext cx="2079415" cy="276999"/>
+          </a:xfrm>
+          <a:prstGeom prst="rect">
+            <a:avLst/>
+          </a:prstGeom>
+          <a:noFill/>
+        </p:spPr>
+        <p:txBody>
+          <a:bodyPr wrap="none" rtlCol="0">
+            <a:spAutoFit/>
+          </a:bodyPr>
+          <a:lstStyle/>
+          <a:p>
+            <a:r>
+              <a:rPr lang="en-US" altLang="zh-CN" sz="1200" dirty="0"/>
+              <a:t>Complete by io_concept.hpp</a:t>
+            </a:r>
+            <a:endParaRPr lang="zh-CN" altLang="en-US" sz="1200" dirty="0"/>
+          </a:p>
+        </p:txBody>
+      </p:sp>
+      <p:sp>
+        <p:nvSpPr>
+          <p:cNvPr id="7" name="文本框 6">
+            <a:extLst>
+              <a:ext uri="{FF2B5EF4-FFF2-40B4-BE49-F238E27FC236}">
+                <a16:creationId xmlns:a16="http://schemas.microsoft.com/office/drawing/2014/main" id="{518F003F-4531-4DCA-A1E3-0AD5058EAD9C}"/>
+              </a:ext>
+            </a:extLst>
+          </p:cNvPr>
+          <p:cNvSpPr txBox="1"/>
+          <p:nvPr/>
+        </p:nvSpPr>
+        <p:spPr>
+          <a:xfrm>
+            <a:off x="8622677" y="680458"/>
+            <a:ext cx="1737976" cy="276999"/>
+          </a:xfrm>
+          <a:prstGeom prst="rect">
+            <a:avLst/>
+          </a:prstGeom>
+          <a:noFill/>
+        </p:spPr>
+        <p:txBody>
+          <a:bodyPr wrap="none" rtlCol="0">
+            <a:spAutoFit/>
+          </a:bodyPr>
+          <a:lstStyle/>
+          <a:p>
+            <a:r>
+              <a:rPr lang="en-US" altLang="zh-CN" sz="1200" dirty="0"/>
+              <a:t>Not Implement for now</a:t>
+            </a:r>
+            <a:endParaRPr lang="zh-CN" altLang="en-US" sz="1200" dirty="0"/>
+          </a:p>
+        </p:txBody>
+      </p:sp>
+      <p:cxnSp>
+        <p:nvCxnSpPr>
+          <p:cNvPr id="8" name="直接箭头连接符 7">
+            <a:extLst>
+              <a:ext uri="{FF2B5EF4-FFF2-40B4-BE49-F238E27FC236}">
+                <a16:creationId xmlns:a16="http://schemas.microsoft.com/office/drawing/2014/main" id="{9D142602-D96C-413D-80DC-BA616BD94874}"/>
+              </a:ext>
+            </a:extLst>
+          </p:cNvPr>
+          <p:cNvCxnSpPr>
+            <a:stCxn id="2" idx="2"/>
+          </p:cNvCxnSpPr>
+          <p:nvPr/>
+        </p:nvCxnSpPr>
+        <p:spPr>
+          <a:xfrm>
+            <a:off x="5709401" y="864667"/>
+            <a:ext cx="0" cy="512531"/>
+          </a:xfrm>
+          <a:prstGeom prst="straightConnector1">
+            <a:avLst/>
+          </a:prstGeom>
+          <a:ln>
+            <a:tailEnd type="triangle"/>
+          </a:ln>
+        </p:spPr>
+        <p:style>
+          <a:lnRef idx="1">
+            <a:schemeClr val="accent1"/>
+          </a:lnRef>
+          <a:fillRef idx="0">
+            <a:schemeClr val="accent1"/>
+          </a:fillRef>
+          <a:effectRef idx="0">
+            <a:schemeClr val="accent1"/>
+          </a:effectRef>
+          <a:fontRef idx="minor">
+            <a:schemeClr val="tx1"/>
+          </a:fontRef>
+        </p:style>
+      </p:cxnSp>
+      <p:cxnSp>
+        <p:nvCxnSpPr>
+          <p:cNvPr id="9" name="直接箭头连接符 8">
+            <a:extLst>
+              <a:ext uri="{FF2B5EF4-FFF2-40B4-BE49-F238E27FC236}">
+                <a16:creationId xmlns:a16="http://schemas.microsoft.com/office/drawing/2014/main" id="{D7A8C73B-404A-4ABD-B3A6-669F135558E9}"/>
+              </a:ext>
+            </a:extLst>
+          </p:cNvPr>
+          <p:cNvCxnSpPr>
+            <a:stCxn id="3" idx="2"/>
+          </p:cNvCxnSpPr>
+          <p:nvPr/>
+        </p:nvCxnSpPr>
+        <p:spPr>
+          <a:xfrm>
+            <a:off x="7799459" y="855080"/>
+            <a:ext cx="0" cy="522118"/>
+          </a:xfrm>
+          <a:prstGeom prst="straightConnector1">
+            <a:avLst/>
+          </a:prstGeom>
+          <a:ln>
+            <a:tailEnd type="triangle"/>
+          </a:ln>
+        </p:spPr>
+        <p:style>
+          <a:lnRef idx="1">
+            <a:schemeClr val="accent1"/>
+          </a:lnRef>
+          <a:fillRef idx="0">
+            <a:schemeClr val="accent1"/>
+          </a:fillRef>
+          <a:effectRef idx="0">
+            <a:schemeClr val="accent1"/>
+          </a:effectRef>
+          <a:fontRef idx="minor">
+            <a:schemeClr val="tx1"/>
+          </a:fontRef>
+        </p:style>
+      </p:cxnSp>
+      <p:sp>
+        <p:nvSpPr>
+          <p:cNvPr id="10" name="文本框 9">
+            <a:extLst>
+              <a:ext uri="{FF2B5EF4-FFF2-40B4-BE49-F238E27FC236}">
+                <a16:creationId xmlns:a16="http://schemas.microsoft.com/office/drawing/2014/main" id="{73272D25-C1BA-4A6C-888A-8238845BEC7D}"/>
+              </a:ext>
+            </a:extLst>
+          </p:cNvPr>
+          <p:cNvSpPr txBox="1"/>
+          <p:nvPr/>
+        </p:nvSpPr>
+        <p:spPr>
+          <a:xfrm>
+            <a:off x="5737055" y="962250"/>
+            <a:ext cx="657552" cy="307777"/>
+          </a:xfrm>
+          <a:prstGeom prst="rect">
+            <a:avLst/>
+          </a:prstGeom>
+          <a:noFill/>
+        </p:spPr>
+        <p:txBody>
+          <a:bodyPr wrap="none" rtlCol="0">
+            <a:spAutoFit/>
+          </a:bodyPr>
+          <a:lstStyle/>
+          <a:p>
+            <a:r>
+              <a:rPr lang="en-US" altLang="zh-CN" sz="1400" dirty="0">
+                <a:solidFill>
+                  <a:schemeClr val="accent1"/>
+                </a:solidFill>
+              </a:rPr>
+              <a:t>derive</a:t>
+            </a:r>
+            <a:endParaRPr lang="zh-CN" altLang="en-US" sz="1400" dirty="0">
+              <a:solidFill>
+                <a:schemeClr val="accent1"/>
+              </a:solidFill>
+            </a:endParaRPr>
+          </a:p>
+        </p:txBody>
+      </p:sp>
+      <p:sp>
+        <p:nvSpPr>
+          <p:cNvPr id="11" name="文本框 10">
+            <a:extLst>
+              <a:ext uri="{FF2B5EF4-FFF2-40B4-BE49-F238E27FC236}">
+                <a16:creationId xmlns:a16="http://schemas.microsoft.com/office/drawing/2014/main" id="{F86D169A-3B2C-4F9A-B65D-1C3C1B6F73C6}"/>
+              </a:ext>
+            </a:extLst>
+          </p:cNvPr>
+          <p:cNvSpPr txBox="1"/>
+          <p:nvPr/>
+        </p:nvSpPr>
+        <p:spPr>
+          <a:xfrm>
+            <a:off x="7086600" y="957457"/>
+            <a:ext cx="657552" cy="307777"/>
+          </a:xfrm>
+          <a:prstGeom prst="rect">
+            <a:avLst/>
+          </a:prstGeom>
+          <a:noFill/>
+        </p:spPr>
+        <p:txBody>
+          <a:bodyPr wrap="none" rtlCol="0">
+            <a:spAutoFit/>
+          </a:bodyPr>
+          <a:lstStyle/>
+          <a:p>
+            <a:r>
+              <a:rPr lang="en-US" altLang="zh-CN" sz="1400" dirty="0">
+                <a:solidFill>
+                  <a:schemeClr val="accent1"/>
+                </a:solidFill>
+              </a:rPr>
+              <a:t>derive</a:t>
+            </a:r>
+            <a:endParaRPr lang="zh-CN" altLang="en-US" sz="1400" dirty="0">
+              <a:solidFill>
+                <a:schemeClr val="accent1"/>
+              </a:solidFill>
+            </a:endParaRPr>
+          </a:p>
+        </p:txBody>
+      </p:sp>
+      <p:cxnSp>
+        <p:nvCxnSpPr>
+          <p:cNvPr id="12" name="直接箭头连接符 11">
+            <a:extLst>
+              <a:ext uri="{FF2B5EF4-FFF2-40B4-BE49-F238E27FC236}">
+                <a16:creationId xmlns:a16="http://schemas.microsoft.com/office/drawing/2014/main" id="{D4E2B2BE-FC69-43D8-83DD-31F9513EC0D3}"/>
+              </a:ext>
+            </a:extLst>
+          </p:cNvPr>
+          <p:cNvCxnSpPr>
+            <a:stCxn id="4" idx="2"/>
+            <a:endCxn id="5" idx="0"/>
+          </p:cNvCxnSpPr>
+          <p:nvPr/>
+        </p:nvCxnSpPr>
+        <p:spPr>
+          <a:xfrm>
+            <a:off x="3952448" y="2683297"/>
+            <a:ext cx="0" cy="512531"/>
+          </a:xfrm>
+          <a:prstGeom prst="straightConnector1">
+            <a:avLst/>
+          </a:prstGeom>
+          <a:ln>
+            <a:tailEnd type="triangle"/>
+          </a:ln>
+        </p:spPr>
+        <p:style>
+          <a:lnRef idx="1">
+            <a:schemeClr val="accent1"/>
+          </a:lnRef>
+          <a:fillRef idx="0">
+            <a:schemeClr val="accent1"/>
+          </a:fillRef>
+          <a:effectRef idx="0">
+            <a:schemeClr val="accent1"/>
+          </a:effectRef>
+          <a:fontRef idx="minor">
+            <a:schemeClr val="tx1"/>
+          </a:fontRef>
+        </p:style>
+      </p:cxnSp>
+      <p:sp>
+        <p:nvSpPr>
+          <p:cNvPr id="13" name="文本框 12">
+            <a:extLst>
+              <a:ext uri="{FF2B5EF4-FFF2-40B4-BE49-F238E27FC236}">
+                <a16:creationId xmlns:a16="http://schemas.microsoft.com/office/drawing/2014/main" id="{1EA3B60D-151B-438D-97C9-6A5704BC958F}"/>
+              </a:ext>
+            </a:extLst>
+          </p:cNvPr>
+          <p:cNvSpPr txBox="1"/>
+          <p:nvPr/>
+        </p:nvSpPr>
+        <p:spPr>
+          <a:xfrm>
+            <a:off x="3970757" y="2888051"/>
+            <a:ext cx="1739579" cy="307777"/>
+          </a:xfrm>
+          <a:prstGeom prst="rect">
+            <a:avLst/>
+          </a:prstGeom>
+          <a:noFill/>
+        </p:spPr>
+        <p:txBody>
+          <a:bodyPr wrap="none" rtlCol="0">
+            <a:spAutoFit/>
+          </a:bodyPr>
+          <a:lstStyle/>
+          <a:p>
+            <a:r>
+              <a:rPr lang="en-US" altLang="zh-CN" sz="1400" dirty="0">
+                <a:solidFill>
+                  <a:schemeClr val="accent1"/>
+                </a:solidFill>
+              </a:rPr>
+              <a:t>Derive &amp; implement</a:t>
+            </a:r>
+            <a:endParaRPr lang="zh-CN" altLang="en-US" sz="1400" dirty="0">
+              <a:solidFill>
+                <a:schemeClr val="accent1"/>
+              </a:solidFill>
+            </a:endParaRPr>
+          </a:p>
+        </p:txBody>
+      </p:sp>
+      <p:sp>
+        <p:nvSpPr>
+          <p:cNvPr id="14" name="文本框 13">
+            <a:extLst>
+              <a:ext uri="{FF2B5EF4-FFF2-40B4-BE49-F238E27FC236}">
+                <a16:creationId xmlns:a16="http://schemas.microsoft.com/office/drawing/2014/main" id="{658DEBDE-85EE-493E-9C77-7C521BBDCE66}"/>
+              </a:ext>
+            </a:extLst>
+          </p:cNvPr>
+          <p:cNvSpPr txBox="1"/>
+          <p:nvPr/>
+        </p:nvSpPr>
+        <p:spPr>
+          <a:xfrm>
+            <a:off x="0" y="2662563"/>
+            <a:ext cx="2476960" cy="276999"/>
+          </a:xfrm>
+          <a:prstGeom prst="rect">
+            <a:avLst/>
+          </a:prstGeom>
+          <a:noFill/>
+        </p:spPr>
+        <p:txBody>
+          <a:bodyPr wrap="none" rtlCol="0">
+            <a:spAutoFit/>
+          </a:bodyPr>
+          <a:lstStyle/>
+          <a:p>
+            <a:r>
+              <a:rPr lang="en-US" altLang="zh-CN" sz="1200" dirty="0"/>
+              <a:t>Complete by peripheral_driver.hpp</a:t>
+            </a:r>
+            <a:endParaRPr lang="zh-CN" altLang="en-US" sz="1200" dirty="0"/>
+          </a:p>
+        </p:txBody>
+      </p:sp>
+      <p:sp>
+        <p:nvSpPr>
+          <p:cNvPr id="15" name="文本框 14">
+            <a:extLst>
+              <a:ext uri="{FF2B5EF4-FFF2-40B4-BE49-F238E27FC236}">
+                <a16:creationId xmlns:a16="http://schemas.microsoft.com/office/drawing/2014/main" id="{B4B5AAE9-75CE-4387-A3EE-EF028ED8263E}"/>
+              </a:ext>
+            </a:extLst>
+          </p:cNvPr>
+          <p:cNvSpPr txBox="1"/>
+          <p:nvPr/>
+        </p:nvSpPr>
+        <p:spPr>
+          <a:xfrm>
+            <a:off x="1607" y="3666096"/>
+            <a:ext cx="2866490" cy="461665"/>
+          </a:xfrm>
+          <a:prstGeom prst="rect">
+            <a:avLst/>
+          </a:prstGeom>
+          <a:noFill/>
+        </p:spPr>
+        <p:txBody>
+          <a:bodyPr wrap="none" rtlCol="0">
+            <a:spAutoFit/>
+          </a:bodyPr>
+          <a:lstStyle/>
+          <a:p>
+            <a:r>
+              <a:rPr lang="en-US" altLang="zh-CN" sz="1200" dirty="0"/>
+              <a:t>Complete by Chip Support Package</a:t>
+            </a:r>
+          </a:p>
+          <a:p>
+            <a:r>
+              <a:rPr lang="en-US" altLang="zh-CN" sz="1200" dirty="0"/>
+              <a:t>Such as: </a:t>
+            </a:r>
+            <a:r>
+              <a:rPr lang="en-US" altLang="zh-CN" sz="1200" dirty="0" err="1"/>
+              <a:t>csp</a:t>
+            </a:r>
+            <a:r>
+              <a:rPr lang="en-US" altLang="zh-CN" sz="1200" dirty="0"/>
+              <a:t>/stm32/stm32_peri_impl.hpp</a:t>
+            </a:r>
+            <a:endParaRPr lang="zh-CN" altLang="en-US" sz="1200" dirty="0"/>
+          </a:p>
+        </p:txBody>
+      </p:sp>
+      <p:sp>
+        <p:nvSpPr>
+          <p:cNvPr id="16" name="矩形: 圆角 15">
+            <a:extLst>
+              <a:ext uri="{FF2B5EF4-FFF2-40B4-BE49-F238E27FC236}">
+                <a16:creationId xmlns:a16="http://schemas.microsoft.com/office/drawing/2014/main" id="{23544AC1-137E-4917-A006-08A7B2C2CCA1}"/>
               </a:ext>
             </a:extLst>
           </p:cNvPr>
@@ -6087,8 +6494,8 @@
         </p:nvSpPr>
         <p:spPr>
           <a:xfrm>
-            <a:off x="10182808" y="1079458"/>
-            <a:ext cx="895739" cy="466344"/>
+            <a:off x="7307735" y="3191256"/>
+            <a:ext cx="2689705" cy="466344"/>
           </a:xfrm>
           <a:prstGeom prst="roundRect">
             <a:avLst/>
@@ -6098,7 +6505,7 @@
           </a:solidFill>
           <a:ln w="19050">
             <a:solidFill>
-              <a:schemeClr val="tx1"/>
+              <a:schemeClr val="accent2"/>
             </a:solidFill>
           </a:ln>
         </p:spPr>
@@ -6124,14 +6531,14 @@
           <a:p>
             <a:pPr algn="ctr"/>
             <a:r>
-              <a:rPr lang="en-US" altLang="zh-CN" dirty="0">
+              <a:rPr lang="en-US" altLang="zh-CN" sz="1600" dirty="0">
                 <a:solidFill>
                   <a:schemeClr val="tx1"/>
                 </a:solidFill>
               </a:rPr>
-              <a:t>Seek</a:t>
-            </a:r>
-            <a:endParaRPr lang="zh-CN" altLang="en-US" dirty="0">
+              <a:t>Device prototype</a:t>
+            </a:r>
+            <a:endParaRPr lang="zh-CN" altLang="en-US" sz="1600" dirty="0">
               <a:solidFill>
                 <a:schemeClr val="tx1"/>
               </a:solidFill>
@@ -6139,12 +6546,138 @@
           </a:p>
         </p:txBody>
       </p:sp>
-      <p:sp>
-        <p:nvSpPr>
-          <p:cNvPr id="9" name="矩形: 圆角 8">
-            <a:extLst>
-              <a:ext uri="{FF2B5EF4-FFF2-40B4-BE49-F238E27FC236}">
-                <a16:creationId xmlns:a16="http://schemas.microsoft.com/office/drawing/2014/main" id="{FD30CD13-3550-4A9F-8C42-D5FCB3BCC162}"/>
+      <p:cxnSp>
+        <p:nvCxnSpPr>
+          <p:cNvPr id="17" name="直接箭头连接符 16">
+            <a:extLst>
+              <a:ext uri="{FF2B5EF4-FFF2-40B4-BE49-F238E27FC236}">
+                <a16:creationId xmlns:a16="http://schemas.microsoft.com/office/drawing/2014/main" id="{C2B63E98-F85D-4E4C-9672-0A0B9F5351EF}"/>
+              </a:ext>
+            </a:extLst>
+          </p:cNvPr>
+          <p:cNvCxnSpPr>
+            <a:stCxn id="5" idx="3"/>
+            <a:endCxn id="16" idx="1"/>
+          </p:cNvCxnSpPr>
+          <p:nvPr/>
+        </p:nvCxnSpPr>
+        <p:spPr>
+          <a:xfrm flipV="1">
+            <a:off x="5710336" y="3424428"/>
+            <a:ext cx="1597399" cy="4572"/>
+          </a:xfrm>
+          <a:prstGeom prst="straightConnector1">
+            <a:avLst/>
+          </a:prstGeom>
+          <a:ln>
+            <a:solidFill>
+              <a:schemeClr val="accent2"/>
+            </a:solidFill>
+            <a:tailEnd type="diamond" w="lg" len="lg"/>
+          </a:ln>
+        </p:spPr>
+        <p:style>
+          <a:lnRef idx="1">
+            <a:schemeClr val="accent1"/>
+          </a:lnRef>
+          <a:fillRef idx="0">
+            <a:schemeClr val="accent1"/>
+          </a:fillRef>
+          <a:effectRef idx="0">
+            <a:schemeClr val="accent1"/>
+          </a:effectRef>
+          <a:fontRef idx="minor">
+            <a:schemeClr val="tx1"/>
+          </a:fontRef>
+        </p:style>
+      </p:cxnSp>
+      <p:sp>
+        <p:nvSpPr>
+          <p:cNvPr id="18" name="文本框 17">
+            <a:extLst>
+              <a:ext uri="{FF2B5EF4-FFF2-40B4-BE49-F238E27FC236}">
+                <a16:creationId xmlns:a16="http://schemas.microsoft.com/office/drawing/2014/main" id="{38C69E5C-4DD6-4A16-BBE3-7434A928E8D5}"/>
+              </a:ext>
+            </a:extLst>
+          </p:cNvPr>
+          <p:cNvSpPr txBox="1"/>
+          <p:nvPr/>
+        </p:nvSpPr>
+        <p:spPr>
+          <a:xfrm>
+            <a:off x="5931470" y="3162818"/>
+            <a:ext cx="1155130" cy="523220"/>
+          </a:xfrm>
+          <a:prstGeom prst="rect">
+            <a:avLst/>
+          </a:prstGeom>
+          <a:noFill/>
+        </p:spPr>
+        <p:txBody>
+          <a:bodyPr wrap="square" rtlCol="0">
+            <a:spAutoFit/>
+          </a:bodyPr>
+          <a:lstStyle/>
+          <a:p>
+            <a:pPr algn="ctr"/>
+            <a:r>
+              <a:rPr lang="en-US" altLang="zh-CN" sz="1400" dirty="0">
+                <a:solidFill>
+                  <a:schemeClr val="accent2"/>
+                </a:solidFill>
+              </a:rPr>
+              <a:t>Contain as a pointer</a:t>
+            </a:r>
+            <a:endParaRPr lang="zh-CN" altLang="en-US" sz="1400" dirty="0">
+              <a:solidFill>
+                <a:schemeClr val="accent2"/>
+              </a:solidFill>
+            </a:endParaRPr>
+          </a:p>
+        </p:txBody>
+      </p:sp>
+      <p:sp>
+        <p:nvSpPr>
+          <p:cNvPr id="19" name="文本框 18">
+            <a:extLst>
+              <a:ext uri="{FF2B5EF4-FFF2-40B4-BE49-F238E27FC236}">
+                <a16:creationId xmlns:a16="http://schemas.microsoft.com/office/drawing/2014/main" id="{2B8E6C5B-A65C-452D-8173-314113E19177}"/>
+              </a:ext>
+            </a:extLst>
+          </p:cNvPr>
+          <p:cNvSpPr txBox="1"/>
+          <p:nvPr/>
+        </p:nvSpPr>
+        <p:spPr>
+          <a:xfrm>
+            <a:off x="9353401" y="3657600"/>
+            <a:ext cx="2505814" cy="276999"/>
+          </a:xfrm>
+          <a:prstGeom prst="rect">
+            <a:avLst/>
+          </a:prstGeom>
+          <a:noFill/>
+        </p:spPr>
+        <p:txBody>
+          <a:bodyPr wrap="none" rtlCol="0">
+            <a:spAutoFit/>
+          </a:bodyPr>
+          <a:lstStyle/>
+          <a:p>
+            <a:r>
+              <a:rPr lang="en-US" altLang="zh-CN" sz="1200" dirty="0"/>
+              <a:t>Complete by device_prototype.hpp</a:t>
+            </a:r>
+            <a:endParaRPr lang="zh-CN" altLang="en-US" sz="1200" dirty="0"/>
+          </a:p>
+        </p:txBody>
+      </p:sp>
+      <p:sp>
+        <p:nvSpPr>
+          <p:cNvPr id="20" name="矩形: 圆角 19">
+            <a:extLst>
+              <a:ext uri="{FF2B5EF4-FFF2-40B4-BE49-F238E27FC236}">
+                <a16:creationId xmlns:a16="http://schemas.microsoft.com/office/drawing/2014/main" id="{17607EEC-1131-488E-9AB7-9917813E69FF}"/>
               </a:ext>
             </a:extLst>
           </p:cNvPr>
@@ -6153,8 +6686,8 @@
         </p:nvSpPr>
         <p:spPr>
           <a:xfrm>
-            <a:off x="2607904" y="2077834"/>
-            <a:ext cx="1646855" cy="466344"/>
+            <a:off x="7322664" y="4202135"/>
+            <a:ext cx="2689705" cy="466344"/>
           </a:xfrm>
           <a:prstGeom prst="roundRect">
             <a:avLst/>
@@ -6164,7 +6697,7 @@
           </a:solidFill>
           <a:ln w="19050">
             <a:solidFill>
-              <a:schemeClr val="tx1"/>
+              <a:schemeClr val="accent2"/>
             </a:solidFill>
           </a:ln>
         </p:spPr>
@@ -6195,7 +6728,7 @@
                   <a:schemeClr val="tx1"/>
                 </a:solidFill>
               </a:rPr>
-              <a:t>Atom</a:t>
+              <a:t>Concrete Device</a:t>
             </a:r>
             <a:endParaRPr lang="zh-CN" altLang="en-US" sz="1600" dirty="0">
               <a:solidFill>
@@ -6205,12 +6738,305 @@
           </a:p>
         </p:txBody>
       </p:sp>
-      <p:sp>
-        <p:nvSpPr>
-          <p:cNvPr id="10" name="矩形: 圆角 9">
-            <a:extLst>
-              <a:ext uri="{FF2B5EF4-FFF2-40B4-BE49-F238E27FC236}">
-                <a16:creationId xmlns:a16="http://schemas.microsoft.com/office/drawing/2014/main" id="{508AF2D0-DB4B-419E-A9BB-5969E4F38155}"/>
+      <p:cxnSp>
+        <p:nvCxnSpPr>
+          <p:cNvPr id="21" name="直接箭头连接符 20">
+            <a:extLst>
+              <a:ext uri="{FF2B5EF4-FFF2-40B4-BE49-F238E27FC236}">
+                <a16:creationId xmlns:a16="http://schemas.microsoft.com/office/drawing/2014/main" id="{3E8C3154-C1C9-4398-9E4A-31A9EA3E083D}"/>
+              </a:ext>
+            </a:extLst>
+          </p:cNvPr>
+          <p:cNvCxnSpPr/>
+          <p:nvPr/>
+        </p:nvCxnSpPr>
+        <p:spPr>
+          <a:xfrm>
+            <a:off x="8667517" y="3657600"/>
+            <a:ext cx="0" cy="512531"/>
+          </a:xfrm>
+          <a:prstGeom prst="straightConnector1">
+            <a:avLst/>
+          </a:prstGeom>
+          <a:ln>
+            <a:solidFill>
+              <a:schemeClr val="accent2"/>
+            </a:solidFill>
+            <a:tailEnd type="triangle"/>
+          </a:ln>
+        </p:spPr>
+        <p:style>
+          <a:lnRef idx="1">
+            <a:schemeClr val="accent1"/>
+          </a:lnRef>
+          <a:fillRef idx="0">
+            <a:schemeClr val="accent1"/>
+          </a:fillRef>
+          <a:effectRef idx="0">
+            <a:schemeClr val="accent1"/>
+          </a:effectRef>
+          <a:fontRef idx="minor">
+            <a:schemeClr val="tx1"/>
+          </a:fontRef>
+        </p:style>
+      </p:cxnSp>
+      <p:cxnSp>
+        <p:nvCxnSpPr>
+          <p:cNvPr id="22" name="直接箭头连接符 21">
+            <a:extLst>
+              <a:ext uri="{FF2B5EF4-FFF2-40B4-BE49-F238E27FC236}">
+                <a16:creationId xmlns:a16="http://schemas.microsoft.com/office/drawing/2014/main" id="{0903D334-E828-4396-9482-264639433A7A}"/>
+              </a:ext>
+            </a:extLst>
+          </p:cNvPr>
+          <p:cNvCxnSpPr/>
+          <p:nvPr/>
+        </p:nvCxnSpPr>
+        <p:spPr>
+          <a:xfrm flipH="1">
+            <a:off x="3135086" y="1377198"/>
+            <a:ext cx="2574315" cy="839755"/>
+          </a:xfrm>
+          <a:prstGeom prst="straightConnector1">
+            <a:avLst/>
+          </a:prstGeom>
+          <a:ln>
+            <a:tailEnd type="triangle"/>
+          </a:ln>
+        </p:spPr>
+        <p:style>
+          <a:lnRef idx="1">
+            <a:schemeClr val="accent1"/>
+          </a:lnRef>
+          <a:fillRef idx="0">
+            <a:schemeClr val="accent1"/>
+          </a:fillRef>
+          <a:effectRef idx="0">
+            <a:schemeClr val="accent1"/>
+          </a:effectRef>
+          <a:fontRef idx="minor">
+            <a:schemeClr val="tx1"/>
+          </a:fontRef>
+        </p:style>
+      </p:cxnSp>
+      <p:cxnSp>
+        <p:nvCxnSpPr>
+          <p:cNvPr id="23" name="直接箭头连接符 22">
+            <a:extLst>
+              <a:ext uri="{FF2B5EF4-FFF2-40B4-BE49-F238E27FC236}">
+                <a16:creationId xmlns:a16="http://schemas.microsoft.com/office/drawing/2014/main" id="{25E9218B-2AC5-446D-BB33-82F7E654CB98}"/>
+              </a:ext>
+            </a:extLst>
+          </p:cNvPr>
+          <p:cNvCxnSpPr/>
+          <p:nvPr/>
+        </p:nvCxnSpPr>
+        <p:spPr>
+          <a:xfrm flipH="1">
+            <a:off x="4711959" y="1377198"/>
+            <a:ext cx="3087500" cy="839755"/>
+          </a:xfrm>
+          <a:prstGeom prst="straightConnector1">
+            <a:avLst/>
+          </a:prstGeom>
+          <a:ln>
+            <a:tailEnd type="triangle"/>
+          </a:ln>
+        </p:spPr>
+        <p:style>
+          <a:lnRef idx="1">
+            <a:schemeClr val="accent1"/>
+          </a:lnRef>
+          <a:fillRef idx="0">
+            <a:schemeClr val="accent1"/>
+          </a:fillRef>
+          <a:effectRef idx="0">
+            <a:schemeClr val="accent1"/>
+          </a:effectRef>
+          <a:fontRef idx="minor">
+            <a:schemeClr val="tx1"/>
+          </a:fontRef>
+        </p:style>
+      </p:cxnSp>
+      <p:cxnSp>
+        <p:nvCxnSpPr>
+          <p:cNvPr id="24" name="直接箭头连接符 23">
+            <a:extLst>
+              <a:ext uri="{FF2B5EF4-FFF2-40B4-BE49-F238E27FC236}">
+                <a16:creationId xmlns:a16="http://schemas.microsoft.com/office/drawing/2014/main" id="{DB77D877-3ACD-47B8-BB2D-74BD23539706}"/>
+              </a:ext>
+            </a:extLst>
+          </p:cNvPr>
+          <p:cNvCxnSpPr/>
+          <p:nvPr/>
+        </p:nvCxnSpPr>
+        <p:spPr>
+          <a:xfrm>
+            <a:off x="5709401" y="1377198"/>
+            <a:ext cx="2286934" cy="1814058"/>
+          </a:xfrm>
+          <a:prstGeom prst="straightConnector1">
+            <a:avLst/>
+          </a:prstGeom>
+          <a:ln>
+            <a:solidFill>
+              <a:schemeClr val="accent2"/>
+            </a:solidFill>
+            <a:tailEnd type="triangle"/>
+          </a:ln>
+        </p:spPr>
+        <p:style>
+          <a:lnRef idx="1">
+            <a:schemeClr val="accent1"/>
+          </a:lnRef>
+          <a:fillRef idx="0">
+            <a:schemeClr val="accent1"/>
+          </a:fillRef>
+          <a:effectRef idx="0">
+            <a:schemeClr val="accent1"/>
+          </a:effectRef>
+          <a:fontRef idx="minor">
+            <a:schemeClr val="tx1"/>
+          </a:fontRef>
+        </p:style>
+      </p:cxnSp>
+      <p:cxnSp>
+        <p:nvCxnSpPr>
+          <p:cNvPr id="25" name="直接箭头连接符 24">
+            <a:extLst>
+              <a:ext uri="{FF2B5EF4-FFF2-40B4-BE49-F238E27FC236}">
+                <a16:creationId xmlns:a16="http://schemas.microsoft.com/office/drawing/2014/main" id="{D747FA24-0B49-402B-9159-21E75CDE2DA3}"/>
+              </a:ext>
+            </a:extLst>
+          </p:cNvPr>
+          <p:cNvCxnSpPr/>
+          <p:nvPr/>
+        </p:nvCxnSpPr>
+        <p:spPr>
+          <a:xfrm>
+            <a:off x="7799459" y="1377198"/>
+            <a:ext cx="1447178" cy="1785620"/>
+          </a:xfrm>
+          <a:prstGeom prst="straightConnector1">
+            <a:avLst/>
+          </a:prstGeom>
+          <a:ln>
+            <a:solidFill>
+              <a:schemeClr val="accent2"/>
+            </a:solidFill>
+            <a:tailEnd type="triangle"/>
+          </a:ln>
+        </p:spPr>
+        <p:style>
+          <a:lnRef idx="1">
+            <a:schemeClr val="accent1"/>
+          </a:lnRef>
+          <a:fillRef idx="0">
+            <a:schemeClr val="accent1"/>
+          </a:fillRef>
+          <a:effectRef idx="0">
+            <a:schemeClr val="accent1"/>
+          </a:effectRef>
+          <a:fontRef idx="minor">
+            <a:schemeClr val="tx1"/>
+          </a:fontRef>
+        </p:style>
+      </p:cxnSp>
+      <p:sp>
+        <p:nvSpPr>
+          <p:cNvPr id="26" name="文本框 25">
+            <a:extLst>
+              <a:ext uri="{FF2B5EF4-FFF2-40B4-BE49-F238E27FC236}">
+                <a16:creationId xmlns:a16="http://schemas.microsoft.com/office/drawing/2014/main" id="{46DE83B5-5A99-4180-99FC-A9E3CA8C23DC}"/>
+              </a:ext>
+            </a:extLst>
+          </p:cNvPr>
+          <p:cNvSpPr txBox="1"/>
+          <p:nvPr/>
+        </p:nvSpPr>
+        <p:spPr>
+          <a:xfrm>
+            <a:off x="9353401" y="4668479"/>
+            <a:ext cx="2630848" cy="461665"/>
+          </a:xfrm>
+          <a:prstGeom prst="rect">
+            <a:avLst/>
+          </a:prstGeom>
+          <a:noFill/>
+        </p:spPr>
+        <p:txBody>
+          <a:bodyPr wrap="none" rtlCol="0">
+            <a:spAutoFit/>
+          </a:bodyPr>
+          <a:lstStyle/>
+          <a:p>
+            <a:r>
+              <a:rPr lang="en-US" altLang="zh-CN" sz="1200" dirty="0"/>
+              <a:t>Complete by specified physical driver</a:t>
+            </a:r>
+          </a:p>
+          <a:p>
+            <a:r>
+              <a:rPr lang="en-US" altLang="zh-CN" sz="1200" dirty="0"/>
+              <a:t>Such as: </a:t>
+            </a:r>
+            <a:r>
+              <a:rPr lang="en-US" altLang="zh-CN" sz="1200" dirty="0" err="1"/>
+              <a:t>ext</a:t>
+            </a:r>
+            <a:r>
+              <a:rPr lang="en-US" altLang="zh-CN" sz="1200" dirty="0"/>
+              <a:t>/sensor/bmp180.h</a:t>
+            </a:r>
+            <a:endParaRPr lang="zh-CN" altLang="en-US" sz="1200" dirty="0"/>
+          </a:p>
+        </p:txBody>
+      </p:sp>
+      <p:cxnSp>
+        <p:nvCxnSpPr>
+          <p:cNvPr id="27" name="直接箭头连接符 26">
+            <a:extLst>
+              <a:ext uri="{FF2B5EF4-FFF2-40B4-BE49-F238E27FC236}">
+                <a16:creationId xmlns:a16="http://schemas.microsoft.com/office/drawing/2014/main" id="{8643BD01-75B6-48FE-9A47-58B3BE3CFA19}"/>
+              </a:ext>
+            </a:extLst>
+          </p:cNvPr>
+          <p:cNvCxnSpPr/>
+          <p:nvPr/>
+        </p:nvCxnSpPr>
+        <p:spPr>
+          <a:xfrm>
+            <a:off x="3923834" y="3657600"/>
+            <a:ext cx="0" cy="512531"/>
+          </a:xfrm>
+          <a:prstGeom prst="straightConnector1">
+            <a:avLst/>
+          </a:prstGeom>
+          <a:ln>
+            <a:tailEnd type="triangle"/>
+          </a:ln>
+        </p:spPr>
+        <p:style>
+          <a:lnRef idx="1">
+            <a:schemeClr val="accent1"/>
+          </a:lnRef>
+          <a:fillRef idx="0">
+            <a:schemeClr val="accent1"/>
+          </a:fillRef>
+          <a:effectRef idx="0">
+            <a:schemeClr val="accent1"/>
+          </a:effectRef>
+          <a:fontRef idx="minor">
+            <a:schemeClr val="tx1"/>
+          </a:fontRef>
+        </p:style>
+      </p:cxnSp>
+      <p:sp>
+        <p:nvSpPr>
+          <p:cNvPr id="28" name="矩形: 圆角 27">
+            <a:extLst>
+              <a:ext uri="{FF2B5EF4-FFF2-40B4-BE49-F238E27FC236}">
+                <a16:creationId xmlns:a16="http://schemas.microsoft.com/office/drawing/2014/main" id="{3CAB407A-4D3D-47AF-9505-B272B1B5E635}"/>
               </a:ext>
             </a:extLst>
           </p:cNvPr>
@@ -6219,20 +7045,21 @@
         </p:nvSpPr>
         <p:spPr>
           <a:xfrm>
-            <a:off x="2607904" y="2843038"/>
-            <a:ext cx="1646855" cy="466344"/>
+            <a:off x="2165946" y="4165270"/>
+            <a:ext cx="3515776" cy="466344"/>
           </a:xfrm>
           <a:prstGeom prst="roundRect">
             <a:avLst/>
           </a:prstGeom>
-          <a:solidFill>
-            <a:schemeClr val="bg1"/>
-          </a:solidFill>
-          <a:ln w="19050">
-            <a:solidFill>
-              <a:schemeClr val="tx1"/>
-            </a:solidFill>
-          </a:ln>
+          <a:pattFill prst="pct5">
+            <a:fgClr>
+              <a:schemeClr val="accent1"/>
+            </a:fgClr>
+            <a:bgClr>
+              <a:schemeClr val="bg1"/>
+            </a:bgClr>
+          </a:pattFill>
+          <a:ln w="19050"/>
         </p:spPr>
         <p:style>
           <a:lnRef idx="2">
@@ -6261,7 +7088,7 @@
                   <a:schemeClr val="tx1"/>
                 </a:solidFill>
               </a:rPr>
-              <a:t>String</a:t>
+              <a:t>User Extension for the peripheral</a:t>
             </a:r>
             <a:endParaRPr lang="zh-CN" altLang="en-US" sz="1600" dirty="0">
               <a:solidFill>
@@ -6273,10 +7100,95 @@
       </p:sp>
       <p:sp>
         <p:nvSpPr>
-          <p:cNvPr id="11" name="矩形: 圆角 10">
-            <a:extLst>
-              <a:ext uri="{FF2B5EF4-FFF2-40B4-BE49-F238E27FC236}">
-                <a16:creationId xmlns:a16="http://schemas.microsoft.com/office/drawing/2014/main" id="{C7647C77-09EC-472F-9C00-74B833AA6034}"/>
+          <p:cNvPr id="29" name="文本框 28">
+            <a:extLst>
+              <a:ext uri="{FF2B5EF4-FFF2-40B4-BE49-F238E27FC236}">
+                <a16:creationId xmlns:a16="http://schemas.microsoft.com/office/drawing/2014/main" id="{DA9CE8CC-2756-4279-9766-9B8357AD6744}"/>
+              </a:ext>
+            </a:extLst>
+          </p:cNvPr>
+          <p:cNvSpPr txBox="1"/>
+          <p:nvPr/>
+        </p:nvSpPr>
+        <p:spPr>
+          <a:xfrm>
+            <a:off x="1607" y="4623462"/>
+            <a:ext cx="2116285" cy="461665"/>
+          </a:xfrm>
+          <a:prstGeom prst="rect">
+            <a:avLst/>
+          </a:prstGeom>
+          <a:noFill/>
+        </p:spPr>
+        <p:txBody>
+          <a:bodyPr wrap="none" rtlCol="0">
+            <a:spAutoFit/>
+          </a:bodyPr>
+          <a:lstStyle/>
+          <a:p>
+            <a:r>
+              <a:rPr lang="en-US" altLang="zh-CN" sz="1200" dirty="0"/>
+              <a:t>Complete by Library User</a:t>
+            </a:r>
+          </a:p>
+          <a:p>
+            <a:r>
+              <a:rPr lang="en-US" altLang="zh-CN" sz="1200" dirty="0"/>
+              <a:t>This is the outer of the library</a:t>
+            </a:r>
+          </a:p>
+        </p:txBody>
+      </p:sp>
+      <p:sp>
+        <p:nvSpPr>
+          <p:cNvPr id="30" name="文本框 29">
+            <a:extLst>
+              <a:ext uri="{FF2B5EF4-FFF2-40B4-BE49-F238E27FC236}">
+                <a16:creationId xmlns:a16="http://schemas.microsoft.com/office/drawing/2014/main" id="{BB7B6778-A15D-4242-9F2C-BA38829AC466}"/>
+              </a:ext>
+            </a:extLst>
+          </p:cNvPr>
+          <p:cNvSpPr txBox="1"/>
+          <p:nvPr/>
+        </p:nvSpPr>
+        <p:spPr>
+          <a:xfrm>
+            <a:off x="3951764" y="3838738"/>
+            <a:ext cx="1556836" cy="307777"/>
+          </a:xfrm>
+          <a:prstGeom prst="rect">
+            <a:avLst/>
+          </a:prstGeom>
+          <a:noFill/>
+        </p:spPr>
+        <p:txBody>
+          <a:bodyPr wrap="none" rtlCol="0">
+            <a:spAutoFit/>
+          </a:bodyPr>
+          <a:lstStyle/>
+          <a:p>
+            <a:r>
+              <a:rPr lang="en-US" altLang="zh-CN" sz="1400" dirty="0">
+                <a:solidFill>
+                  <a:schemeClr val="accent1"/>
+                </a:solidFill>
+              </a:rPr>
+              <a:t>Derive &amp; strength</a:t>
+            </a:r>
+            <a:endParaRPr lang="zh-CN" altLang="en-US" sz="1400" dirty="0">
+              <a:solidFill>
+                <a:schemeClr val="accent1"/>
+              </a:solidFill>
+            </a:endParaRPr>
+          </a:p>
+        </p:txBody>
+      </p:sp>
+      <p:sp>
+        <p:nvSpPr>
+          <p:cNvPr id="31" name="矩形: 圆角 30">
+            <a:extLst>
+              <a:ext uri="{FF2B5EF4-FFF2-40B4-BE49-F238E27FC236}">
+                <a16:creationId xmlns:a16="http://schemas.microsoft.com/office/drawing/2014/main" id="{01D20AE8-15AD-4C2D-8047-81516A61D7FA}"/>
               </a:ext>
             </a:extLst>
           </p:cNvPr>
@@ -6285,8 +7197,8 @@
         </p:nvSpPr>
         <p:spPr>
           <a:xfrm>
-            <a:off x="2607904" y="3614027"/>
-            <a:ext cx="1646855" cy="466344"/>
+            <a:off x="7322664" y="5362654"/>
+            <a:ext cx="2689705" cy="466344"/>
           </a:xfrm>
           <a:prstGeom prst="roundRect">
             <a:avLst/>
@@ -6296,7 +7208,9 @@
           </a:solidFill>
           <a:ln w="19050">
             <a:solidFill>
-              <a:schemeClr val="tx1"/>
+              <a:schemeClr val="accent6">
+                <a:lumMod val="50000"/>
+              </a:schemeClr>
             </a:solidFill>
           </a:ln>
         </p:spPr>
@@ -6327,7 +7241,7 @@
                   <a:schemeClr val="tx1"/>
                 </a:solidFill>
               </a:rPr>
-              <a:t>Address</a:t>
+              <a:t>Device workflow</a:t>
             </a:r>
             <a:endParaRPr lang="zh-CN" altLang="en-US" sz="1600" dirty="0">
               <a:solidFill>
@@ -6337,12 +7251,260 @@
           </a:p>
         </p:txBody>
       </p:sp>
-      <p:sp>
-        <p:nvSpPr>
-          <p:cNvPr id="12" name="矩形: 圆角 11">
-            <a:extLst>
-              <a:ext uri="{FF2B5EF4-FFF2-40B4-BE49-F238E27FC236}">
-                <a16:creationId xmlns:a16="http://schemas.microsoft.com/office/drawing/2014/main" id="{A064981E-BE73-40CB-98F7-BA68517D9C5D}"/>
+      <p:cxnSp>
+        <p:nvCxnSpPr>
+          <p:cNvPr id="32" name="直接箭头连接符 31">
+            <a:extLst>
+              <a:ext uri="{FF2B5EF4-FFF2-40B4-BE49-F238E27FC236}">
+                <a16:creationId xmlns:a16="http://schemas.microsoft.com/office/drawing/2014/main" id="{7636C8B9-1929-4A48-BCAE-BA7F2324BB8B}"/>
+              </a:ext>
+            </a:extLst>
+          </p:cNvPr>
+          <p:cNvCxnSpPr>
+            <a:stCxn id="20" idx="2"/>
+            <a:endCxn id="31" idx="0"/>
+          </p:cNvCxnSpPr>
+          <p:nvPr/>
+        </p:nvCxnSpPr>
+        <p:spPr>
+          <a:xfrm>
+            <a:off x="8667517" y="4668479"/>
+            <a:ext cx="0" cy="694175"/>
+          </a:xfrm>
+          <a:prstGeom prst="straightConnector1">
+            <a:avLst/>
+          </a:prstGeom>
+          <a:ln>
+            <a:solidFill>
+              <a:schemeClr val="accent6">
+                <a:lumMod val="50000"/>
+              </a:schemeClr>
+            </a:solidFill>
+            <a:tailEnd type="diamond" w="lg" len="lg"/>
+          </a:ln>
+        </p:spPr>
+        <p:style>
+          <a:lnRef idx="1">
+            <a:schemeClr val="accent1"/>
+          </a:lnRef>
+          <a:fillRef idx="0">
+            <a:schemeClr val="accent1"/>
+          </a:fillRef>
+          <a:effectRef idx="0">
+            <a:schemeClr val="accent1"/>
+          </a:effectRef>
+          <a:fontRef idx="minor">
+            <a:schemeClr val="tx1"/>
+          </a:fontRef>
+        </p:style>
+      </p:cxnSp>
+      <p:sp>
+        <p:nvSpPr>
+          <p:cNvPr id="33" name="文本框 32">
+            <a:extLst>
+              <a:ext uri="{FF2B5EF4-FFF2-40B4-BE49-F238E27FC236}">
+                <a16:creationId xmlns:a16="http://schemas.microsoft.com/office/drawing/2014/main" id="{538CBD5E-5D4C-460B-848A-2186C26C138F}"/>
+              </a:ext>
+            </a:extLst>
+          </p:cNvPr>
+          <p:cNvSpPr txBox="1"/>
+          <p:nvPr/>
+        </p:nvSpPr>
+        <p:spPr>
+          <a:xfrm>
+            <a:off x="8667516" y="3890110"/>
+            <a:ext cx="1739579" cy="307777"/>
+          </a:xfrm>
+          <a:prstGeom prst="rect">
+            <a:avLst/>
+          </a:prstGeom>
+          <a:noFill/>
+        </p:spPr>
+        <p:txBody>
+          <a:bodyPr wrap="none" rtlCol="0">
+            <a:spAutoFit/>
+          </a:bodyPr>
+          <a:lstStyle/>
+          <a:p>
+            <a:r>
+              <a:rPr lang="en-US" altLang="zh-CN" sz="1400" dirty="0">
+                <a:solidFill>
+                  <a:schemeClr val="accent2"/>
+                </a:solidFill>
+              </a:rPr>
+              <a:t>Derive &amp; implement</a:t>
+            </a:r>
+            <a:endParaRPr lang="zh-CN" altLang="en-US" sz="1400" dirty="0">
+              <a:solidFill>
+                <a:schemeClr val="accent2"/>
+              </a:solidFill>
+            </a:endParaRPr>
+          </a:p>
+        </p:txBody>
+      </p:sp>
+      <p:grpSp>
+        <p:nvGrpSpPr>
+          <p:cNvPr id="34" name="组合 33">
+            <a:extLst>
+              <a:ext uri="{FF2B5EF4-FFF2-40B4-BE49-F238E27FC236}">
+                <a16:creationId xmlns:a16="http://schemas.microsoft.com/office/drawing/2014/main" id="{174E7089-0FF8-480F-BF7C-134EACA74D0A}"/>
+              </a:ext>
+            </a:extLst>
+          </p:cNvPr>
+          <p:cNvGrpSpPr/>
+          <p:nvPr/>
+        </p:nvGrpSpPr>
+        <p:grpSpPr>
+          <a:xfrm>
+            <a:off x="3554768" y="5030232"/>
+            <a:ext cx="2725317" cy="1131188"/>
+            <a:chOff x="3550473" y="5046354"/>
+            <a:chExt cx="2725317" cy="1131188"/>
+          </a:xfrm>
+        </p:grpSpPr>
+        <p:sp>
+          <p:nvSpPr>
+            <p:cNvPr id="35" name="矩形: 圆角 34">
+              <a:extLst>
+                <a:ext uri="{FF2B5EF4-FFF2-40B4-BE49-F238E27FC236}">
+                  <a16:creationId xmlns:a16="http://schemas.microsoft.com/office/drawing/2014/main" id="{3D4F86F7-317F-4753-A3A4-343C14C40B2A}"/>
+                </a:ext>
+              </a:extLst>
+            </p:cNvPr>
+            <p:cNvSpPr/>
+            <p:nvPr/>
+          </p:nvSpPr>
+          <p:spPr>
+            <a:xfrm>
+              <a:off x="3586085" y="5046354"/>
+              <a:ext cx="2689705" cy="466344"/>
+            </a:xfrm>
+            <a:prstGeom prst="roundRect">
+              <a:avLst/>
+            </a:prstGeom>
+            <a:solidFill>
+              <a:schemeClr val="bg1"/>
+            </a:solidFill>
+            <a:ln w="19050">
+              <a:solidFill>
+                <a:schemeClr val="accent6">
+                  <a:lumMod val="50000"/>
+                </a:schemeClr>
+              </a:solidFill>
+            </a:ln>
+          </p:spPr>
+          <p:style>
+            <a:lnRef idx="2">
+              <a:schemeClr val="accent1">
+                <a:shade val="50000"/>
+              </a:schemeClr>
+            </a:lnRef>
+            <a:fillRef idx="1">
+              <a:schemeClr val="accent1"/>
+            </a:fillRef>
+            <a:effectRef idx="0">
+              <a:schemeClr val="accent1"/>
+            </a:effectRef>
+            <a:fontRef idx="minor">
+              <a:schemeClr val="lt1"/>
+            </a:fontRef>
+          </p:style>
+          <p:txBody>
+            <a:bodyPr rtlCol="0" anchor="ctr"/>
+            <a:lstStyle/>
+            <a:p>
+              <a:pPr algn="ctr"/>
+              <a:r>
+                <a:rPr lang="en-US" altLang="zh-CN" sz="1600" dirty="0">
+                  <a:solidFill>
+                    <a:schemeClr val="tx1"/>
+                  </a:solidFill>
+                </a:rPr>
+                <a:t>Workflow class</a:t>
+              </a:r>
+              <a:endParaRPr lang="zh-CN" altLang="en-US" sz="1600" dirty="0">
+                <a:solidFill>
+                  <a:schemeClr val="tx1"/>
+                </a:solidFill>
+              </a:endParaRPr>
+            </a:p>
+          </p:txBody>
+        </p:sp>
+        <p:sp>
+          <p:nvSpPr>
+            <p:cNvPr id="36" name="矩形: 圆角 35">
+              <a:extLst>
+                <a:ext uri="{FF2B5EF4-FFF2-40B4-BE49-F238E27FC236}">
+                  <a16:creationId xmlns:a16="http://schemas.microsoft.com/office/drawing/2014/main" id="{8FC595A9-82A0-4DD4-A07C-2F6624EFD8EF}"/>
+                </a:ext>
+              </a:extLst>
+            </p:cNvPr>
+            <p:cNvSpPr/>
+            <p:nvPr/>
+          </p:nvSpPr>
+          <p:spPr>
+            <a:xfrm>
+              <a:off x="3550473" y="5711198"/>
+              <a:ext cx="2689705" cy="466344"/>
+            </a:xfrm>
+            <a:prstGeom prst="roundRect">
+              <a:avLst/>
+            </a:prstGeom>
+            <a:solidFill>
+              <a:schemeClr val="bg1"/>
+            </a:solidFill>
+            <a:ln w="19050">
+              <a:solidFill>
+                <a:schemeClr val="accent6">
+                  <a:lumMod val="50000"/>
+                </a:schemeClr>
+              </a:solidFill>
+            </a:ln>
+          </p:spPr>
+          <p:style>
+            <a:lnRef idx="2">
+              <a:schemeClr val="accent1">
+                <a:shade val="50000"/>
+              </a:schemeClr>
+            </a:lnRef>
+            <a:fillRef idx="1">
+              <a:schemeClr val="accent1"/>
+            </a:fillRef>
+            <a:effectRef idx="0">
+              <a:schemeClr val="accent1"/>
+            </a:effectRef>
+            <a:fontRef idx="minor">
+              <a:schemeClr val="lt1"/>
+            </a:fontRef>
+          </p:style>
+          <p:txBody>
+            <a:bodyPr rtlCol="0" anchor="ctr"/>
+            <a:lstStyle/>
+            <a:p>
+              <a:pPr algn="ctr"/>
+              <a:r>
+                <a:rPr lang="en-US" altLang="zh-CN" sz="1600" dirty="0">
+                  <a:solidFill>
+                    <a:schemeClr val="tx1"/>
+                  </a:solidFill>
+                </a:rPr>
+                <a:t>Workflow class</a:t>
+              </a:r>
+              <a:endParaRPr lang="zh-CN" altLang="en-US" sz="1600" dirty="0">
+                <a:solidFill>
+                  <a:schemeClr val="tx1"/>
+                </a:solidFill>
+              </a:endParaRPr>
+            </a:p>
+          </p:txBody>
+        </p:sp>
+      </p:grpSp>
+      <p:sp>
+        <p:nvSpPr>
+          <p:cNvPr id="37" name="矩形 36">
+            <a:extLst>
+              <a:ext uri="{FF2B5EF4-FFF2-40B4-BE49-F238E27FC236}">
+                <a16:creationId xmlns:a16="http://schemas.microsoft.com/office/drawing/2014/main" id="{2D3D0CB7-6FF0-46D6-A6FD-372A8976C7D8}"/>
               </a:ext>
             </a:extLst>
           </p:cNvPr>
@@ -6351,20 +7513,338 @@
         </p:nvSpPr>
         <p:spPr>
           <a:xfrm>
-            <a:off x="2607904" y="5155446"/>
-            <a:ext cx="1646855" cy="466344"/>
-          </a:xfrm>
-          <a:prstGeom prst="roundRect">
-            <a:avLst/>
-          </a:prstGeom>
-          <a:solidFill>
-            <a:schemeClr val="bg1"/>
-          </a:solidFill>
-          <a:ln w="19050">
+            <a:off x="6167533" y="4977699"/>
+            <a:ext cx="1155131" cy="523220"/>
+          </a:xfrm>
+          <a:prstGeom prst="rect">
+            <a:avLst/>
+          </a:prstGeom>
+        </p:spPr>
+        <p:txBody>
+          <a:bodyPr wrap="square">
+            <a:spAutoFit/>
+          </a:bodyPr>
+          <a:lstStyle/>
+          <a:p>
+            <a:pPr algn="ctr"/>
+            <a:r>
+              <a:rPr lang="en-US" altLang="zh-CN" sz="1400" dirty="0">
+                <a:solidFill>
+                  <a:schemeClr val="accent6">
+                    <a:lumMod val="50000"/>
+                  </a:schemeClr>
+                </a:solidFill>
+              </a:rPr>
+              <a:t>Contain an object </a:t>
+            </a:r>
+            <a:endParaRPr lang="zh-CN" altLang="en-US" sz="1400" dirty="0">
+              <a:solidFill>
+                <a:schemeClr val="accent6">
+                  <a:lumMod val="50000"/>
+                </a:schemeClr>
+              </a:solidFill>
+            </a:endParaRPr>
+          </a:p>
+        </p:txBody>
+      </p:sp>
+      <p:cxnSp>
+        <p:nvCxnSpPr>
+          <p:cNvPr id="38" name="直接连接符 37">
+            <a:extLst>
+              <a:ext uri="{FF2B5EF4-FFF2-40B4-BE49-F238E27FC236}">
+                <a16:creationId xmlns:a16="http://schemas.microsoft.com/office/drawing/2014/main" id="{F6411EE6-C33F-4357-9EF9-570F632CE3E1}"/>
+              </a:ext>
+            </a:extLst>
+          </p:cNvPr>
+          <p:cNvCxnSpPr>
+            <a:stCxn id="35" idx="3"/>
+          </p:cNvCxnSpPr>
+          <p:nvPr/>
+        </p:nvCxnSpPr>
+        <p:spPr>
+          <a:xfrm>
+            <a:off x="6280085" y="5263404"/>
+            <a:ext cx="1519374" cy="0"/>
+          </a:xfrm>
+          <a:prstGeom prst="line">
+            <a:avLst/>
+          </a:prstGeom>
+          <a:ln>
             <a:solidFill>
-              <a:schemeClr val="tx1"/>
+              <a:schemeClr val="accent6">
+                <a:lumMod val="50000"/>
+              </a:schemeClr>
             </a:solidFill>
           </a:ln>
+        </p:spPr>
+        <p:style>
+          <a:lnRef idx="1">
+            <a:schemeClr val="accent1"/>
+          </a:lnRef>
+          <a:fillRef idx="0">
+            <a:schemeClr val="accent1"/>
+          </a:fillRef>
+          <a:effectRef idx="0">
+            <a:schemeClr val="accent1"/>
+          </a:effectRef>
+          <a:fontRef idx="minor">
+            <a:schemeClr val="tx1"/>
+          </a:fontRef>
+        </p:style>
+      </p:cxnSp>
+      <p:cxnSp>
+        <p:nvCxnSpPr>
+          <p:cNvPr id="39" name="直接箭头连接符 38">
+            <a:extLst>
+              <a:ext uri="{FF2B5EF4-FFF2-40B4-BE49-F238E27FC236}">
+                <a16:creationId xmlns:a16="http://schemas.microsoft.com/office/drawing/2014/main" id="{ABC762A3-706B-4307-A2A1-B66A4E999C5F}"/>
+              </a:ext>
+            </a:extLst>
+          </p:cNvPr>
+          <p:cNvCxnSpPr/>
+          <p:nvPr/>
+        </p:nvCxnSpPr>
+        <p:spPr>
+          <a:xfrm>
+            <a:off x="7799459" y="5263404"/>
+            <a:ext cx="131561" cy="99250"/>
+          </a:xfrm>
+          <a:prstGeom prst="straightConnector1">
+            <a:avLst/>
+          </a:prstGeom>
+          <a:ln>
+            <a:solidFill>
+              <a:schemeClr val="accent6">
+                <a:lumMod val="50000"/>
+              </a:schemeClr>
+            </a:solidFill>
+            <a:tailEnd type="diamond" w="lg" len="lg"/>
+          </a:ln>
+        </p:spPr>
+        <p:style>
+          <a:lnRef idx="1">
+            <a:schemeClr val="accent1"/>
+          </a:lnRef>
+          <a:fillRef idx="0">
+            <a:schemeClr val="accent1"/>
+          </a:fillRef>
+          <a:effectRef idx="0">
+            <a:schemeClr val="accent1"/>
+          </a:effectRef>
+          <a:fontRef idx="minor">
+            <a:schemeClr val="tx1"/>
+          </a:fontRef>
+        </p:style>
+      </p:cxnSp>
+      <p:cxnSp>
+        <p:nvCxnSpPr>
+          <p:cNvPr id="40" name="直接连接符 39">
+            <a:extLst>
+              <a:ext uri="{FF2B5EF4-FFF2-40B4-BE49-F238E27FC236}">
+                <a16:creationId xmlns:a16="http://schemas.microsoft.com/office/drawing/2014/main" id="{F4DFC012-6CC1-47A0-8E33-78F62E936B60}"/>
+              </a:ext>
+            </a:extLst>
+          </p:cNvPr>
+          <p:cNvCxnSpPr/>
+          <p:nvPr/>
+        </p:nvCxnSpPr>
+        <p:spPr>
+          <a:xfrm>
+            <a:off x="6224778" y="5929187"/>
+            <a:ext cx="1519374" cy="0"/>
+          </a:xfrm>
+          <a:prstGeom prst="line">
+            <a:avLst/>
+          </a:prstGeom>
+          <a:ln>
+            <a:solidFill>
+              <a:schemeClr val="accent6">
+                <a:lumMod val="50000"/>
+              </a:schemeClr>
+            </a:solidFill>
+          </a:ln>
+        </p:spPr>
+        <p:style>
+          <a:lnRef idx="1">
+            <a:schemeClr val="accent1"/>
+          </a:lnRef>
+          <a:fillRef idx="0">
+            <a:schemeClr val="accent1"/>
+          </a:fillRef>
+          <a:effectRef idx="0">
+            <a:schemeClr val="accent1"/>
+          </a:effectRef>
+          <a:fontRef idx="minor">
+            <a:schemeClr val="tx1"/>
+          </a:fontRef>
+        </p:style>
+      </p:cxnSp>
+      <p:cxnSp>
+        <p:nvCxnSpPr>
+          <p:cNvPr id="41" name="直接箭头连接符 40">
+            <a:extLst>
+              <a:ext uri="{FF2B5EF4-FFF2-40B4-BE49-F238E27FC236}">
+                <a16:creationId xmlns:a16="http://schemas.microsoft.com/office/drawing/2014/main" id="{C9FB0525-2AB1-4B1A-A1E3-6458A131218D}"/>
+              </a:ext>
+            </a:extLst>
+          </p:cNvPr>
+          <p:cNvCxnSpPr>
+            <a:cxnSpLocks/>
+          </p:cNvCxnSpPr>
+          <p:nvPr/>
+        </p:nvCxnSpPr>
+        <p:spPr>
+          <a:xfrm flipV="1">
+            <a:off x="7744152" y="5828998"/>
+            <a:ext cx="131561" cy="99250"/>
+          </a:xfrm>
+          <a:prstGeom prst="straightConnector1">
+            <a:avLst/>
+          </a:prstGeom>
+          <a:ln>
+            <a:solidFill>
+              <a:schemeClr val="accent6">
+                <a:lumMod val="50000"/>
+              </a:schemeClr>
+            </a:solidFill>
+            <a:tailEnd type="diamond" w="lg" len="lg"/>
+          </a:ln>
+        </p:spPr>
+        <p:style>
+          <a:lnRef idx="1">
+            <a:schemeClr val="accent1"/>
+          </a:lnRef>
+          <a:fillRef idx="0">
+            <a:schemeClr val="accent1"/>
+          </a:fillRef>
+          <a:effectRef idx="0">
+            <a:schemeClr val="accent1"/>
+          </a:effectRef>
+          <a:fontRef idx="minor">
+            <a:schemeClr val="tx1"/>
+          </a:fontRef>
+        </p:style>
+      </p:cxnSp>
+      <p:sp>
+        <p:nvSpPr>
+          <p:cNvPr id="42" name="矩形 41">
+            <a:extLst>
+              <a:ext uri="{FF2B5EF4-FFF2-40B4-BE49-F238E27FC236}">
+                <a16:creationId xmlns:a16="http://schemas.microsoft.com/office/drawing/2014/main" id="{C22EC211-D250-44A5-AB70-0B74F8CF4598}"/>
+              </a:ext>
+            </a:extLst>
+          </p:cNvPr>
+          <p:cNvSpPr/>
+          <p:nvPr/>
+        </p:nvSpPr>
+        <p:spPr>
+          <a:xfrm>
+            <a:off x="6144186" y="5638200"/>
+            <a:ext cx="1155131" cy="523220"/>
+          </a:xfrm>
+          <a:prstGeom prst="rect">
+            <a:avLst/>
+          </a:prstGeom>
+        </p:spPr>
+        <p:txBody>
+          <a:bodyPr wrap="square">
+            <a:spAutoFit/>
+          </a:bodyPr>
+          <a:lstStyle/>
+          <a:p>
+            <a:pPr algn="ctr"/>
+            <a:r>
+              <a:rPr lang="en-US" altLang="zh-CN" sz="1400" dirty="0">
+                <a:solidFill>
+                  <a:schemeClr val="accent6">
+                    <a:lumMod val="50000"/>
+                  </a:schemeClr>
+                </a:solidFill>
+              </a:rPr>
+              <a:t>Contain an object array </a:t>
+            </a:r>
+            <a:endParaRPr lang="zh-CN" altLang="en-US" sz="1400" dirty="0">
+              <a:solidFill>
+                <a:schemeClr val="accent6">
+                  <a:lumMod val="50000"/>
+                </a:schemeClr>
+              </a:solidFill>
+            </a:endParaRPr>
+          </a:p>
+        </p:txBody>
+      </p:sp>
+      <p:sp>
+        <p:nvSpPr>
+          <p:cNvPr id="43" name="文本框 42">
+            <a:extLst>
+              <a:ext uri="{FF2B5EF4-FFF2-40B4-BE49-F238E27FC236}">
+                <a16:creationId xmlns:a16="http://schemas.microsoft.com/office/drawing/2014/main" id="{463D74EC-6CCA-4216-8E05-F002E04C552F}"/>
+              </a:ext>
+            </a:extLst>
+          </p:cNvPr>
+          <p:cNvSpPr txBox="1"/>
+          <p:nvPr/>
+        </p:nvSpPr>
+        <p:spPr>
+          <a:xfrm>
+            <a:off x="9323758" y="5813689"/>
+            <a:ext cx="2868242" cy="646331"/>
+          </a:xfrm>
+          <a:prstGeom prst="rect">
+            <a:avLst/>
+          </a:prstGeom>
+          <a:noFill/>
+        </p:spPr>
+        <p:txBody>
+          <a:bodyPr wrap="square" rtlCol="0">
+            <a:spAutoFit/>
+          </a:bodyPr>
+          <a:lstStyle/>
+          <a:p>
+            <a:r>
+              <a:rPr lang="en-US" altLang="zh-CN" sz="1200" dirty="0"/>
+              <a:t>Complete by specified physical driver and general usage routine</a:t>
+            </a:r>
+          </a:p>
+          <a:p>
+            <a:r>
+              <a:rPr lang="en-US" altLang="zh-CN" sz="1200" dirty="0"/>
+              <a:t>Such as: </a:t>
+            </a:r>
+            <a:r>
+              <a:rPr lang="en-US" altLang="zh-CN" sz="1200" dirty="0" err="1"/>
+              <a:t>ext</a:t>
+            </a:r>
+            <a:r>
+              <a:rPr lang="en-US" altLang="zh-CN" sz="1200" dirty="0"/>
+              <a:t>/sensor/bmp180_workflow.h</a:t>
+            </a:r>
+            <a:endParaRPr lang="zh-CN" altLang="en-US" sz="1200" dirty="0"/>
+          </a:p>
+        </p:txBody>
+      </p:sp>
+      <p:sp>
+        <p:nvSpPr>
+          <p:cNvPr id="44" name="矩形 43">
+            <a:extLst>
+              <a:ext uri="{FF2B5EF4-FFF2-40B4-BE49-F238E27FC236}">
+                <a16:creationId xmlns:a16="http://schemas.microsoft.com/office/drawing/2014/main" id="{12F17139-2690-479A-9E2C-D418E90FBEF5}"/>
+              </a:ext>
+            </a:extLst>
+          </p:cNvPr>
+          <p:cNvSpPr/>
+          <p:nvPr/>
+        </p:nvSpPr>
+        <p:spPr>
+          <a:xfrm>
+            <a:off x="2386584" y="73152"/>
+            <a:ext cx="8814816" cy="1409921"/>
+          </a:xfrm>
+          <a:prstGeom prst="rect">
+            <a:avLst/>
+          </a:prstGeom>
+          <a:noFill/>
+          <a:ln w="76200"/>
         </p:spPr>
         <p:style>
           <a:lnRef idx="2">
@@ -6387,80 +7867,16 @@
           <a:lstStyle/>
           <a:p>
             <a:pPr algn="ctr"/>
-            <a:r>
-              <a:rPr lang="en-US" altLang="zh-CN" sz="1600" dirty="0">
-                <a:solidFill>
-                  <a:schemeClr val="tx1"/>
-                </a:solidFill>
-              </a:rPr>
-              <a:t>Dual </a:t>
-            </a:r>
-            <a:r>
-              <a:rPr lang="en-US" altLang="zh-CN" sz="1600" dirty="0" err="1">
-                <a:solidFill>
-                  <a:schemeClr val="tx1"/>
-                </a:solidFill>
-              </a:rPr>
-              <a:t>Addr</a:t>
-            </a:r>
-            <a:endParaRPr lang="zh-CN" altLang="en-US" sz="1600" dirty="0">
-              <a:solidFill>
-                <a:schemeClr val="tx1"/>
-              </a:solidFill>
-            </a:endParaRPr>
-          </a:p>
-        </p:txBody>
-      </p:sp>
-      <p:sp>
-        <p:nvSpPr>
-          <p:cNvPr id="13" name="左大括号 12">
-            <a:extLst>
-              <a:ext uri="{FF2B5EF4-FFF2-40B4-BE49-F238E27FC236}">
-                <a16:creationId xmlns:a16="http://schemas.microsoft.com/office/drawing/2014/main" id="{04636A1B-F5DF-46D3-B517-5535AB7DB3B3}"/>
-              </a:ext>
-            </a:extLst>
-          </p:cNvPr>
-          <p:cNvSpPr/>
-          <p:nvPr/>
-        </p:nvSpPr>
-        <p:spPr>
-          <a:xfrm rot="5400000">
-            <a:off x="6118994" y="184725"/>
-            <a:ext cx="73760" cy="1441582"/>
-          </a:xfrm>
-          <a:prstGeom prst="leftBrace">
-            <a:avLst/>
-          </a:prstGeom>
-        </p:spPr>
-        <p:style>
-          <a:lnRef idx="1">
-            <a:schemeClr val="accent1"/>
-          </a:lnRef>
-          <a:fillRef idx="0">
-            <a:schemeClr val="accent1"/>
-          </a:fillRef>
-          <a:effectRef idx="0">
-            <a:schemeClr val="accent1"/>
-          </a:effectRef>
-          <a:fontRef idx="minor">
-            <a:schemeClr val="tx1"/>
-          </a:fontRef>
-        </p:style>
-        <p:txBody>
-          <a:bodyPr rtlCol="0" anchor="ctr"/>
-          <a:lstStyle/>
-          <a:p>
-            <a:pPr algn="ctr"/>
             <a:endParaRPr lang="zh-CN" altLang="en-US"/>
           </a:p>
         </p:txBody>
       </p:sp>
       <p:sp>
         <p:nvSpPr>
-          <p:cNvPr id="14" name="文本框 13">
-            <a:extLst>
-              <a:ext uri="{FF2B5EF4-FFF2-40B4-BE49-F238E27FC236}">
-                <a16:creationId xmlns:a16="http://schemas.microsoft.com/office/drawing/2014/main" id="{68CCBAE0-2A71-45B4-948A-233A9ACAFB87}"/>
+          <p:cNvPr id="45" name="文本框 44">
+            <a:extLst>
+              <a:ext uri="{FF2B5EF4-FFF2-40B4-BE49-F238E27FC236}">
+                <a16:creationId xmlns:a16="http://schemas.microsoft.com/office/drawing/2014/main" id="{29DE7079-3C94-4BC6-B713-D3EEA995F47E}"/>
               </a:ext>
             </a:extLst>
           </p:cNvPr>
@@ -6469,8 +7885,8 @@
         </p:nvSpPr>
         <p:spPr>
           <a:xfrm>
-            <a:off x="5891218" y="362242"/>
-            <a:ext cx="529312" cy="369332"/>
+            <a:off x="2476960" y="192139"/>
+            <a:ext cx="2492990" cy="369332"/>
           </a:xfrm>
           <a:prstGeom prst="rect">
             <a:avLst/>
@@ -6484,19 +7900,18 @@
           <a:lstStyle/>
           <a:p>
             <a:r>
-              <a:rPr lang="en-US" altLang="zh-CN" dirty="0"/>
-              <a:t>RW</a:t>
-            </a:r>
-            <a:endParaRPr lang="zh-CN" altLang="en-US" dirty="0"/>
-          </a:p>
-        </p:txBody>
-      </p:sp>
-      <p:sp>
-        <p:nvSpPr>
-          <p:cNvPr id="15" name="左大括号 14">
-            <a:extLst>
-              <a:ext uri="{FF2B5EF4-FFF2-40B4-BE49-F238E27FC236}">
-                <a16:creationId xmlns:a16="http://schemas.microsoft.com/office/drawing/2014/main" id="{42257FAA-399C-4A99-8E8F-FCFCD37256F3}"/>
+              <a:rPr lang="zh-CN" altLang="en-US" dirty="0"/>
+              <a:t>第一层：纯虚函数基类</a:t>
+            </a:r>
+          </a:p>
+        </p:txBody>
+      </p:sp>
+      <p:sp>
+        <p:nvSpPr>
+          <p:cNvPr id="46" name="矩形 45">
+            <a:extLst>
+              <a:ext uri="{FF2B5EF4-FFF2-40B4-BE49-F238E27FC236}">
+                <a16:creationId xmlns:a16="http://schemas.microsoft.com/office/drawing/2014/main" id="{A6D5CB87-C2B7-4A26-A747-C9B9BBA4C4FB}"/>
               </a:ext>
             </a:extLst>
           </p:cNvPr>
@@ -6504,287 +7919,17 @@
           <p:nvPr/>
         </p:nvSpPr>
         <p:spPr>
-          <a:xfrm rot="5400000">
-            <a:off x="6964899" y="-780933"/>
-            <a:ext cx="67674" cy="3077550"/>
-          </a:xfrm>
-          <a:prstGeom prst="leftBrace">
-            <a:avLst/>
-          </a:prstGeom>
-        </p:spPr>
-        <p:style>
-          <a:lnRef idx="1">
-            <a:schemeClr val="accent1"/>
-          </a:lnRef>
-          <a:fillRef idx="0">
-            <a:schemeClr val="accent1"/>
-          </a:fillRef>
-          <a:effectRef idx="0">
-            <a:schemeClr val="accent1"/>
-          </a:effectRef>
-          <a:fontRef idx="minor">
-            <a:schemeClr val="tx1"/>
-          </a:fontRef>
-        </p:style>
-        <p:txBody>
-          <a:bodyPr rtlCol="0" anchor="ctr"/>
-          <a:lstStyle/>
-          <a:p>
-            <a:pPr algn="ctr"/>
-            <a:endParaRPr lang="zh-CN" altLang="en-US"/>
-          </a:p>
-        </p:txBody>
-      </p:sp>
-      <p:sp>
-        <p:nvSpPr>
-          <p:cNvPr id="16" name="文本框 15">
-            <a:extLst>
-              <a:ext uri="{FF2B5EF4-FFF2-40B4-BE49-F238E27FC236}">
-                <a16:creationId xmlns:a16="http://schemas.microsoft.com/office/drawing/2014/main" id="{56189D76-BB1D-46CE-8C28-6C48F616EFA0}"/>
-              </a:ext>
-            </a:extLst>
-          </p:cNvPr>
-          <p:cNvSpPr txBox="1"/>
-          <p:nvPr/>
-        </p:nvSpPr>
-        <p:spPr>
-          <a:xfrm>
-            <a:off x="6698726" y="257646"/>
-            <a:ext cx="688009" cy="369332"/>
+          <a:xfrm>
+            <a:off x="2010961" y="1972331"/>
+            <a:ext cx="4896276" cy="1078310"/>
           </a:xfrm>
           <a:prstGeom prst="rect">
             <a:avLst/>
           </a:prstGeom>
           <a:noFill/>
-        </p:spPr>
-        <p:txBody>
-          <a:bodyPr wrap="none" rtlCol="0">
-            <a:spAutoFit/>
-          </a:bodyPr>
-          <a:lstStyle/>
-          <a:p>
-            <a:r>
-              <a:rPr lang="en-US" altLang="zh-CN" dirty="0"/>
-              <a:t>RWD</a:t>
-            </a:r>
-            <a:endParaRPr lang="zh-CN" altLang="en-US" dirty="0"/>
-          </a:p>
-        </p:txBody>
-      </p:sp>
-      <p:sp>
-        <p:nvSpPr>
-          <p:cNvPr id="17" name="左大括号 16">
-            <a:extLst>
-              <a:ext uri="{FF2B5EF4-FFF2-40B4-BE49-F238E27FC236}">
-                <a16:creationId xmlns:a16="http://schemas.microsoft.com/office/drawing/2014/main" id="{C31FBC22-C115-447E-B835-4B7A24D474D2}"/>
-              </a:ext>
-            </a:extLst>
-          </p:cNvPr>
-          <p:cNvSpPr/>
-          <p:nvPr/>
-        </p:nvSpPr>
-        <p:spPr>
-          <a:xfrm rot="5400000">
-            <a:off x="7935283" y="-1916017"/>
-            <a:ext cx="67672" cy="5018317"/>
-          </a:xfrm>
-          <a:prstGeom prst="leftBrace">
-            <a:avLst/>
-          </a:prstGeom>
-        </p:spPr>
-        <p:style>
-          <a:lnRef idx="1">
-            <a:schemeClr val="accent1"/>
-          </a:lnRef>
-          <a:fillRef idx="0">
-            <a:schemeClr val="accent1"/>
-          </a:fillRef>
-          <a:effectRef idx="0">
-            <a:schemeClr val="accent1"/>
-          </a:effectRef>
-          <a:fontRef idx="minor">
-            <a:schemeClr val="tx1"/>
-          </a:fontRef>
-        </p:style>
-        <p:txBody>
-          <a:bodyPr rtlCol="0" anchor="ctr"/>
-          <a:lstStyle/>
-          <a:p>
-            <a:pPr algn="ctr"/>
-            <a:endParaRPr lang="zh-CN" altLang="en-US"/>
-          </a:p>
-        </p:txBody>
-      </p:sp>
-      <p:sp>
-        <p:nvSpPr>
-          <p:cNvPr id="18" name="文本框 17">
-            <a:extLst>
-              <a:ext uri="{FF2B5EF4-FFF2-40B4-BE49-F238E27FC236}">
-                <a16:creationId xmlns:a16="http://schemas.microsoft.com/office/drawing/2014/main" id="{0792275A-1E99-4649-B91A-4B65008F1236}"/>
-              </a:ext>
-            </a:extLst>
-          </p:cNvPr>
-          <p:cNvSpPr txBox="1"/>
-          <p:nvPr/>
-        </p:nvSpPr>
-        <p:spPr>
-          <a:xfrm>
-            <a:off x="7664931" y="92946"/>
-            <a:ext cx="806631" cy="369332"/>
-          </a:xfrm>
-          <a:prstGeom prst="rect">
-            <a:avLst/>
-          </a:prstGeom>
-          <a:noFill/>
-        </p:spPr>
-        <p:txBody>
-          <a:bodyPr wrap="none" rtlCol="0">
-            <a:spAutoFit/>
-          </a:bodyPr>
-          <a:lstStyle/>
-          <a:p>
-            <a:r>
-              <a:rPr lang="en-US" altLang="zh-CN" dirty="0"/>
-              <a:t>RWDS</a:t>
-            </a:r>
-            <a:endParaRPr lang="zh-CN" altLang="en-US" dirty="0"/>
-          </a:p>
-        </p:txBody>
-      </p:sp>
-      <p:sp>
-        <p:nvSpPr>
-          <p:cNvPr id="19" name="文本框 18">
-            <a:extLst>
-              <a:ext uri="{FF2B5EF4-FFF2-40B4-BE49-F238E27FC236}">
-                <a16:creationId xmlns:a16="http://schemas.microsoft.com/office/drawing/2014/main" id="{EAF0BD80-2CA1-4B9B-A856-43124A252002}"/>
-              </a:ext>
-            </a:extLst>
-          </p:cNvPr>
-          <p:cNvSpPr txBox="1"/>
-          <p:nvPr/>
-        </p:nvSpPr>
-        <p:spPr>
-          <a:xfrm>
-            <a:off x="587829" y="2166448"/>
-            <a:ext cx="1444626" cy="307777"/>
-          </a:xfrm>
-          <a:prstGeom prst="rect">
-            <a:avLst/>
-          </a:prstGeom>
-          <a:noFill/>
-        </p:spPr>
-        <p:txBody>
-          <a:bodyPr wrap="none" rtlCol="0">
-            <a:spAutoFit/>
-          </a:bodyPr>
-          <a:lstStyle/>
-          <a:p>
-            <a:r>
-              <a:rPr lang="en-US" altLang="zh-CN" sz="1400" dirty="0"/>
-              <a:t>R/W one by one</a:t>
-            </a:r>
-            <a:endParaRPr lang="zh-CN" altLang="en-US" sz="1400" dirty="0"/>
-          </a:p>
-        </p:txBody>
-      </p:sp>
-      <p:sp>
-        <p:nvSpPr>
-          <p:cNvPr id="20" name="文本框 19">
-            <a:extLst>
-              <a:ext uri="{FF2B5EF4-FFF2-40B4-BE49-F238E27FC236}">
-                <a16:creationId xmlns:a16="http://schemas.microsoft.com/office/drawing/2014/main" id="{9BF0C82D-8E93-412B-8187-3B22B4BE0DE4}"/>
-              </a:ext>
-            </a:extLst>
-          </p:cNvPr>
-          <p:cNvSpPr txBox="1"/>
-          <p:nvPr/>
-        </p:nvSpPr>
-        <p:spPr>
-          <a:xfrm>
-            <a:off x="587829" y="2931652"/>
-            <a:ext cx="1653017" cy="307777"/>
-          </a:xfrm>
-          <a:prstGeom prst="rect">
-            <a:avLst/>
-          </a:prstGeom>
-          <a:noFill/>
-        </p:spPr>
-        <p:txBody>
-          <a:bodyPr wrap="none" rtlCol="0">
-            <a:spAutoFit/>
-          </a:bodyPr>
-          <a:lstStyle/>
-          <a:p>
-            <a:r>
-              <a:rPr lang="en-US" altLang="zh-CN" sz="1400" dirty="0"/>
-              <a:t>R/W a whole string</a:t>
-            </a:r>
-            <a:endParaRPr lang="zh-CN" altLang="en-US" sz="1400" dirty="0"/>
-          </a:p>
-        </p:txBody>
-      </p:sp>
-      <p:sp>
-        <p:nvSpPr>
-          <p:cNvPr id="21" name="文本框 20">
-            <a:extLst>
-              <a:ext uri="{FF2B5EF4-FFF2-40B4-BE49-F238E27FC236}">
-                <a16:creationId xmlns:a16="http://schemas.microsoft.com/office/drawing/2014/main" id="{4928FF92-5CE5-486E-B74F-EF35704C63F0}"/>
-              </a:ext>
-            </a:extLst>
-          </p:cNvPr>
-          <p:cNvSpPr txBox="1"/>
-          <p:nvPr/>
-        </p:nvSpPr>
-        <p:spPr>
-          <a:xfrm>
-            <a:off x="587829" y="3584422"/>
-            <a:ext cx="1912777" cy="523220"/>
-          </a:xfrm>
-          <a:prstGeom prst="rect">
-            <a:avLst/>
-          </a:prstGeom>
-          <a:noFill/>
-        </p:spPr>
-        <p:txBody>
-          <a:bodyPr wrap="square" rtlCol="0">
-            <a:spAutoFit/>
-          </a:bodyPr>
-          <a:lstStyle/>
-          <a:p>
-            <a:r>
-              <a:rPr lang="en-US" altLang="zh-CN" sz="1400" dirty="0"/>
-              <a:t>R/W a whole string with address</a:t>
-            </a:r>
-            <a:endParaRPr lang="zh-CN" altLang="en-US" sz="1400" dirty="0"/>
-          </a:p>
-        </p:txBody>
-      </p:sp>
-      <p:sp>
-        <p:nvSpPr>
-          <p:cNvPr id="22" name="矩形: 圆角 21">
-            <a:extLst>
-              <a:ext uri="{FF2B5EF4-FFF2-40B4-BE49-F238E27FC236}">
-                <a16:creationId xmlns:a16="http://schemas.microsoft.com/office/drawing/2014/main" id="{6B4C788E-1314-4460-B95C-C89064CD8462}"/>
-              </a:ext>
-            </a:extLst>
-          </p:cNvPr>
-          <p:cNvSpPr/>
-          <p:nvPr/>
-        </p:nvSpPr>
-        <p:spPr>
-          <a:xfrm>
-            <a:off x="2607904" y="4385016"/>
-            <a:ext cx="1646855" cy="466344"/>
-          </a:xfrm>
-          <a:prstGeom prst="roundRect">
-            <a:avLst/>
-          </a:prstGeom>
-          <a:solidFill>
-            <a:schemeClr val="bg1"/>
-          </a:solidFill>
-          <a:ln w="19050">
+          <a:ln w="76200">
             <a:solidFill>
-              <a:schemeClr val="tx1"/>
+              <a:schemeClr val="accent4"/>
             </a:solidFill>
           </a:ln>
         </p:spPr>
@@ -6809,28 +7954,16 @@
           <a:lstStyle/>
           <a:p>
             <a:pPr algn="ctr"/>
-            <a:r>
-              <a:rPr lang="en-US" altLang="zh-CN" sz="1600" dirty="0">
-                <a:solidFill>
-                  <a:schemeClr val="tx1"/>
-                </a:solidFill>
-              </a:rPr>
-              <a:t>Atom Address</a:t>
-            </a:r>
-            <a:endParaRPr lang="zh-CN" altLang="en-US" sz="1600" dirty="0">
-              <a:solidFill>
-                <a:schemeClr val="tx1"/>
-              </a:solidFill>
-            </a:endParaRPr>
-          </a:p>
-        </p:txBody>
-      </p:sp>
-      <p:sp>
-        <p:nvSpPr>
-          <p:cNvPr id="23" name="矩形: 圆角 22">
-            <a:extLst>
-              <a:ext uri="{FF2B5EF4-FFF2-40B4-BE49-F238E27FC236}">
-                <a16:creationId xmlns:a16="http://schemas.microsoft.com/office/drawing/2014/main" id="{29DA4B20-485E-4451-A726-DEF768B6E595}"/>
+            <a:endParaRPr lang="zh-CN" altLang="en-US"/>
+          </a:p>
+        </p:txBody>
+      </p:sp>
+      <p:sp>
+        <p:nvSpPr>
+          <p:cNvPr id="47" name="矩形 46">
+            <a:extLst>
+              <a:ext uri="{FF2B5EF4-FFF2-40B4-BE49-F238E27FC236}">
+                <a16:creationId xmlns:a16="http://schemas.microsoft.com/office/drawing/2014/main" id="{B5DB6B41-6ECC-4371-AA3C-9F6E8779819A}"/>
               </a:ext>
             </a:extLst>
           </p:cNvPr>
@@ -6839,18 +7972,16 @@
         </p:nvSpPr>
         <p:spPr>
           <a:xfrm>
-            <a:off x="2607903" y="5900778"/>
-            <a:ext cx="1646855" cy="466344"/>
-          </a:xfrm>
-          <a:prstGeom prst="roundRect">
-            <a:avLst/>
-          </a:prstGeom>
-          <a:solidFill>
-            <a:schemeClr val="bg1"/>
-          </a:solidFill>
-          <a:ln w="19050">
+            <a:off x="6905263" y="2691506"/>
+            <a:ext cx="4030214" cy="1078310"/>
+          </a:xfrm>
+          <a:prstGeom prst="rect">
+            <a:avLst/>
+          </a:prstGeom>
+          <a:noFill/>
+          <a:ln w="76200">
             <a:solidFill>
-              <a:schemeClr val="tx1"/>
+              <a:schemeClr val="accent4"/>
             </a:solidFill>
           </a:ln>
         </p:spPr>
@@ -6875,36 +8006,16 @@
           <a:lstStyle/>
           <a:p>
             <a:pPr algn="ctr"/>
-            <a:r>
-              <a:rPr lang="en-US" altLang="zh-CN" sz="1600" dirty="0">
-                <a:solidFill>
-                  <a:schemeClr val="tx1"/>
-                </a:solidFill>
-              </a:rPr>
-              <a:t>Atom Dual </a:t>
-            </a:r>
-            <a:r>
-              <a:rPr lang="en-US" altLang="zh-CN" sz="1600" dirty="0" err="1">
-                <a:solidFill>
-                  <a:schemeClr val="tx1"/>
-                </a:solidFill>
-              </a:rPr>
-              <a:t>addr</a:t>
-            </a:r>
-            <a:endParaRPr lang="zh-CN" altLang="en-US" sz="1600" dirty="0">
-              <a:solidFill>
-                <a:schemeClr val="tx1"/>
-              </a:solidFill>
-            </a:endParaRPr>
-          </a:p>
-        </p:txBody>
-      </p:sp>
-      <p:sp>
-        <p:nvSpPr>
-          <p:cNvPr id="24" name="文本框 23">
-            <a:extLst>
-              <a:ext uri="{FF2B5EF4-FFF2-40B4-BE49-F238E27FC236}">
-                <a16:creationId xmlns:a16="http://schemas.microsoft.com/office/drawing/2014/main" id="{4A4CCA23-D179-4662-9991-9800803013FC}"/>
+            <a:endParaRPr lang="zh-CN" altLang="en-US"/>
+          </a:p>
+        </p:txBody>
+      </p:sp>
+      <p:sp>
+        <p:nvSpPr>
+          <p:cNvPr id="48" name="文本框 47">
+            <a:extLst>
+              <a:ext uri="{FF2B5EF4-FFF2-40B4-BE49-F238E27FC236}">
+                <a16:creationId xmlns:a16="http://schemas.microsoft.com/office/drawing/2014/main" id="{BC982729-9A96-4100-9639-C3C9A701B620}"/>
               </a:ext>
             </a:extLst>
           </p:cNvPr>
@@ -6913,8 +8024,8 @@
         </p:nvSpPr>
         <p:spPr>
           <a:xfrm>
-            <a:off x="587828" y="4328140"/>
-            <a:ext cx="1912777" cy="523220"/>
+            <a:off x="783771" y="1772816"/>
+            <a:ext cx="3416320" cy="369332"/>
           </a:xfrm>
           <a:prstGeom prst="rect">
             <a:avLst/>
@@ -6922,49 +8033,132 @@
           <a:noFill/>
         </p:spPr>
         <p:txBody>
-          <a:bodyPr wrap="square" rtlCol="0">
+          <a:bodyPr wrap="none" rtlCol="0">
             <a:spAutoFit/>
           </a:bodyPr>
           <a:lstStyle/>
           <a:p>
             <a:r>
-              <a:rPr lang="en-US" altLang="zh-CN" sz="1400" dirty="0"/>
-              <a:t>R/W one</a:t>
-            </a:r>
-            <a:r>
-              <a:rPr lang="zh-CN" altLang="en-US" sz="1400" dirty="0"/>
-              <a:t> </a:t>
-            </a:r>
-            <a:r>
-              <a:rPr lang="en-US" altLang="zh-CN" sz="1400" dirty="0"/>
-              <a:t>by</a:t>
-            </a:r>
-            <a:r>
-              <a:rPr lang="zh-CN" altLang="en-US" sz="1400" dirty="0"/>
-              <a:t> </a:t>
-            </a:r>
-            <a:r>
-              <a:rPr lang="en-US" altLang="zh-CN" sz="1400" dirty="0"/>
-              <a:t>one</a:t>
-            </a:r>
-            <a:r>
-              <a:rPr lang="zh-CN" altLang="en-US" sz="1400" dirty="0"/>
-              <a:t> </a:t>
-            </a:r>
-            <a:r>
-              <a:rPr lang="en-US" altLang="zh-CN" sz="1400" dirty="0"/>
-              <a:t>with address</a:t>
-            </a:r>
-            <a:endParaRPr lang="zh-CN" altLang="en-US" sz="1400" dirty="0"/>
-          </a:p>
-        </p:txBody>
-      </p:sp>
-      <p:sp>
-        <p:nvSpPr>
-          <p:cNvPr id="25" name="文本框 24">
-            <a:extLst>
-              <a:ext uri="{FF2B5EF4-FFF2-40B4-BE49-F238E27FC236}">
-                <a16:creationId xmlns:a16="http://schemas.microsoft.com/office/drawing/2014/main" id="{29807FA8-CB31-4C22-A0A5-103AD2E0A66D}"/>
+              <a:rPr lang="zh-CN" altLang="en-US" dirty="0"/>
+              <a:t>第二层：给出一个多继承的框架</a:t>
+            </a:r>
+          </a:p>
+        </p:txBody>
+      </p:sp>
+      <p:sp>
+        <p:nvSpPr>
+          <p:cNvPr id="50" name="矩形 49">
+            <a:extLst>
+              <a:ext uri="{FF2B5EF4-FFF2-40B4-BE49-F238E27FC236}">
+                <a16:creationId xmlns:a16="http://schemas.microsoft.com/office/drawing/2014/main" id="{8A888768-5FD7-4A91-8A52-37A856C3C94B}"/>
+              </a:ext>
+            </a:extLst>
+          </p:cNvPr>
+          <p:cNvSpPr/>
+          <p:nvPr/>
+        </p:nvSpPr>
+        <p:spPr>
+          <a:xfrm>
+            <a:off x="1876538" y="3164632"/>
+            <a:ext cx="4896276" cy="1078310"/>
+          </a:xfrm>
+          <a:prstGeom prst="rect">
+            <a:avLst/>
+          </a:prstGeom>
+          <a:noFill/>
+          <a:ln w="76200">
+            <a:solidFill>
+              <a:schemeClr val="accent6">
+                <a:lumMod val="50000"/>
+              </a:schemeClr>
+            </a:solidFill>
+          </a:ln>
+        </p:spPr>
+        <p:style>
+          <a:lnRef idx="2">
+            <a:schemeClr val="accent1">
+              <a:shade val="50000"/>
+            </a:schemeClr>
+          </a:lnRef>
+          <a:fillRef idx="1">
+            <a:schemeClr val="accent1"/>
+          </a:fillRef>
+          <a:effectRef idx="0">
+            <a:schemeClr val="accent1"/>
+          </a:effectRef>
+          <a:fontRef idx="minor">
+            <a:schemeClr val="lt1"/>
+          </a:fontRef>
+        </p:style>
+        <p:txBody>
+          <a:bodyPr rtlCol="0" anchor="ctr"/>
+          <a:lstStyle/>
+          <a:p>
+            <a:pPr algn="ctr"/>
+            <a:endParaRPr lang="zh-CN" altLang="en-US"/>
+          </a:p>
+        </p:txBody>
+      </p:sp>
+      <p:sp>
+        <p:nvSpPr>
+          <p:cNvPr id="51" name="矩形 50">
+            <a:extLst>
+              <a:ext uri="{FF2B5EF4-FFF2-40B4-BE49-F238E27FC236}">
+                <a16:creationId xmlns:a16="http://schemas.microsoft.com/office/drawing/2014/main" id="{41B6EBE6-03ED-44CD-AF25-18751FB4BBE6}"/>
+              </a:ext>
+            </a:extLst>
+          </p:cNvPr>
+          <p:cNvSpPr/>
+          <p:nvPr/>
+        </p:nvSpPr>
+        <p:spPr>
+          <a:xfrm>
+            <a:off x="6766006" y="3966820"/>
+            <a:ext cx="4169468" cy="1078310"/>
+          </a:xfrm>
+          <a:prstGeom prst="rect">
+            <a:avLst/>
+          </a:prstGeom>
+          <a:noFill/>
+          <a:ln w="76200">
+            <a:solidFill>
+              <a:schemeClr val="accent6">
+                <a:lumMod val="50000"/>
+              </a:schemeClr>
+            </a:solidFill>
+          </a:ln>
+        </p:spPr>
+        <p:style>
+          <a:lnRef idx="2">
+            <a:schemeClr val="accent1">
+              <a:shade val="50000"/>
+            </a:schemeClr>
+          </a:lnRef>
+          <a:fillRef idx="1">
+            <a:schemeClr val="accent1"/>
+          </a:fillRef>
+          <a:effectRef idx="0">
+            <a:schemeClr val="accent1"/>
+          </a:effectRef>
+          <a:fontRef idx="minor">
+            <a:schemeClr val="lt1"/>
+          </a:fontRef>
+        </p:style>
+        <p:txBody>
+          <a:bodyPr rtlCol="0" anchor="ctr"/>
+          <a:lstStyle/>
+          <a:p>
+            <a:pPr algn="ctr"/>
+            <a:endParaRPr lang="zh-CN" altLang="en-US"/>
+          </a:p>
+        </p:txBody>
+      </p:sp>
+      <p:sp>
+        <p:nvSpPr>
+          <p:cNvPr id="52" name="文本框 51">
+            <a:extLst>
+              <a:ext uri="{FF2B5EF4-FFF2-40B4-BE49-F238E27FC236}">
+                <a16:creationId xmlns:a16="http://schemas.microsoft.com/office/drawing/2014/main" id="{94092E77-4C1A-4C8E-BFD0-5CA9CF68AF9C}"/>
               </a:ext>
             </a:extLst>
           </p:cNvPr>
@@ -6973,8 +8167,8 @@
         </p:nvSpPr>
         <p:spPr>
           <a:xfrm>
-            <a:off x="587827" y="5872340"/>
-            <a:ext cx="1912777" cy="523220"/>
+            <a:off x="2962764" y="3519121"/>
+            <a:ext cx="2723823" cy="369332"/>
           </a:xfrm>
           <a:prstGeom prst="rect">
             <a:avLst/>
@@ -6982,1175 +8176,22 @@
           <a:noFill/>
         </p:spPr>
         <p:txBody>
-          <a:bodyPr wrap="square" rtlCol="0">
+          <a:bodyPr wrap="none" rtlCol="0">
             <a:spAutoFit/>
           </a:bodyPr>
           <a:lstStyle/>
           <a:p>
             <a:r>
-              <a:rPr lang="en-US" altLang="zh-CN" sz="1400" dirty="0"/>
-              <a:t>R/W one</a:t>
-            </a:r>
-            <a:r>
-              <a:rPr lang="zh-CN" altLang="en-US" sz="1400" dirty="0"/>
-              <a:t> </a:t>
-            </a:r>
-            <a:r>
-              <a:rPr lang="en-US" altLang="zh-CN" sz="1400" dirty="0"/>
-              <a:t>by</a:t>
-            </a:r>
-            <a:r>
-              <a:rPr lang="zh-CN" altLang="en-US" sz="1400" dirty="0"/>
-              <a:t> </a:t>
-            </a:r>
-            <a:r>
-              <a:rPr lang="en-US" altLang="zh-CN" sz="1400" dirty="0"/>
-              <a:t>one</a:t>
-            </a:r>
-            <a:r>
-              <a:rPr lang="zh-CN" altLang="en-US" sz="1400" dirty="0"/>
-              <a:t> </a:t>
-            </a:r>
-            <a:r>
-              <a:rPr lang="en-US" altLang="zh-CN" sz="1400" dirty="0"/>
-              <a:t>with dual-address</a:t>
-            </a:r>
-            <a:endParaRPr lang="zh-CN" altLang="en-US" sz="1400" dirty="0"/>
-          </a:p>
-        </p:txBody>
-      </p:sp>
-      <p:sp>
-        <p:nvSpPr>
-          <p:cNvPr id="26" name="文本框 25">
-            <a:extLst>
-              <a:ext uri="{FF2B5EF4-FFF2-40B4-BE49-F238E27FC236}">
-                <a16:creationId xmlns:a16="http://schemas.microsoft.com/office/drawing/2014/main" id="{90D152CD-BB3E-4EC5-BF36-3D5D21BD35D1}"/>
-              </a:ext>
-            </a:extLst>
-          </p:cNvPr>
-          <p:cNvSpPr txBox="1"/>
-          <p:nvPr/>
-        </p:nvSpPr>
-        <p:spPr>
-          <a:xfrm>
-            <a:off x="587826" y="5097211"/>
-            <a:ext cx="1912777" cy="523220"/>
-          </a:xfrm>
-          <a:prstGeom prst="rect">
-            <a:avLst/>
-          </a:prstGeom>
-          <a:noFill/>
-        </p:spPr>
-        <p:txBody>
-          <a:bodyPr wrap="square" rtlCol="0">
-            <a:spAutoFit/>
-          </a:bodyPr>
-          <a:lstStyle/>
-          <a:p>
-            <a:r>
-              <a:rPr lang="en-US" altLang="zh-CN" sz="1400" dirty="0"/>
-              <a:t>R/W a whole string with dual-address</a:t>
-            </a:r>
-            <a:endParaRPr lang="zh-CN" altLang="en-US" sz="1400" dirty="0"/>
-          </a:p>
-        </p:txBody>
-      </p:sp>
-      <p:sp>
-        <p:nvSpPr>
-          <p:cNvPr id="28" name="矩形 27">
-            <a:extLst>
-              <a:ext uri="{FF2B5EF4-FFF2-40B4-BE49-F238E27FC236}">
-                <a16:creationId xmlns:a16="http://schemas.microsoft.com/office/drawing/2014/main" id="{06A0CA4C-3634-46F5-9FA7-0B0A9DC29E14}"/>
-              </a:ext>
-            </a:extLst>
-          </p:cNvPr>
-          <p:cNvSpPr/>
-          <p:nvPr/>
-        </p:nvSpPr>
-        <p:spPr>
-          <a:xfrm>
-            <a:off x="6354314" y="2931652"/>
-            <a:ext cx="1534394" cy="276999"/>
-          </a:xfrm>
-          <a:prstGeom prst="rect">
-            <a:avLst/>
-          </a:prstGeom>
-          <a:solidFill>
-            <a:schemeClr val="accent2">
-              <a:lumMod val="20000"/>
-              <a:lumOff val="80000"/>
-            </a:schemeClr>
-          </a:solidFill>
-        </p:spPr>
-        <p:txBody>
-          <a:bodyPr wrap="none">
-            <a:spAutoFit/>
-          </a:bodyPr>
-          <a:lstStyle/>
-          <a:p>
-            <a:r>
-              <a:rPr lang="en-US" altLang="zh-CN" sz="1200" dirty="0" err="1"/>
-              <a:t>concept_write_direct</a:t>
-            </a:r>
-            <a:endParaRPr lang="zh-CN" altLang="en-US" sz="1200" dirty="0"/>
-          </a:p>
-        </p:txBody>
-      </p:sp>
-      <p:sp>
-        <p:nvSpPr>
-          <p:cNvPr id="30" name="矩形 29">
-            <a:extLst>
-              <a:ext uri="{FF2B5EF4-FFF2-40B4-BE49-F238E27FC236}">
-                <a16:creationId xmlns:a16="http://schemas.microsoft.com/office/drawing/2014/main" id="{C5BB9EA6-F2FF-4E49-96BC-ECD093A8FED1}"/>
-              </a:ext>
-            </a:extLst>
-          </p:cNvPr>
-          <p:cNvSpPr/>
-          <p:nvPr/>
-        </p:nvSpPr>
-        <p:spPr>
-          <a:xfrm>
-            <a:off x="4550163" y="2931651"/>
-            <a:ext cx="1508746" cy="276999"/>
-          </a:xfrm>
-          <a:prstGeom prst="rect">
-            <a:avLst/>
-          </a:prstGeom>
-          <a:solidFill>
-            <a:schemeClr val="accent2">
-              <a:lumMod val="20000"/>
-              <a:lumOff val="80000"/>
-            </a:schemeClr>
-          </a:solidFill>
-        </p:spPr>
-        <p:txBody>
-          <a:bodyPr wrap="none">
-            <a:spAutoFit/>
-          </a:bodyPr>
-          <a:lstStyle/>
-          <a:p>
-            <a:r>
-              <a:rPr lang="en-US" altLang="zh-CN" sz="1200" dirty="0" err="1"/>
-              <a:t>concept_read_direct</a:t>
-            </a:r>
-            <a:endParaRPr lang="zh-CN" altLang="en-US" sz="1200" dirty="0"/>
-          </a:p>
-        </p:txBody>
-      </p:sp>
-      <p:sp>
-        <p:nvSpPr>
-          <p:cNvPr id="32" name="矩形 31">
-            <a:extLst>
-              <a:ext uri="{FF2B5EF4-FFF2-40B4-BE49-F238E27FC236}">
-                <a16:creationId xmlns:a16="http://schemas.microsoft.com/office/drawing/2014/main" id="{6EC38CCA-AB95-4057-B43C-B6146B71BD01}"/>
-              </a:ext>
-            </a:extLst>
-          </p:cNvPr>
-          <p:cNvSpPr/>
-          <p:nvPr/>
-        </p:nvSpPr>
-        <p:spPr>
-          <a:xfrm>
-            <a:off x="5572594" y="3258058"/>
-            <a:ext cx="1372492" cy="276999"/>
-          </a:xfrm>
-          <a:prstGeom prst="rect">
-            <a:avLst/>
-          </a:prstGeom>
-          <a:solidFill>
-            <a:schemeClr val="accent2">
-              <a:lumMod val="20000"/>
-              <a:lumOff val="80000"/>
-            </a:schemeClr>
-          </a:solidFill>
-        </p:spPr>
-        <p:txBody>
-          <a:bodyPr wrap="none">
-            <a:spAutoFit/>
-          </a:bodyPr>
-          <a:lstStyle/>
-          <a:p>
-            <a:r>
-              <a:rPr lang="en-US" altLang="zh-CN" sz="1200" dirty="0" err="1"/>
-              <a:t>concept_rw_direct</a:t>
-            </a:r>
-            <a:endParaRPr lang="zh-CN" altLang="en-US" sz="1200" dirty="0"/>
-          </a:p>
-        </p:txBody>
-      </p:sp>
-      <p:sp>
-        <p:nvSpPr>
-          <p:cNvPr id="33" name="左大括号 32">
-            <a:extLst>
-              <a:ext uri="{FF2B5EF4-FFF2-40B4-BE49-F238E27FC236}">
-                <a16:creationId xmlns:a16="http://schemas.microsoft.com/office/drawing/2014/main" id="{3563EE6E-5253-4750-9409-D9918639AB65}"/>
-              </a:ext>
-            </a:extLst>
-          </p:cNvPr>
-          <p:cNvSpPr/>
-          <p:nvPr/>
-        </p:nvSpPr>
-        <p:spPr>
-          <a:xfrm rot="16200000" flipV="1">
-            <a:off x="6100500" y="2524739"/>
-            <a:ext cx="73760" cy="1441582"/>
-          </a:xfrm>
-          <a:prstGeom prst="leftBrace">
-            <a:avLst/>
-          </a:prstGeom>
-          <a:noFill/>
-        </p:spPr>
-        <p:style>
-          <a:lnRef idx="1">
-            <a:schemeClr val="accent1"/>
-          </a:lnRef>
-          <a:fillRef idx="0">
-            <a:schemeClr val="accent1"/>
-          </a:fillRef>
-          <a:effectRef idx="0">
-            <a:schemeClr val="accent1"/>
-          </a:effectRef>
-          <a:fontRef idx="minor">
-            <a:schemeClr val="tx1"/>
-          </a:fontRef>
-        </p:style>
-        <p:txBody>
-          <a:bodyPr rtlCol="0" anchor="ctr"/>
-          <a:lstStyle/>
-          <a:p>
-            <a:pPr algn="ctr"/>
-            <a:endParaRPr lang="zh-CN" altLang="en-US"/>
-          </a:p>
-        </p:txBody>
-      </p:sp>
-      <p:sp>
-        <p:nvSpPr>
-          <p:cNvPr id="37" name="矩形 36">
-            <a:extLst>
-              <a:ext uri="{FF2B5EF4-FFF2-40B4-BE49-F238E27FC236}">
-                <a16:creationId xmlns:a16="http://schemas.microsoft.com/office/drawing/2014/main" id="{448A5677-ED38-42F1-9DB3-866D5DAE02EE}"/>
-              </a:ext>
-            </a:extLst>
-          </p:cNvPr>
-          <p:cNvSpPr/>
-          <p:nvPr/>
-        </p:nvSpPr>
-        <p:spPr>
-          <a:xfrm>
-            <a:off x="7969119" y="2931650"/>
-            <a:ext cx="1830950" cy="276999"/>
-          </a:xfrm>
-          <a:prstGeom prst="rect">
-            <a:avLst/>
-          </a:prstGeom>
-          <a:solidFill>
-            <a:schemeClr val="accent2">
-              <a:lumMod val="20000"/>
-              <a:lumOff val="80000"/>
-            </a:schemeClr>
-          </a:solidFill>
-        </p:spPr>
-        <p:txBody>
-          <a:bodyPr wrap="none">
-            <a:spAutoFit/>
-          </a:bodyPr>
-          <a:lstStyle/>
-          <a:p>
-            <a:r>
-              <a:rPr lang="en-US" altLang="zh-CN" sz="1200" dirty="0" err="1"/>
-              <a:t>concept_readwrite_direct</a:t>
-            </a:r>
-            <a:endParaRPr lang="zh-CN" altLang="en-US" sz="1200" dirty="0"/>
-          </a:p>
-        </p:txBody>
-      </p:sp>
-      <p:sp>
-        <p:nvSpPr>
-          <p:cNvPr id="39" name="左大括号 38">
-            <a:extLst>
-              <a:ext uri="{FF2B5EF4-FFF2-40B4-BE49-F238E27FC236}">
-                <a16:creationId xmlns:a16="http://schemas.microsoft.com/office/drawing/2014/main" id="{D6DB5F05-5E7C-419A-BA69-A9E64460CCD0}"/>
-              </a:ext>
-            </a:extLst>
-          </p:cNvPr>
-          <p:cNvSpPr/>
-          <p:nvPr/>
-        </p:nvSpPr>
-        <p:spPr>
-          <a:xfrm rot="16200000" flipV="1">
-            <a:off x="7481590" y="2195151"/>
-            <a:ext cx="45719" cy="2756587"/>
-          </a:xfrm>
-          <a:prstGeom prst="leftBrace">
-            <a:avLst/>
-          </a:prstGeom>
-          <a:noFill/>
-        </p:spPr>
-        <p:style>
-          <a:lnRef idx="1">
-            <a:schemeClr val="accent1"/>
-          </a:lnRef>
-          <a:fillRef idx="0">
-            <a:schemeClr val="accent1"/>
-          </a:fillRef>
-          <a:effectRef idx="0">
-            <a:schemeClr val="accent1"/>
-          </a:effectRef>
-          <a:fontRef idx="minor">
-            <a:schemeClr val="tx1"/>
-          </a:fontRef>
-        </p:style>
-        <p:txBody>
-          <a:bodyPr rtlCol="0" anchor="ctr"/>
-          <a:lstStyle/>
-          <a:p>
-            <a:pPr algn="ctr"/>
-            <a:endParaRPr lang="zh-CN" altLang="en-US"/>
-          </a:p>
-        </p:txBody>
-      </p:sp>
-      <p:sp>
-        <p:nvSpPr>
-          <p:cNvPr id="41" name="矩形 40">
-            <a:extLst>
-              <a:ext uri="{FF2B5EF4-FFF2-40B4-BE49-F238E27FC236}">
-                <a16:creationId xmlns:a16="http://schemas.microsoft.com/office/drawing/2014/main" id="{8EBE81A3-988E-404B-AD55-9EEF6B0D3271}"/>
-              </a:ext>
-            </a:extLst>
-          </p:cNvPr>
-          <p:cNvSpPr/>
-          <p:nvPr/>
-        </p:nvSpPr>
-        <p:spPr>
-          <a:xfrm>
-            <a:off x="6774121" y="3623098"/>
-            <a:ext cx="1460656" cy="276999"/>
-          </a:xfrm>
-          <a:prstGeom prst="rect">
-            <a:avLst/>
-          </a:prstGeom>
-          <a:solidFill>
-            <a:schemeClr val="accent2">
-              <a:lumMod val="20000"/>
-              <a:lumOff val="80000"/>
-            </a:schemeClr>
-          </a:solidFill>
-        </p:spPr>
-        <p:txBody>
-          <a:bodyPr wrap="none">
-            <a:spAutoFit/>
-          </a:bodyPr>
-          <a:lstStyle/>
-          <a:p>
-            <a:r>
-              <a:rPr lang="en-US" altLang="zh-CN" sz="1200" dirty="0" err="1"/>
-              <a:t>concept_rwd_direct</a:t>
-            </a:r>
-            <a:endParaRPr lang="zh-CN" altLang="en-US" sz="1200" dirty="0"/>
-          </a:p>
-        </p:txBody>
-      </p:sp>
-      <p:sp>
-        <p:nvSpPr>
-          <p:cNvPr id="43" name="矩形 42">
-            <a:extLst>
-              <a:ext uri="{FF2B5EF4-FFF2-40B4-BE49-F238E27FC236}">
-                <a16:creationId xmlns:a16="http://schemas.microsoft.com/office/drawing/2014/main" id="{A7AF4694-6B27-4EA9-898B-40D0DD5D301F}"/>
-              </a:ext>
-            </a:extLst>
-          </p:cNvPr>
-          <p:cNvSpPr/>
-          <p:nvPr/>
-        </p:nvSpPr>
-        <p:spPr>
-          <a:xfrm>
-            <a:off x="4408359" y="4080371"/>
-            <a:ext cx="1782860" cy="276999"/>
-          </a:xfrm>
-          <a:prstGeom prst="rect">
-            <a:avLst/>
-          </a:prstGeom>
-          <a:solidFill>
-            <a:schemeClr val="accent4">
-              <a:lumMod val="20000"/>
-              <a:lumOff val="80000"/>
-            </a:schemeClr>
-          </a:solidFill>
-        </p:spPr>
-        <p:txBody>
-          <a:bodyPr wrap="none">
-            <a:spAutoFit/>
-          </a:bodyPr>
-          <a:lstStyle/>
-          <a:p>
-            <a:r>
-              <a:rPr lang="en-US" altLang="zh-CN" sz="1200" dirty="0" err="1"/>
-              <a:t>concept_read_with_addr</a:t>
-            </a:r>
-            <a:endParaRPr lang="zh-CN" altLang="en-US" sz="1200" dirty="0"/>
-          </a:p>
-        </p:txBody>
-      </p:sp>
-      <p:sp>
-        <p:nvSpPr>
-          <p:cNvPr id="45" name="矩形 44">
-            <a:extLst>
-              <a:ext uri="{FF2B5EF4-FFF2-40B4-BE49-F238E27FC236}">
-                <a16:creationId xmlns:a16="http://schemas.microsoft.com/office/drawing/2014/main" id="{EE913470-8A64-490E-8D13-23121107830E}"/>
-              </a:ext>
-            </a:extLst>
-          </p:cNvPr>
-          <p:cNvSpPr/>
-          <p:nvPr/>
-        </p:nvSpPr>
-        <p:spPr>
-          <a:xfrm>
-            <a:off x="6217257" y="4080371"/>
-            <a:ext cx="1808508" cy="276999"/>
-          </a:xfrm>
-          <a:prstGeom prst="rect">
-            <a:avLst/>
-          </a:prstGeom>
-          <a:solidFill>
-            <a:schemeClr val="accent4">
-              <a:lumMod val="20000"/>
-              <a:lumOff val="80000"/>
-            </a:schemeClr>
-          </a:solidFill>
-        </p:spPr>
-        <p:txBody>
-          <a:bodyPr wrap="none">
-            <a:spAutoFit/>
-          </a:bodyPr>
-          <a:lstStyle/>
-          <a:p>
-            <a:r>
-              <a:rPr lang="en-US" altLang="zh-CN" sz="1200" dirty="0" err="1"/>
-              <a:t>concept_write_with_addr</a:t>
-            </a:r>
-            <a:endParaRPr lang="zh-CN" altLang="en-US" sz="1200" dirty="0"/>
-          </a:p>
-        </p:txBody>
-      </p:sp>
-      <p:sp>
-        <p:nvSpPr>
-          <p:cNvPr id="46" name="左大括号 45">
-            <a:extLst>
-              <a:ext uri="{FF2B5EF4-FFF2-40B4-BE49-F238E27FC236}">
-                <a16:creationId xmlns:a16="http://schemas.microsoft.com/office/drawing/2014/main" id="{188CF496-B33C-4E00-A230-1C7CA0734C42}"/>
-              </a:ext>
-            </a:extLst>
-          </p:cNvPr>
-          <p:cNvSpPr/>
-          <p:nvPr/>
-        </p:nvSpPr>
-        <p:spPr>
-          <a:xfrm rot="16200000" flipV="1">
-            <a:off x="6089276" y="3636579"/>
-            <a:ext cx="73760" cy="1441582"/>
-          </a:xfrm>
-          <a:prstGeom prst="leftBrace">
-            <a:avLst/>
-          </a:prstGeom>
-          <a:noFill/>
-        </p:spPr>
-        <p:style>
-          <a:lnRef idx="1">
-            <a:schemeClr val="accent1"/>
-          </a:lnRef>
-          <a:fillRef idx="0">
-            <a:schemeClr val="accent1"/>
-          </a:fillRef>
-          <a:effectRef idx="0">
-            <a:schemeClr val="accent1"/>
-          </a:effectRef>
-          <a:fontRef idx="minor">
-            <a:schemeClr val="tx1"/>
-          </a:fontRef>
-        </p:style>
-        <p:txBody>
-          <a:bodyPr rtlCol="0" anchor="ctr"/>
-          <a:lstStyle/>
-          <a:p>
-            <a:pPr algn="ctr"/>
-            <a:endParaRPr lang="zh-CN" altLang="en-US"/>
-          </a:p>
-        </p:txBody>
-      </p:sp>
-      <p:sp>
-        <p:nvSpPr>
-          <p:cNvPr id="47" name="矩形 46">
-            <a:extLst>
-              <a:ext uri="{FF2B5EF4-FFF2-40B4-BE49-F238E27FC236}">
-                <a16:creationId xmlns:a16="http://schemas.microsoft.com/office/drawing/2014/main" id="{0689350A-17DE-4B75-94A5-79563D81BABC}"/>
-              </a:ext>
-            </a:extLst>
-          </p:cNvPr>
-          <p:cNvSpPr/>
-          <p:nvPr/>
-        </p:nvSpPr>
-        <p:spPr>
-          <a:xfrm>
-            <a:off x="5298481" y="4445411"/>
-            <a:ext cx="1646605" cy="276999"/>
-          </a:xfrm>
-          <a:prstGeom prst="rect">
-            <a:avLst/>
-          </a:prstGeom>
-          <a:solidFill>
-            <a:schemeClr val="accent4">
-              <a:lumMod val="20000"/>
-              <a:lumOff val="80000"/>
-            </a:schemeClr>
-          </a:solidFill>
-        </p:spPr>
-        <p:txBody>
-          <a:bodyPr wrap="none">
-            <a:spAutoFit/>
-          </a:bodyPr>
-          <a:lstStyle/>
-          <a:p>
-            <a:r>
-              <a:rPr lang="en-US" altLang="zh-CN" sz="1200" dirty="0" err="1"/>
-              <a:t>concept_rw_with_addr</a:t>
-            </a:r>
-            <a:endParaRPr lang="zh-CN" altLang="en-US" sz="1200" dirty="0"/>
-          </a:p>
-        </p:txBody>
-      </p:sp>
-      <p:sp>
-        <p:nvSpPr>
-          <p:cNvPr id="52" name="矩形 51">
-            <a:extLst>
-              <a:ext uri="{FF2B5EF4-FFF2-40B4-BE49-F238E27FC236}">
-                <a16:creationId xmlns:a16="http://schemas.microsoft.com/office/drawing/2014/main" id="{7CD6631F-8FAD-4F0C-A7DE-CEBEB1D359D2}"/>
-              </a:ext>
-            </a:extLst>
-          </p:cNvPr>
-          <p:cNvSpPr/>
-          <p:nvPr/>
-        </p:nvSpPr>
-        <p:spPr>
-          <a:xfrm>
-            <a:off x="4265185" y="5114316"/>
-            <a:ext cx="2066591" cy="276999"/>
-          </a:xfrm>
-          <a:prstGeom prst="rect">
-            <a:avLst/>
-          </a:prstGeom>
-          <a:solidFill>
-            <a:schemeClr val="accent5">
-              <a:lumMod val="20000"/>
-              <a:lumOff val="80000"/>
-            </a:schemeClr>
-          </a:solidFill>
-        </p:spPr>
-        <p:txBody>
-          <a:bodyPr wrap="none">
-            <a:spAutoFit/>
-          </a:bodyPr>
-          <a:lstStyle/>
-          <a:p>
-            <a:r>
-              <a:rPr lang="en-US" altLang="zh-CN" sz="1200" dirty="0" err="1"/>
-              <a:t>concept_read_with_dualaddr</a:t>
-            </a:r>
-            <a:endParaRPr lang="zh-CN" altLang="en-US" sz="1200" dirty="0"/>
-          </a:p>
-        </p:txBody>
-      </p:sp>
-      <p:sp>
-        <p:nvSpPr>
-          <p:cNvPr id="54" name="矩形 53">
-            <a:extLst>
-              <a:ext uri="{FF2B5EF4-FFF2-40B4-BE49-F238E27FC236}">
-                <a16:creationId xmlns:a16="http://schemas.microsoft.com/office/drawing/2014/main" id="{475A46AF-FCD1-4D8E-B915-2B66DB3FC4AB}"/>
-              </a:ext>
-            </a:extLst>
-          </p:cNvPr>
-          <p:cNvSpPr/>
-          <p:nvPr/>
-        </p:nvSpPr>
-        <p:spPr>
-          <a:xfrm>
-            <a:off x="6258840" y="5111619"/>
-            <a:ext cx="2092239" cy="276999"/>
-          </a:xfrm>
-          <a:prstGeom prst="rect">
-            <a:avLst/>
-          </a:prstGeom>
-          <a:solidFill>
-            <a:schemeClr val="accent5">
-              <a:lumMod val="20000"/>
-              <a:lumOff val="80000"/>
-            </a:schemeClr>
-          </a:solidFill>
-        </p:spPr>
-        <p:txBody>
-          <a:bodyPr wrap="none">
-            <a:spAutoFit/>
-          </a:bodyPr>
-          <a:lstStyle/>
-          <a:p>
-            <a:r>
-              <a:rPr lang="en-US" altLang="zh-CN" sz="1200" dirty="0" err="1"/>
-              <a:t>concept_write_with_dualaddr</a:t>
-            </a:r>
-            <a:endParaRPr lang="zh-CN" altLang="en-US" sz="1200" dirty="0"/>
-          </a:p>
-        </p:txBody>
-      </p:sp>
-      <p:sp>
-        <p:nvSpPr>
-          <p:cNvPr id="55" name="左大括号 54">
-            <a:extLst>
-              <a:ext uri="{FF2B5EF4-FFF2-40B4-BE49-F238E27FC236}">
-                <a16:creationId xmlns:a16="http://schemas.microsoft.com/office/drawing/2014/main" id="{C282F704-6A07-4A28-BE37-C512EFB8AFF3}"/>
-              </a:ext>
-            </a:extLst>
-          </p:cNvPr>
-          <p:cNvSpPr/>
-          <p:nvPr/>
-        </p:nvSpPr>
-        <p:spPr>
-          <a:xfrm rot="16200000" flipV="1">
-            <a:off x="6112733" y="4704707"/>
-            <a:ext cx="73760" cy="1441582"/>
-          </a:xfrm>
-          <a:prstGeom prst="leftBrace">
-            <a:avLst/>
-          </a:prstGeom>
-          <a:noFill/>
-        </p:spPr>
-        <p:style>
-          <a:lnRef idx="1">
-            <a:schemeClr val="accent1"/>
-          </a:lnRef>
-          <a:fillRef idx="0">
-            <a:schemeClr val="accent1"/>
-          </a:fillRef>
-          <a:effectRef idx="0">
-            <a:schemeClr val="accent1"/>
-          </a:effectRef>
-          <a:fontRef idx="minor">
-            <a:schemeClr val="tx1"/>
-          </a:fontRef>
-        </p:style>
-        <p:txBody>
-          <a:bodyPr rtlCol="0" anchor="ctr"/>
-          <a:lstStyle/>
-          <a:p>
-            <a:pPr algn="ctr"/>
-            <a:endParaRPr lang="zh-CN" altLang="en-US"/>
-          </a:p>
-        </p:txBody>
-      </p:sp>
-      <p:sp>
-        <p:nvSpPr>
-          <p:cNvPr id="57" name="矩形 56">
-            <a:extLst>
-              <a:ext uri="{FF2B5EF4-FFF2-40B4-BE49-F238E27FC236}">
-                <a16:creationId xmlns:a16="http://schemas.microsoft.com/office/drawing/2014/main" id="{DBB404E3-D3D6-422E-B74E-7FA7DFA5982B}"/>
-              </a:ext>
-            </a:extLst>
-          </p:cNvPr>
-          <p:cNvSpPr/>
-          <p:nvPr/>
-        </p:nvSpPr>
-        <p:spPr>
-          <a:xfrm>
-            <a:off x="5191174" y="5467272"/>
-            <a:ext cx="1930337" cy="276999"/>
-          </a:xfrm>
-          <a:prstGeom prst="rect">
-            <a:avLst/>
-          </a:prstGeom>
-          <a:solidFill>
-            <a:schemeClr val="accent5">
-              <a:lumMod val="20000"/>
-              <a:lumOff val="80000"/>
-            </a:schemeClr>
-          </a:solidFill>
-        </p:spPr>
-        <p:txBody>
-          <a:bodyPr wrap="none">
-            <a:spAutoFit/>
-          </a:bodyPr>
-          <a:lstStyle/>
-          <a:p>
-            <a:r>
-              <a:rPr lang="en-US" altLang="zh-CN" sz="1200" dirty="0" err="1"/>
-              <a:t>concept_rw_with_dualaddr</a:t>
-            </a:r>
-            <a:endParaRPr lang="zh-CN" altLang="en-US" sz="1200" dirty="0"/>
-          </a:p>
-        </p:txBody>
-      </p:sp>
-      <p:sp>
-        <p:nvSpPr>
-          <p:cNvPr id="59" name="矩形 58">
-            <a:extLst>
-              <a:ext uri="{FF2B5EF4-FFF2-40B4-BE49-F238E27FC236}">
-                <a16:creationId xmlns:a16="http://schemas.microsoft.com/office/drawing/2014/main" id="{E8BDAADA-815C-4FD9-B279-C64D8264F1F8}"/>
-              </a:ext>
-            </a:extLst>
-          </p:cNvPr>
-          <p:cNvSpPr/>
-          <p:nvPr/>
-        </p:nvSpPr>
-        <p:spPr>
-          <a:xfrm>
-            <a:off x="4539298" y="1718781"/>
-            <a:ext cx="1518364" cy="276999"/>
-          </a:xfrm>
-          <a:prstGeom prst="rect">
-            <a:avLst/>
-          </a:prstGeom>
-          <a:solidFill>
-            <a:schemeClr val="tx2">
-              <a:lumMod val="20000"/>
-              <a:lumOff val="80000"/>
-            </a:schemeClr>
-          </a:solidFill>
-        </p:spPr>
-        <p:txBody>
-          <a:bodyPr wrap="none">
-            <a:spAutoFit/>
-          </a:bodyPr>
-          <a:lstStyle/>
-          <a:p>
-            <a:r>
-              <a:rPr lang="en-US" altLang="zh-CN" sz="1200" dirty="0" err="1"/>
-              <a:t>concept_read_single</a:t>
-            </a:r>
-            <a:endParaRPr lang="zh-CN" altLang="en-US" sz="1200" dirty="0"/>
-          </a:p>
-        </p:txBody>
-      </p:sp>
-      <p:sp>
-        <p:nvSpPr>
-          <p:cNvPr id="61" name="矩形 60">
-            <a:extLst>
-              <a:ext uri="{FF2B5EF4-FFF2-40B4-BE49-F238E27FC236}">
-                <a16:creationId xmlns:a16="http://schemas.microsoft.com/office/drawing/2014/main" id="{ECD612AF-1CA0-41A3-92B1-BCDEB705FE8E}"/>
-              </a:ext>
-            </a:extLst>
-          </p:cNvPr>
-          <p:cNvSpPr/>
-          <p:nvPr/>
-        </p:nvSpPr>
-        <p:spPr>
-          <a:xfrm>
-            <a:off x="6226730" y="1718781"/>
-            <a:ext cx="1544012" cy="276999"/>
-          </a:xfrm>
-          <a:prstGeom prst="rect">
-            <a:avLst/>
-          </a:prstGeom>
-          <a:solidFill>
-            <a:schemeClr val="tx2">
-              <a:lumMod val="20000"/>
-              <a:lumOff val="80000"/>
-            </a:schemeClr>
-          </a:solidFill>
-        </p:spPr>
-        <p:txBody>
-          <a:bodyPr wrap="none">
-            <a:spAutoFit/>
-          </a:bodyPr>
-          <a:lstStyle/>
-          <a:p>
-            <a:r>
-              <a:rPr lang="en-US" altLang="zh-CN" sz="1200" dirty="0" err="1"/>
-              <a:t>concept_write_single</a:t>
-            </a:r>
-            <a:endParaRPr lang="zh-CN" altLang="en-US" sz="1200" dirty="0"/>
-          </a:p>
-        </p:txBody>
-      </p:sp>
-      <p:sp>
-        <p:nvSpPr>
-          <p:cNvPr id="63" name="矩形 62">
-            <a:extLst>
-              <a:ext uri="{FF2B5EF4-FFF2-40B4-BE49-F238E27FC236}">
-                <a16:creationId xmlns:a16="http://schemas.microsoft.com/office/drawing/2014/main" id="{9848CF91-A2B6-4292-B33E-58153A6A6FF7}"/>
-              </a:ext>
-            </a:extLst>
-          </p:cNvPr>
-          <p:cNvSpPr/>
-          <p:nvPr/>
-        </p:nvSpPr>
-        <p:spPr>
-          <a:xfrm>
-            <a:off x="5430728" y="1994262"/>
-            <a:ext cx="1382110" cy="276999"/>
-          </a:xfrm>
-          <a:prstGeom prst="rect">
-            <a:avLst/>
-          </a:prstGeom>
-          <a:solidFill>
-            <a:schemeClr val="tx2">
-              <a:lumMod val="20000"/>
-              <a:lumOff val="80000"/>
-            </a:schemeClr>
-          </a:solidFill>
-        </p:spPr>
-        <p:txBody>
-          <a:bodyPr wrap="none">
-            <a:spAutoFit/>
-          </a:bodyPr>
-          <a:lstStyle/>
-          <a:p>
-            <a:r>
-              <a:rPr lang="en-US" altLang="zh-CN" sz="1200" dirty="0" err="1"/>
-              <a:t>concept_rw_single</a:t>
-            </a:r>
-            <a:endParaRPr lang="zh-CN" altLang="en-US" sz="1200" dirty="0"/>
-          </a:p>
-        </p:txBody>
-      </p:sp>
-      <p:sp>
-        <p:nvSpPr>
-          <p:cNvPr id="65" name="矩形 64">
-            <a:extLst>
-              <a:ext uri="{FF2B5EF4-FFF2-40B4-BE49-F238E27FC236}">
-                <a16:creationId xmlns:a16="http://schemas.microsoft.com/office/drawing/2014/main" id="{8B1C22DA-1A2D-4AB6-9620-9968FE1857C9}"/>
-              </a:ext>
-            </a:extLst>
-          </p:cNvPr>
-          <p:cNvSpPr/>
-          <p:nvPr/>
-        </p:nvSpPr>
-        <p:spPr>
-          <a:xfrm>
-            <a:off x="9911570" y="1718781"/>
-            <a:ext cx="1438214" cy="276999"/>
-          </a:xfrm>
-          <a:prstGeom prst="rect">
-            <a:avLst/>
-          </a:prstGeom>
-          <a:solidFill>
-            <a:schemeClr val="tx2">
-              <a:lumMod val="20000"/>
-              <a:lumOff val="80000"/>
-            </a:schemeClr>
-          </a:solidFill>
-        </p:spPr>
-        <p:txBody>
-          <a:bodyPr wrap="none">
-            <a:spAutoFit/>
-          </a:bodyPr>
-          <a:lstStyle/>
-          <a:p>
-            <a:r>
-              <a:rPr lang="en-US" altLang="zh-CN" sz="1200" dirty="0" err="1"/>
-              <a:t>gmp_concept_seek</a:t>
-            </a:r>
-            <a:endParaRPr lang="zh-CN" altLang="en-US" sz="1200" dirty="0"/>
-          </a:p>
-        </p:txBody>
-      </p:sp>
-      <p:sp>
-        <p:nvSpPr>
-          <p:cNvPr id="67" name="矩形 66">
-            <a:extLst>
-              <a:ext uri="{FF2B5EF4-FFF2-40B4-BE49-F238E27FC236}">
-                <a16:creationId xmlns:a16="http://schemas.microsoft.com/office/drawing/2014/main" id="{E7938B70-CAF5-4FBF-8242-3713A7C7B741}"/>
-              </a:ext>
-            </a:extLst>
-          </p:cNvPr>
-          <p:cNvSpPr/>
-          <p:nvPr/>
-        </p:nvSpPr>
-        <p:spPr>
-          <a:xfrm>
-            <a:off x="7939810" y="1716958"/>
-            <a:ext cx="1840568" cy="276999"/>
-          </a:xfrm>
-          <a:prstGeom prst="rect">
-            <a:avLst/>
-          </a:prstGeom>
-          <a:solidFill>
-            <a:schemeClr val="tx2">
-              <a:lumMod val="20000"/>
-              <a:lumOff val="80000"/>
-            </a:schemeClr>
-          </a:solidFill>
-        </p:spPr>
-        <p:txBody>
-          <a:bodyPr wrap="none">
-            <a:spAutoFit/>
-          </a:bodyPr>
-          <a:lstStyle/>
-          <a:p>
-            <a:r>
-              <a:rPr lang="en-US" altLang="zh-CN" sz="1200" dirty="0" err="1"/>
-              <a:t>concept_readwrite_single</a:t>
-            </a:r>
-            <a:endParaRPr lang="zh-CN" altLang="en-US" sz="1200" dirty="0"/>
-          </a:p>
-        </p:txBody>
-      </p:sp>
-      <p:sp>
-        <p:nvSpPr>
-          <p:cNvPr id="69" name="矩形 68">
-            <a:extLst>
-              <a:ext uri="{FF2B5EF4-FFF2-40B4-BE49-F238E27FC236}">
-                <a16:creationId xmlns:a16="http://schemas.microsoft.com/office/drawing/2014/main" id="{23FC58D2-C83B-4B90-BCEB-0F10C40D7211}"/>
-              </a:ext>
-            </a:extLst>
-          </p:cNvPr>
-          <p:cNvSpPr/>
-          <p:nvPr/>
-        </p:nvSpPr>
-        <p:spPr>
-          <a:xfrm>
-            <a:off x="6825115" y="2282092"/>
-            <a:ext cx="1470274" cy="276999"/>
-          </a:xfrm>
-          <a:prstGeom prst="rect">
-            <a:avLst/>
-          </a:prstGeom>
-          <a:solidFill>
-            <a:schemeClr val="tx2">
-              <a:lumMod val="20000"/>
-              <a:lumOff val="80000"/>
-            </a:schemeClr>
-          </a:solidFill>
-        </p:spPr>
-        <p:txBody>
-          <a:bodyPr wrap="none">
-            <a:spAutoFit/>
-          </a:bodyPr>
-          <a:lstStyle/>
-          <a:p>
-            <a:r>
-              <a:rPr lang="en-US" altLang="zh-CN" sz="1200" dirty="0" err="1"/>
-              <a:t>concept_rwd_single</a:t>
-            </a:r>
-            <a:endParaRPr lang="zh-CN" altLang="en-US" sz="1200" dirty="0"/>
-          </a:p>
-        </p:txBody>
-      </p:sp>
-      <p:sp>
-        <p:nvSpPr>
-          <p:cNvPr id="71" name="矩形 70">
-            <a:extLst>
-              <a:ext uri="{FF2B5EF4-FFF2-40B4-BE49-F238E27FC236}">
-                <a16:creationId xmlns:a16="http://schemas.microsoft.com/office/drawing/2014/main" id="{56129184-76A1-49AF-BC0A-1C9D0B36FEBC}"/>
-              </a:ext>
-            </a:extLst>
-          </p:cNvPr>
-          <p:cNvSpPr/>
-          <p:nvPr/>
-        </p:nvSpPr>
-        <p:spPr>
-          <a:xfrm>
-            <a:off x="8378778" y="2551660"/>
-            <a:ext cx="1532792" cy="276999"/>
-          </a:xfrm>
-          <a:prstGeom prst="rect">
-            <a:avLst/>
-          </a:prstGeom>
-          <a:solidFill>
-            <a:schemeClr val="tx2">
-              <a:lumMod val="20000"/>
-              <a:lumOff val="80000"/>
-            </a:schemeClr>
-          </a:solidFill>
-        </p:spPr>
-        <p:txBody>
-          <a:bodyPr wrap="none">
-            <a:spAutoFit/>
-          </a:bodyPr>
-          <a:lstStyle/>
-          <a:p>
-            <a:r>
-              <a:rPr lang="en-US" altLang="zh-CN" sz="1200" dirty="0" err="1"/>
-              <a:t>concept_rwds_single</a:t>
-            </a:r>
-            <a:endParaRPr lang="zh-CN" altLang="en-US" sz="1200" dirty="0"/>
-          </a:p>
-        </p:txBody>
-      </p:sp>
-      <p:sp>
-        <p:nvSpPr>
-          <p:cNvPr id="72" name="左大括号 71">
-            <a:extLst>
-              <a:ext uri="{FF2B5EF4-FFF2-40B4-BE49-F238E27FC236}">
-                <a16:creationId xmlns:a16="http://schemas.microsoft.com/office/drawing/2014/main" id="{D2DC5F1F-5375-4B97-B78C-D23597D7BFDF}"/>
-              </a:ext>
-            </a:extLst>
-          </p:cNvPr>
-          <p:cNvSpPr/>
-          <p:nvPr/>
-        </p:nvSpPr>
-        <p:spPr>
-          <a:xfrm rot="16200000" flipV="1">
-            <a:off x="6119314" y="1282753"/>
-            <a:ext cx="73760" cy="1441582"/>
-          </a:xfrm>
-          <a:prstGeom prst="leftBrace">
-            <a:avLst/>
-          </a:prstGeom>
-          <a:noFill/>
-        </p:spPr>
-        <p:style>
-          <a:lnRef idx="1">
-            <a:schemeClr val="accent1"/>
-          </a:lnRef>
-          <a:fillRef idx="0">
-            <a:schemeClr val="accent1"/>
-          </a:fillRef>
-          <a:effectRef idx="0">
-            <a:schemeClr val="accent1"/>
-          </a:effectRef>
-          <a:fontRef idx="minor">
-            <a:schemeClr val="tx1"/>
-          </a:fontRef>
-        </p:style>
-        <p:txBody>
-          <a:bodyPr rtlCol="0" anchor="ctr"/>
-          <a:lstStyle/>
-          <a:p>
-            <a:pPr algn="ctr"/>
-            <a:endParaRPr lang="zh-CN" altLang="en-US"/>
-          </a:p>
-        </p:txBody>
-      </p:sp>
-      <p:sp>
-        <p:nvSpPr>
-          <p:cNvPr id="73" name="左大括号 72">
-            <a:extLst>
-              <a:ext uri="{FF2B5EF4-FFF2-40B4-BE49-F238E27FC236}">
-                <a16:creationId xmlns:a16="http://schemas.microsoft.com/office/drawing/2014/main" id="{D3041485-A8A9-43A9-891B-67753A7AFFA3}"/>
-              </a:ext>
-            </a:extLst>
-          </p:cNvPr>
-          <p:cNvSpPr/>
-          <p:nvPr/>
-        </p:nvSpPr>
-        <p:spPr>
-          <a:xfrm rot="16200000" flipV="1">
-            <a:off x="7521884" y="888548"/>
-            <a:ext cx="45719" cy="2756587"/>
-          </a:xfrm>
-          <a:prstGeom prst="leftBrace">
-            <a:avLst/>
-          </a:prstGeom>
-          <a:noFill/>
-        </p:spPr>
-        <p:style>
-          <a:lnRef idx="1">
-            <a:schemeClr val="accent1"/>
-          </a:lnRef>
-          <a:fillRef idx="0">
-            <a:schemeClr val="accent1"/>
-          </a:fillRef>
-          <a:effectRef idx="0">
-            <a:schemeClr val="accent1"/>
-          </a:effectRef>
-          <a:fontRef idx="minor">
-            <a:schemeClr val="tx1"/>
-          </a:fontRef>
-        </p:style>
-        <p:txBody>
-          <a:bodyPr rtlCol="0" anchor="ctr"/>
-          <a:lstStyle/>
-          <a:p>
-            <a:pPr algn="ctr"/>
-            <a:endParaRPr lang="zh-CN" altLang="en-US"/>
-          </a:p>
-        </p:txBody>
-      </p:sp>
-      <p:sp>
-        <p:nvSpPr>
-          <p:cNvPr id="74" name="左大括号 73">
-            <a:extLst>
-              <a:ext uri="{FF2B5EF4-FFF2-40B4-BE49-F238E27FC236}">
-                <a16:creationId xmlns:a16="http://schemas.microsoft.com/office/drawing/2014/main" id="{826A3658-6FCA-4CB6-BF51-CDB0518AF441}"/>
-              </a:ext>
-            </a:extLst>
-          </p:cNvPr>
-          <p:cNvSpPr/>
-          <p:nvPr/>
-        </p:nvSpPr>
-        <p:spPr>
-          <a:xfrm rot="5400000" flipH="1">
-            <a:off x="9095953" y="978439"/>
-            <a:ext cx="45719" cy="3148138"/>
-          </a:xfrm>
-          <a:prstGeom prst="leftBrace">
-            <a:avLst/>
-          </a:prstGeom>
-          <a:noFill/>
-        </p:spPr>
-        <p:style>
-          <a:lnRef idx="1">
-            <a:schemeClr val="accent1"/>
-          </a:lnRef>
-          <a:fillRef idx="0">
-            <a:schemeClr val="accent1"/>
-          </a:fillRef>
-          <a:effectRef idx="0">
-            <a:schemeClr val="accent1"/>
-          </a:effectRef>
-          <a:fontRef idx="minor">
-            <a:schemeClr val="tx1"/>
-          </a:fontRef>
-        </p:style>
-        <p:txBody>
-          <a:bodyPr rtlCol="0" anchor="ctr"/>
-          <a:lstStyle/>
-          <a:p>
-            <a:pPr algn="ctr"/>
-            <a:endParaRPr lang="zh-CN" altLang="en-US"/>
-          </a:p>
-        </p:txBody>
-      </p:sp>
-      <p:sp>
-        <p:nvSpPr>
-          <p:cNvPr id="75" name="矩形 74">
-            <a:extLst>
-              <a:ext uri="{FF2B5EF4-FFF2-40B4-BE49-F238E27FC236}">
-                <a16:creationId xmlns:a16="http://schemas.microsoft.com/office/drawing/2014/main" id="{B6E81305-E736-4E99-9B4B-81A9FCCC4F6B}"/>
-              </a:ext>
-            </a:extLst>
-          </p:cNvPr>
-          <p:cNvSpPr/>
-          <p:nvPr/>
-        </p:nvSpPr>
-        <p:spPr>
-          <a:xfrm>
-            <a:off x="500658" y="177576"/>
-            <a:ext cx="2736647" cy="369332"/>
-          </a:xfrm>
-          <a:prstGeom prst="rect">
-            <a:avLst/>
-          </a:prstGeom>
-        </p:spPr>
-        <p:txBody>
-          <a:bodyPr wrap="none">
-            <a:spAutoFit/>
-          </a:bodyPr>
-          <a:lstStyle/>
-          <a:p>
-            <a:r>
               <a:rPr lang="zh-CN" altLang="en-US" dirty="0"/>
-              <a:t>Genealogy </a:t>
-            </a:r>
-            <a:r>
-              <a:rPr lang="en-US" altLang="zh-CN" dirty="0"/>
-              <a:t>for IO concept</a:t>
-            </a:r>
-            <a:endParaRPr lang="zh-CN" altLang="en-US" dirty="0"/>
+              <a:t>第三层：实现上面的框架</a:t>
+            </a:r>
           </a:p>
         </p:txBody>
       </p:sp>
     </p:spTree>
     <p:extLst>
       <p:ext uri="{BB962C8B-B14F-4D97-AF65-F5344CB8AC3E}">
-        <p14:creationId xmlns:p14="http://schemas.microsoft.com/office/powerpoint/2010/main" val="1699221804"/>
+        <p14:creationId xmlns:p14="http://schemas.microsoft.com/office/powerpoint/2010/main" val="960858291"/>
       </p:ext>
     </p:extLst>
   </p:cSld>
@@ -8177,62 +8218,628 @@
           <a:chExt cx="0" cy="0"/>
         </a:xfrm>
       </p:grpSpPr>
-      <p:pic>
-        <p:nvPicPr>
-          <p:cNvPr id="2" name="图片 1">
-            <a:extLst>
-              <a:ext uri="{FF2B5EF4-FFF2-40B4-BE49-F238E27FC236}">
-                <a16:creationId xmlns:a16="http://schemas.microsoft.com/office/drawing/2014/main" id="{D696744D-87D4-4CD8-83D9-A99C2CD3D514}"/>
-              </a:ext>
-            </a:extLst>
-          </p:cNvPr>
-          <p:cNvPicPr>
-            <a:picLocks noChangeAspect="1"/>
-          </p:cNvPicPr>
-          <p:nvPr/>
-        </p:nvPicPr>
-        <p:blipFill>
-          <a:blip r:embed="rId2"/>
-          <a:stretch>
-            <a:fillRect/>
-          </a:stretch>
-        </p:blipFill>
-        <p:spPr>
-          <a:xfrm>
-            <a:off x="1219200" y="571500"/>
-            <a:ext cx="9753600" cy="5715000"/>
-          </a:xfrm>
-          <a:prstGeom prst="rect">
-            <a:avLst/>
-          </a:prstGeom>
-        </p:spPr>
-      </p:pic>
-      <p:cxnSp>
-        <p:nvCxnSpPr>
-          <p:cNvPr id="4" name="直接箭头连接符 3">
-            <a:extLst>
-              <a:ext uri="{FF2B5EF4-FFF2-40B4-BE49-F238E27FC236}">
-                <a16:creationId xmlns:a16="http://schemas.microsoft.com/office/drawing/2014/main" id="{1BA65C68-BF96-4C65-9870-7529D836AD05}"/>
-              </a:ext>
-            </a:extLst>
-          </p:cNvPr>
-          <p:cNvCxnSpPr/>
-          <p:nvPr/>
-        </p:nvCxnSpPr>
-        <p:spPr>
-          <a:xfrm>
-            <a:off x="3026664" y="2862072"/>
-            <a:ext cx="0" cy="237744"/>
-          </a:xfrm>
-          <a:prstGeom prst="straightConnector1">
-            <a:avLst/>
-          </a:prstGeom>
-          <a:ln w="12700">
+      <p:sp>
+        <p:nvSpPr>
+          <p:cNvPr id="2" name="矩形: 圆角 1">
+            <a:extLst>
+              <a:ext uri="{FF2B5EF4-FFF2-40B4-BE49-F238E27FC236}">
+                <a16:creationId xmlns:a16="http://schemas.microsoft.com/office/drawing/2014/main" id="{52E4EF38-1E53-4D03-8DB7-88CF7035ECAA}"/>
+              </a:ext>
+            </a:extLst>
+          </p:cNvPr>
+          <p:cNvSpPr/>
+          <p:nvPr/>
+        </p:nvSpPr>
+        <p:spPr>
+          <a:xfrm>
+            <a:off x="2718472" y="1079458"/>
+            <a:ext cx="1425718" cy="466344"/>
+          </a:xfrm>
+          <a:prstGeom prst="roundRect">
+            <a:avLst/>
+          </a:prstGeom>
+          <a:solidFill>
+            <a:schemeClr val="bg1"/>
+          </a:solidFill>
+          <a:ln w="19050">
             <a:solidFill>
-              <a:schemeClr val="bg1"/>
+              <a:schemeClr val="tx1"/>
             </a:solidFill>
-            <a:tailEnd type="triangle"/>
           </a:ln>
+        </p:spPr>
+        <p:style>
+          <a:lnRef idx="2">
+            <a:schemeClr val="accent1">
+              <a:shade val="50000"/>
+            </a:schemeClr>
+          </a:lnRef>
+          <a:fillRef idx="1">
+            <a:schemeClr val="accent1"/>
+          </a:fillRef>
+          <a:effectRef idx="0">
+            <a:schemeClr val="accent1"/>
+          </a:effectRef>
+          <a:fontRef idx="minor">
+            <a:schemeClr val="lt1"/>
+          </a:fontRef>
+        </p:style>
+        <p:txBody>
+          <a:bodyPr rtlCol="0" anchor="ctr"/>
+          <a:lstStyle/>
+          <a:p>
+            <a:pPr algn="ctr"/>
+            <a:r>
+              <a:rPr lang="en-US" altLang="zh-CN" sz="1600" dirty="0">
+                <a:solidFill>
+                  <a:schemeClr val="tx1"/>
+                </a:solidFill>
+              </a:rPr>
+              <a:t>IO Concept</a:t>
+            </a:r>
+            <a:endParaRPr lang="zh-CN" altLang="en-US" sz="1600" dirty="0">
+              <a:solidFill>
+                <a:schemeClr val="tx1"/>
+              </a:solidFill>
+            </a:endParaRPr>
+          </a:p>
+        </p:txBody>
+      </p:sp>
+      <p:sp>
+        <p:nvSpPr>
+          <p:cNvPr id="5" name="矩形: 圆角 4">
+            <a:extLst>
+              <a:ext uri="{FF2B5EF4-FFF2-40B4-BE49-F238E27FC236}">
+                <a16:creationId xmlns:a16="http://schemas.microsoft.com/office/drawing/2014/main" id="{84FA0CC4-5BDD-4CA3-A57D-4D98F4135A6C}"/>
+              </a:ext>
+            </a:extLst>
+          </p:cNvPr>
+          <p:cNvSpPr/>
+          <p:nvPr/>
+        </p:nvSpPr>
+        <p:spPr>
+          <a:xfrm>
+            <a:off x="4851920" y="1079458"/>
+            <a:ext cx="895739" cy="466344"/>
+          </a:xfrm>
+          <a:prstGeom prst="roundRect">
+            <a:avLst/>
+          </a:prstGeom>
+          <a:solidFill>
+            <a:schemeClr val="bg1"/>
+          </a:solidFill>
+          <a:ln w="19050">
+            <a:solidFill>
+              <a:schemeClr val="tx1"/>
+            </a:solidFill>
+          </a:ln>
+        </p:spPr>
+        <p:style>
+          <a:lnRef idx="2">
+            <a:schemeClr val="accent1">
+              <a:shade val="50000"/>
+            </a:schemeClr>
+          </a:lnRef>
+          <a:fillRef idx="1">
+            <a:schemeClr val="accent1"/>
+          </a:fillRef>
+          <a:effectRef idx="0">
+            <a:schemeClr val="accent1"/>
+          </a:effectRef>
+          <a:fontRef idx="minor">
+            <a:schemeClr val="lt1"/>
+          </a:fontRef>
+        </p:style>
+        <p:txBody>
+          <a:bodyPr rtlCol="0" anchor="ctr"/>
+          <a:lstStyle/>
+          <a:p>
+            <a:pPr algn="ctr"/>
+            <a:r>
+              <a:rPr lang="en-US" altLang="zh-CN" dirty="0">
+                <a:solidFill>
+                  <a:schemeClr val="tx1"/>
+                </a:solidFill>
+              </a:rPr>
+              <a:t>Read</a:t>
+            </a:r>
+            <a:endParaRPr lang="zh-CN" altLang="en-US" dirty="0">
+              <a:solidFill>
+                <a:schemeClr val="tx1"/>
+              </a:solidFill>
+            </a:endParaRPr>
+          </a:p>
+        </p:txBody>
+      </p:sp>
+      <p:sp>
+        <p:nvSpPr>
+          <p:cNvPr id="6" name="矩形: 圆角 5">
+            <a:extLst>
+              <a:ext uri="{FF2B5EF4-FFF2-40B4-BE49-F238E27FC236}">
+                <a16:creationId xmlns:a16="http://schemas.microsoft.com/office/drawing/2014/main" id="{57654E87-0290-4BF1-B43D-AC7BF9EE32BE}"/>
+              </a:ext>
+            </a:extLst>
+          </p:cNvPr>
+          <p:cNvSpPr/>
+          <p:nvPr/>
+        </p:nvSpPr>
+        <p:spPr>
+          <a:xfrm>
+            <a:off x="6497217" y="1079458"/>
+            <a:ext cx="895739" cy="466344"/>
+          </a:xfrm>
+          <a:prstGeom prst="roundRect">
+            <a:avLst/>
+          </a:prstGeom>
+          <a:solidFill>
+            <a:schemeClr val="bg1"/>
+          </a:solidFill>
+          <a:ln w="19050">
+            <a:solidFill>
+              <a:schemeClr val="tx1"/>
+            </a:solidFill>
+          </a:ln>
+        </p:spPr>
+        <p:style>
+          <a:lnRef idx="2">
+            <a:schemeClr val="accent1">
+              <a:shade val="50000"/>
+            </a:schemeClr>
+          </a:lnRef>
+          <a:fillRef idx="1">
+            <a:schemeClr val="accent1"/>
+          </a:fillRef>
+          <a:effectRef idx="0">
+            <a:schemeClr val="accent1"/>
+          </a:effectRef>
+          <a:fontRef idx="minor">
+            <a:schemeClr val="lt1"/>
+          </a:fontRef>
+        </p:style>
+        <p:txBody>
+          <a:bodyPr rtlCol="0" anchor="ctr"/>
+          <a:lstStyle/>
+          <a:p>
+            <a:pPr algn="ctr"/>
+            <a:r>
+              <a:rPr lang="en-US" altLang="zh-CN" dirty="0">
+                <a:solidFill>
+                  <a:schemeClr val="tx1"/>
+                </a:solidFill>
+              </a:rPr>
+              <a:t>Write</a:t>
+            </a:r>
+            <a:endParaRPr lang="zh-CN" altLang="en-US" dirty="0">
+              <a:solidFill>
+                <a:schemeClr val="tx1"/>
+              </a:solidFill>
+            </a:endParaRPr>
+          </a:p>
+        </p:txBody>
+      </p:sp>
+      <p:sp>
+        <p:nvSpPr>
+          <p:cNvPr id="7" name="矩形: 圆角 6">
+            <a:extLst>
+              <a:ext uri="{FF2B5EF4-FFF2-40B4-BE49-F238E27FC236}">
+                <a16:creationId xmlns:a16="http://schemas.microsoft.com/office/drawing/2014/main" id="{7BBEB933-AD8C-481E-BB9A-EECCBFCEC442}"/>
+              </a:ext>
+            </a:extLst>
+          </p:cNvPr>
+          <p:cNvSpPr/>
+          <p:nvPr/>
+        </p:nvSpPr>
+        <p:spPr>
+          <a:xfrm>
+            <a:off x="8142514" y="1079458"/>
+            <a:ext cx="1290736" cy="466344"/>
+          </a:xfrm>
+          <a:prstGeom prst="roundRect">
+            <a:avLst/>
+          </a:prstGeom>
+          <a:solidFill>
+            <a:schemeClr val="bg1"/>
+          </a:solidFill>
+          <a:ln w="19050">
+            <a:solidFill>
+              <a:schemeClr val="tx1"/>
+            </a:solidFill>
+          </a:ln>
+        </p:spPr>
+        <p:style>
+          <a:lnRef idx="2">
+            <a:schemeClr val="accent1">
+              <a:shade val="50000"/>
+            </a:schemeClr>
+          </a:lnRef>
+          <a:fillRef idx="1">
+            <a:schemeClr val="accent1"/>
+          </a:fillRef>
+          <a:effectRef idx="0">
+            <a:schemeClr val="accent1"/>
+          </a:effectRef>
+          <a:fontRef idx="minor">
+            <a:schemeClr val="lt1"/>
+          </a:fontRef>
+        </p:style>
+        <p:txBody>
+          <a:bodyPr rtlCol="0" anchor="ctr"/>
+          <a:lstStyle/>
+          <a:p>
+            <a:pPr algn="ctr"/>
+            <a:r>
+              <a:rPr lang="en-US" altLang="zh-CN" dirty="0" err="1">
+                <a:solidFill>
+                  <a:schemeClr val="tx1"/>
+                </a:solidFill>
+              </a:rPr>
+              <a:t>ReadWrite</a:t>
+            </a:r>
+            <a:endParaRPr lang="zh-CN" altLang="en-US" dirty="0">
+              <a:solidFill>
+                <a:schemeClr val="tx1"/>
+              </a:solidFill>
+            </a:endParaRPr>
+          </a:p>
+        </p:txBody>
+      </p:sp>
+      <p:sp>
+        <p:nvSpPr>
+          <p:cNvPr id="8" name="矩形: 圆角 7">
+            <a:extLst>
+              <a:ext uri="{FF2B5EF4-FFF2-40B4-BE49-F238E27FC236}">
+                <a16:creationId xmlns:a16="http://schemas.microsoft.com/office/drawing/2014/main" id="{7CCBF306-7A52-4766-B5DF-36EFA5197100}"/>
+              </a:ext>
+            </a:extLst>
+          </p:cNvPr>
+          <p:cNvSpPr/>
+          <p:nvPr/>
+        </p:nvSpPr>
+        <p:spPr>
+          <a:xfrm>
+            <a:off x="10182808" y="1079458"/>
+            <a:ext cx="895739" cy="466344"/>
+          </a:xfrm>
+          <a:prstGeom prst="roundRect">
+            <a:avLst/>
+          </a:prstGeom>
+          <a:solidFill>
+            <a:schemeClr val="bg1"/>
+          </a:solidFill>
+          <a:ln w="19050">
+            <a:solidFill>
+              <a:schemeClr val="tx1"/>
+            </a:solidFill>
+          </a:ln>
+        </p:spPr>
+        <p:style>
+          <a:lnRef idx="2">
+            <a:schemeClr val="accent1">
+              <a:shade val="50000"/>
+            </a:schemeClr>
+          </a:lnRef>
+          <a:fillRef idx="1">
+            <a:schemeClr val="accent1"/>
+          </a:fillRef>
+          <a:effectRef idx="0">
+            <a:schemeClr val="accent1"/>
+          </a:effectRef>
+          <a:fontRef idx="minor">
+            <a:schemeClr val="lt1"/>
+          </a:fontRef>
+        </p:style>
+        <p:txBody>
+          <a:bodyPr rtlCol="0" anchor="ctr"/>
+          <a:lstStyle/>
+          <a:p>
+            <a:pPr algn="ctr"/>
+            <a:r>
+              <a:rPr lang="en-US" altLang="zh-CN" dirty="0">
+                <a:solidFill>
+                  <a:schemeClr val="tx1"/>
+                </a:solidFill>
+              </a:rPr>
+              <a:t>Seek</a:t>
+            </a:r>
+            <a:endParaRPr lang="zh-CN" altLang="en-US" dirty="0">
+              <a:solidFill>
+                <a:schemeClr val="tx1"/>
+              </a:solidFill>
+            </a:endParaRPr>
+          </a:p>
+        </p:txBody>
+      </p:sp>
+      <p:sp>
+        <p:nvSpPr>
+          <p:cNvPr id="9" name="矩形: 圆角 8">
+            <a:extLst>
+              <a:ext uri="{FF2B5EF4-FFF2-40B4-BE49-F238E27FC236}">
+                <a16:creationId xmlns:a16="http://schemas.microsoft.com/office/drawing/2014/main" id="{FD30CD13-3550-4A9F-8C42-D5FCB3BCC162}"/>
+              </a:ext>
+            </a:extLst>
+          </p:cNvPr>
+          <p:cNvSpPr/>
+          <p:nvPr/>
+        </p:nvSpPr>
+        <p:spPr>
+          <a:xfrm>
+            <a:off x="2607904" y="2077834"/>
+            <a:ext cx="1646855" cy="466344"/>
+          </a:xfrm>
+          <a:prstGeom prst="roundRect">
+            <a:avLst/>
+          </a:prstGeom>
+          <a:solidFill>
+            <a:schemeClr val="bg1"/>
+          </a:solidFill>
+          <a:ln w="19050">
+            <a:solidFill>
+              <a:schemeClr val="tx1"/>
+            </a:solidFill>
+          </a:ln>
+        </p:spPr>
+        <p:style>
+          <a:lnRef idx="2">
+            <a:schemeClr val="accent1">
+              <a:shade val="50000"/>
+            </a:schemeClr>
+          </a:lnRef>
+          <a:fillRef idx="1">
+            <a:schemeClr val="accent1"/>
+          </a:fillRef>
+          <a:effectRef idx="0">
+            <a:schemeClr val="accent1"/>
+          </a:effectRef>
+          <a:fontRef idx="minor">
+            <a:schemeClr val="lt1"/>
+          </a:fontRef>
+        </p:style>
+        <p:txBody>
+          <a:bodyPr rtlCol="0" anchor="ctr"/>
+          <a:lstStyle/>
+          <a:p>
+            <a:pPr algn="ctr"/>
+            <a:r>
+              <a:rPr lang="en-US" altLang="zh-CN" sz="1600" dirty="0">
+                <a:solidFill>
+                  <a:schemeClr val="tx1"/>
+                </a:solidFill>
+              </a:rPr>
+              <a:t>Atom</a:t>
+            </a:r>
+            <a:endParaRPr lang="zh-CN" altLang="en-US" sz="1600" dirty="0">
+              <a:solidFill>
+                <a:schemeClr val="tx1"/>
+              </a:solidFill>
+            </a:endParaRPr>
+          </a:p>
+        </p:txBody>
+      </p:sp>
+      <p:sp>
+        <p:nvSpPr>
+          <p:cNvPr id="10" name="矩形: 圆角 9">
+            <a:extLst>
+              <a:ext uri="{FF2B5EF4-FFF2-40B4-BE49-F238E27FC236}">
+                <a16:creationId xmlns:a16="http://schemas.microsoft.com/office/drawing/2014/main" id="{508AF2D0-DB4B-419E-A9BB-5969E4F38155}"/>
+              </a:ext>
+            </a:extLst>
+          </p:cNvPr>
+          <p:cNvSpPr/>
+          <p:nvPr/>
+        </p:nvSpPr>
+        <p:spPr>
+          <a:xfrm>
+            <a:off x="2607904" y="2843038"/>
+            <a:ext cx="1646855" cy="466344"/>
+          </a:xfrm>
+          <a:prstGeom prst="roundRect">
+            <a:avLst/>
+          </a:prstGeom>
+          <a:solidFill>
+            <a:schemeClr val="bg1"/>
+          </a:solidFill>
+          <a:ln w="19050">
+            <a:solidFill>
+              <a:schemeClr val="tx1"/>
+            </a:solidFill>
+          </a:ln>
+        </p:spPr>
+        <p:style>
+          <a:lnRef idx="2">
+            <a:schemeClr val="accent1">
+              <a:shade val="50000"/>
+            </a:schemeClr>
+          </a:lnRef>
+          <a:fillRef idx="1">
+            <a:schemeClr val="accent1"/>
+          </a:fillRef>
+          <a:effectRef idx="0">
+            <a:schemeClr val="accent1"/>
+          </a:effectRef>
+          <a:fontRef idx="minor">
+            <a:schemeClr val="lt1"/>
+          </a:fontRef>
+        </p:style>
+        <p:txBody>
+          <a:bodyPr rtlCol="0" anchor="ctr"/>
+          <a:lstStyle/>
+          <a:p>
+            <a:pPr algn="ctr"/>
+            <a:r>
+              <a:rPr lang="en-US" altLang="zh-CN" sz="1600" dirty="0">
+                <a:solidFill>
+                  <a:schemeClr val="tx1"/>
+                </a:solidFill>
+              </a:rPr>
+              <a:t>String</a:t>
+            </a:r>
+            <a:endParaRPr lang="zh-CN" altLang="en-US" sz="1600" dirty="0">
+              <a:solidFill>
+                <a:schemeClr val="tx1"/>
+              </a:solidFill>
+            </a:endParaRPr>
+          </a:p>
+        </p:txBody>
+      </p:sp>
+      <p:sp>
+        <p:nvSpPr>
+          <p:cNvPr id="11" name="矩形: 圆角 10">
+            <a:extLst>
+              <a:ext uri="{FF2B5EF4-FFF2-40B4-BE49-F238E27FC236}">
+                <a16:creationId xmlns:a16="http://schemas.microsoft.com/office/drawing/2014/main" id="{C7647C77-09EC-472F-9C00-74B833AA6034}"/>
+              </a:ext>
+            </a:extLst>
+          </p:cNvPr>
+          <p:cNvSpPr/>
+          <p:nvPr/>
+        </p:nvSpPr>
+        <p:spPr>
+          <a:xfrm>
+            <a:off x="2607904" y="3614027"/>
+            <a:ext cx="1646855" cy="466344"/>
+          </a:xfrm>
+          <a:prstGeom prst="roundRect">
+            <a:avLst/>
+          </a:prstGeom>
+          <a:solidFill>
+            <a:schemeClr val="bg1"/>
+          </a:solidFill>
+          <a:ln w="19050">
+            <a:solidFill>
+              <a:schemeClr val="tx1"/>
+            </a:solidFill>
+          </a:ln>
+        </p:spPr>
+        <p:style>
+          <a:lnRef idx="2">
+            <a:schemeClr val="accent1">
+              <a:shade val="50000"/>
+            </a:schemeClr>
+          </a:lnRef>
+          <a:fillRef idx="1">
+            <a:schemeClr val="accent1"/>
+          </a:fillRef>
+          <a:effectRef idx="0">
+            <a:schemeClr val="accent1"/>
+          </a:effectRef>
+          <a:fontRef idx="minor">
+            <a:schemeClr val="lt1"/>
+          </a:fontRef>
+        </p:style>
+        <p:txBody>
+          <a:bodyPr rtlCol="0" anchor="ctr"/>
+          <a:lstStyle/>
+          <a:p>
+            <a:pPr algn="ctr"/>
+            <a:r>
+              <a:rPr lang="en-US" altLang="zh-CN" sz="1600" dirty="0">
+                <a:solidFill>
+                  <a:schemeClr val="tx1"/>
+                </a:solidFill>
+              </a:rPr>
+              <a:t>Address</a:t>
+            </a:r>
+            <a:endParaRPr lang="zh-CN" altLang="en-US" sz="1600" dirty="0">
+              <a:solidFill>
+                <a:schemeClr val="tx1"/>
+              </a:solidFill>
+            </a:endParaRPr>
+          </a:p>
+        </p:txBody>
+      </p:sp>
+      <p:sp>
+        <p:nvSpPr>
+          <p:cNvPr id="12" name="矩形: 圆角 11">
+            <a:extLst>
+              <a:ext uri="{FF2B5EF4-FFF2-40B4-BE49-F238E27FC236}">
+                <a16:creationId xmlns:a16="http://schemas.microsoft.com/office/drawing/2014/main" id="{A064981E-BE73-40CB-98F7-BA68517D9C5D}"/>
+              </a:ext>
+            </a:extLst>
+          </p:cNvPr>
+          <p:cNvSpPr/>
+          <p:nvPr/>
+        </p:nvSpPr>
+        <p:spPr>
+          <a:xfrm>
+            <a:off x="2607904" y="5155446"/>
+            <a:ext cx="1646855" cy="466344"/>
+          </a:xfrm>
+          <a:prstGeom prst="roundRect">
+            <a:avLst/>
+          </a:prstGeom>
+          <a:solidFill>
+            <a:schemeClr val="bg1"/>
+          </a:solidFill>
+          <a:ln w="19050">
+            <a:solidFill>
+              <a:schemeClr val="tx1"/>
+            </a:solidFill>
+          </a:ln>
+        </p:spPr>
+        <p:style>
+          <a:lnRef idx="2">
+            <a:schemeClr val="accent1">
+              <a:shade val="50000"/>
+            </a:schemeClr>
+          </a:lnRef>
+          <a:fillRef idx="1">
+            <a:schemeClr val="accent1"/>
+          </a:fillRef>
+          <a:effectRef idx="0">
+            <a:schemeClr val="accent1"/>
+          </a:effectRef>
+          <a:fontRef idx="minor">
+            <a:schemeClr val="lt1"/>
+          </a:fontRef>
+        </p:style>
+        <p:txBody>
+          <a:bodyPr rtlCol="0" anchor="ctr"/>
+          <a:lstStyle/>
+          <a:p>
+            <a:pPr algn="ctr"/>
+            <a:r>
+              <a:rPr lang="en-US" altLang="zh-CN" sz="1600" dirty="0">
+                <a:solidFill>
+                  <a:schemeClr val="tx1"/>
+                </a:solidFill>
+              </a:rPr>
+              <a:t>Dual </a:t>
+            </a:r>
+            <a:r>
+              <a:rPr lang="en-US" altLang="zh-CN" sz="1600" dirty="0" err="1">
+                <a:solidFill>
+                  <a:schemeClr val="tx1"/>
+                </a:solidFill>
+              </a:rPr>
+              <a:t>Addr</a:t>
+            </a:r>
+            <a:endParaRPr lang="zh-CN" altLang="en-US" sz="1600" dirty="0">
+              <a:solidFill>
+                <a:schemeClr val="tx1"/>
+              </a:solidFill>
+            </a:endParaRPr>
+          </a:p>
+        </p:txBody>
+      </p:sp>
+      <p:sp>
+        <p:nvSpPr>
+          <p:cNvPr id="13" name="左大括号 12">
+            <a:extLst>
+              <a:ext uri="{FF2B5EF4-FFF2-40B4-BE49-F238E27FC236}">
+                <a16:creationId xmlns:a16="http://schemas.microsoft.com/office/drawing/2014/main" id="{04636A1B-F5DF-46D3-B517-5535AB7DB3B3}"/>
+              </a:ext>
+            </a:extLst>
+          </p:cNvPr>
+          <p:cNvSpPr/>
+          <p:nvPr/>
+        </p:nvSpPr>
+        <p:spPr>
+          <a:xfrm rot="5400000">
+            <a:off x="6118994" y="184725"/>
+            <a:ext cx="73760" cy="1441582"/>
+          </a:xfrm>
+          <a:prstGeom prst="leftBrace">
+            <a:avLst/>
+          </a:prstGeom>
         </p:spPr>
         <p:style>
           <a:lnRef idx="1">
@@ -8248,33 +8855,71 @@
             <a:schemeClr val="tx1"/>
           </a:fontRef>
         </p:style>
-      </p:cxnSp>
-      <p:cxnSp>
-        <p:nvCxnSpPr>
-          <p:cNvPr id="5" name="直接箭头连接符 4">
-            <a:extLst>
-              <a:ext uri="{FF2B5EF4-FFF2-40B4-BE49-F238E27FC236}">
-                <a16:creationId xmlns:a16="http://schemas.microsoft.com/office/drawing/2014/main" id="{49B99597-C175-41E8-8F21-97E74D074D46}"/>
-              </a:ext>
-            </a:extLst>
-          </p:cNvPr>
-          <p:cNvCxnSpPr/>
-          <p:nvPr/>
-        </p:nvCxnSpPr>
-        <p:spPr>
-          <a:xfrm>
-            <a:off x="3260026" y="2857309"/>
-            <a:ext cx="0" cy="237744"/>
-          </a:xfrm>
-          <a:prstGeom prst="straightConnector1">
-            <a:avLst/>
-          </a:prstGeom>
-          <a:ln w="12700">
-            <a:solidFill>
-              <a:schemeClr val="bg1"/>
-            </a:solidFill>
-            <a:tailEnd type="triangle"/>
-          </a:ln>
+        <p:txBody>
+          <a:bodyPr rtlCol="0" anchor="ctr"/>
+          <a:lstStyle/>
+          <a:p>
+            <a:pPr algn="ctr"/>
+            <a:endParaRPr lang="zh-CN" altLang="en-US"/>
+          </a:p>
+        </p:txBody>
+      </p:sp>
+      <p:sp>
+        <p:nvSpPr>
+          <p:cNvPr id="14" name="文本框 13">
+            <a:extLst>
+              <a:ext uri="{FF2B5EF4-FFF2-40B4-BE49-F238E27FC236}">
+                <a16:creationId xmlns:a16="http://schemas.microsoft.com/office/drawing/2014/main" id="{68CCBAE0-2A71-45B4-948A-233A9ACAFB87}"/>
+              </a:ext>
+            </a:extLst>
+          </p:cNvPr>
+          <p:cNvSpPr txBox="1"/>
+          <p:nvPr/>
+        </p:nvSpPr>
+        <p:spPr>
+          <a:xfrm>
+            <a:off x="5891218" y="362242"/>
+            <a:ext cx="529312" cy="369332"/>
+          </a:xfrm>
+          <a:prstGeom prst="rect">
+            <a:avLst/>
+          </a:prstGeom>
+          <a:noFill/>
+        </p:spPr>
+        <p:txBody>
+          <a:bodyPr wrap="none" rtlCol="0">
+            <a:spAutoFit/>
+          </a:bodyPr>
+          <a:lstStyle/>
+          <a:p>
+            <a:r>
+              <a:rPr lang="en-US" altLang="zh-CN" dirty="0"/>
+              <a:t>RW</a:t>
+            </a:r>
+            <a:endParaRPr lang="zh-CN" altLang="en-US" dirty="0"/>
+          </a:p>
+        </p:txBody>
+      </p:sp>
+      <p:sp>
+        <p:nvSpPr>
+          <p:cNvPr id="15" name="左大括号 14">
+            <a:extLst>
+              <a:ext uri="{FF2B5EF4-FFF2-40B4-BE49-F238E27FC236}">
+                <a16:creationId xmlns:a16="http://schemas.microsoft.com/office/drawing/2014/main" id="{42257FAA-399C-4A99-8E8F-FCFCD37256F3}"/>
+              </a:ext>
+            </a:extLst>
+          </p:cNvPr>
+          <p:cNvSpPr/>
+          <p:nvPr/>
+        </p:nvSpPr>
+        <p:spPr>
+          <a:xfrm rot="5400000">
+            <a:off x="6964899" y="-780933"/>
+            <a:ext cx="67674" cy="3077550"/>
+          </a:xfrm>
+          <a:prstGeom prst="leftBrace">
+            <a:avLst/>
+          </a:prstGeom>
         </p:spPr>
         <p:style>
           <a:lnRef idx="1">
@@ -8290,33 +8935,71 @@
             <a:schemeClr val="tx1"/>
           </a:fontRef>
         </p:style>
-      </p:cxnSp>
-      <p:cxnSp>
-        <p:nvCxnSpPr>
-          <p:cNvPr id="6" name="直接箭头连接符 5">
-            <a:extLst>
-              <a:ext uri="{FF2B5EF4-FFF2-40B4-BE49-F238E27FC236}">
-                <a16:creationId xmlns:a16="http://schemas.microsoft.com/office/drawing/2014/main" id="{F43720B8-3FE3-4475-B372-FBB5828C509A}"/>
-              </a:ext>
-            </a:extLst>
-          </p:cNvPr>
-          <p:cNvCxnSpPr/>
-          <p:nvPr/>
-        </p:nvCxnSpPr>
-        <p:spPr>
-          <a:xfrm>
-            <a:off x="3493389" y="2862072"/>
-            <a:ext cx="0" cy="237744"/>
-          </a:xfrm>
-          <a:prstGeom prst="straightConnector1">
-            <a:avLst/>
-          </a:prstGeom>
-          <a:ln w="12700">
-            <a:solidFill>
-              <a:schemeClr val="bg1"/>
-            </a:solidFill>
-            <a:tailEnd type="triangle"/>
-          </a:ln>
+        <p:txBody>
+          <a:bodyPr rtlCol="0" anchor="ctr"/>
+          <a:lstStyle/>
+          <a:p>
+            <a:pPr algn="ctr"/>
+            <a:endParaRPr lang="zh-CN" altLang="en-US"/>
+          </a:p>
+        </p:txBody>
+      </p:sp>
+      <p:sp>
+        <p:nvSpPr>
+          <p:cNvPr id="16" name="文本框 15">
+            <a:extLst>
+              <a:ext uri="{FF2B5EF4-FFF2-40B4-BE49-F238E27FC236}">
+                <a16:creationId xmlns:a16="http://schemas.microsoft.com/office/drawing/2014/main" id="{56189D76-BB1D-46CE-8C28-6C48F616EFA0}"/>
+              </a:ext>
+            </a:extLst>
+          </p:cNvPr>
+          <p:cNvSpPr txBox="1"/>
+          <p:nvPr/>
+        </p:nvSpPr>
+        <p:spPr>
+          <a:xfrm>
+            <a:off x="6698726" y="257646"/>
+            <a:ext cx="688009" cy="369332"/>
+          </a:xfrm>
+          <a:prstGeom prst="rect">
+            <a:avLst/>
+          </a:prstGeom>
+          <a:noFill/>
+        </p:spPr>
+        <p:txBody>
+          <a:bodyPr wrap="none" rtlCol="0">
+            <a:spAutoFit/>
+          </a:bodyPr>
+          <a:lstStyle/>
+          <a:p>
+            <a:r>
+              <a:rPr lang="en-US" altLang="zh-CN" dirty="0"/>
+              <a:t>RWD</a:t>
+            </a:r>
+            <a:endParaRPr lang="zh-CN" altLang="en-US" dirty="0"/>
+          </a:p>
+        </p:txBody>
+      </p:sp>
+      <p:sp>
+        <p:nvSpPr>
+          <p:cNvPr id="17" name="左大括号 16">
+            <a:extLst>
+              <a:ext uri="{FF2B5EF4-FFF2-40B4-BE49-F238E27FC236}">
+                <a16:creationId xmlns:a16="http://schemas.microsoft.com/office/drawing/2014/main" id="{C31FBC22-C115-447E-B835-4B7A24D474D2}"/>
+              </a:ext>
+            </a:extLst>
+          </p:cNvPr>
+          <p:cNvSpPr/>
+          <p:nvPr/>
+        </p:nvSpPr>
+        <p:spPr>
+          <a:xfrm rot="5400000">
+            <a:off x="7935283" y="-1916017"/>
+            <a:ext cx="67672" cy="5018317"/>
+          </a:xfrm>
+          <a:prstGeom prst="leftBrace">
+            <a:avLst/>
+          </a:prstGeom>
         </p:spPr>
         <p:style>
           <a:lnRef idx="1">
@@ -8332,33 +9015,599 @@
             <a:schemeClr val="tx1"/>
           </a:fontRef>
         </p:style>
-      </p:cxnSp>
-      <p:cxnSp>
-        <p:nvCxnSpPr>
-          <p:cNvPr id="7" name="直接箭头连接符 6">
-            <a:extLst>
-              <a:ext uri="{FF2B5EF4-FFF2-40B4-BE49-F238E27FC236}">
-                <a16:creationId xmlns:a16="http://schemas.microsoft.com/office/drawing/2014/main" id="{5B131571-BF5A-46F6-B2A0-B7021E9E893D}"/>
-              </a:ext>
-            </a:extLst>
-          </p:cNvPr>
-          <p:cNvCxnSpPr/>
-          <p:nvPr/>
-        </p:nvCxnSpPr>
-        <p:spPr>
-          <a:xfrm>
-            <a:off x="3726751" y="2857309"/>
-            <a:ext cx="0" cy="237744"/>
-          </a:xfrm>
-          <a:prstGeom prst="straightConnector1">
-            <a:avLst/>
-          </a:prstGeom>
-          <a:ln w="12700">
+        <p:txBody>
+          <a:bodyPr rtlCol="0" anchor="ctr"/>
+          <a:lstStyle/>
+          <a:p>
+            <a:pPr algn="ctr"/>
+            <a:endParaRPr lang="zh-CN" altLang="en-US"/>
+          </a:p>
+        </p:txBody>
+      </p:sp>
+      <p:sp>
+        <p:nvSpPr>
+          <p:cNvPr id="18" name="文本框 17">
+            <a:extLst>
+              <a:ext uri="{FF2B5EF4-FFF2-40B4-BE49-F238E27FC236}">
+                <a16:creationId xmlns:a16="http://schemas.microsoft.com/office/drawing/2014/main" id="{0792275A-1E99-4649-B91A-4B65008F1236}"/>
+              </a:ext>
+            </a:extLst>
+          </p:cNvPr>
+          <p:cNvSpPr txBox="1"/>
+          <p:nvPr/>
+        </p:nvSpPr>
+        <p:spPr>
+          <a:xfrm>
+            <a:off x="7664931" y="92946"/>
+            <a:ext cx="806631" cy="369332"/>
+          </a:xfrm>
+          <a:prstGeom prst="rect">
+            <a:avLst/>
+          </a:prstGeom>
+          <a:noFill/>
+        </p:spPr>
+        <p:txBody>
+          <a:bodyPr wrap="none" rtlCol="0">
+            <a:spAutoFit/>
+          </a:bodyPr>
+          <a:lstStyle/>
+          <a:p>
+            <a:r>
+              <a:rPr lang="en-US" altLang="zh-CN" dirty="0"/>
+              <a:t>RWDS</a:t>
+            </a:r>
+            <a:endParaRPr lang="zh-CN" altLang="en-US" dirty="0"/>
+          </a:p>
+        </p:txBody>
+      </p:sp>
+      <p:sp>
+        <p:nvSpPr>
+          <p:cNvPr id="19" name="文本框 18">
+            <a:extLst>
+              <a:ext uri="{FF2B5EF4-FFF2-40B4-BE49-F238E27FC236}">
+                <a16:creationId xmlns:a16="http://schemas.microsoft.com/office/drawing/2014/main" id="{EAF0BD80-2CA1-4B9B-A856-43124A252002}"/>
+              </a:ext>
+            </a:extLst>
+          </p:cNvPr>
+          <p:cNvSpPr txBox="1"/>
+          <p:nvPr/>
+        </p:nvSpPr>
+        <p:spPr>
+          <a:xfrm>
+            <a:off x="587829" y="2166448"/>
+            <a:ext cx="1444626" cy="307777"/>
+          </a:xfrm>
+          <a:prstGeom prst="rect">
+            <a:avLst/>
+          </a:prstGeom>
+          <a:noFill/>
+        </p:spPr>
+        <p:txBody>
+          <a:bodyPr wrap="none" rtlCol="0">
+            <a:spAutoFit/>
+          </a:bodyPr>
+          <a:lstStyle/>
+          <a:p>
+            <a:r>
+              <a:rPr lang="en-US" altLang="zh-CN" sz="1400" dirty="0"/>
+              <a:t>R/W one by one</a:t>
+            </a:r>
+            <a:endParaRPr lang="zh-CN" altLang="en-US" sz="1400" dirty="0"/>
+          </a:p>
+        </p:txBody>
+      </p:sp>
+      <p:sp>
+        <p:nvSpPr>
+          <p:cNvPr id="20" name="文本框 19">
+            <a:extLst>
+              <a:ext uri="{FF2B5EF4-FFF2-40B4-BE49-F238E27FC236}">
+                <a16:creationId xmlns:a16="http://schemas.microsoft.com/office/drawing/2014/main" id="{9BF0C82D-8E93-412B-8187-3B22B4BE0DE4}"/>
+              </a:ext>
+            </a:extLst>
+          </p:cNvPr>
+          <p:cNvSpPr txBox="1"/>
+          <p:nvPr/>
+        </p:nvSpPr>
+        <p:spPr>
+          <a:xfrm>
+            <a:off x="587829" y="2931652"/>
+            <a:ext cx="1653017" cy="307777"/>
+          </a:xfrm>
+          <a:prstGeom prst="rect">
+            <a:avLst/>
+          </a:prstGeom>
+          <a:noFill/>
+        </p:spPr>
+        <p:txBody>
+          <a:bodyPr wrap="none" rtlCol="0">
+            <a:spAutoFit/>
+          </a:bodyPr>
+          <a:lstStyle/>
+          <a:p>
+            <a:r>
+              <a:rPr lang="en-US" altLang="zh-CN" sz="1400" dirty="0"/>
+              <a:t>R/W a whole string</a:t>
+            </a:r>
+            <a:endParaRPr lang="zh-CN" altLang="en-US" sz="1400" dirty="0"/>
+          </a:p>
+        </p:txBody>
+      </p:sp>
+      <p:sp>
+        <p:nvSpPr>
+          <p:cNvPr id="21" name="文本框 20">
+            <a:extLst>
+              <a:ext uri="{FF2B5EF4-FFF2-40B4-BE49-F238E27FC236}">
+                <a16:creationId xmlns:a16="http://schemas.microsoft.com/office/drawing/2014/main" id="{4928FF92-5CE5-486E-B74F-EF35704C63F0}"/>
+              </a:ext>
+            </a:extLst>
+          </p:cNvPr>
+          <p:cNvSpPr txBox="1"/>
+          <p:nvPr/>
+        </p:nvSpPr>
+        <p:spPr>
+          <a:xfrm>
+            <a:off x="587829" y="3584422"/>
+            <a:ext cx="1912777" cy="523220"/>
+          </a:xfrm>
+          <a:prstGeom prst="rect">
+            <a:avLst/>
+          </a:prstGeom>
+          <a:noFill/>
+        </p:spPr>
+        <p:txBody>
+          <a:bodyPr wrap="square" rtlCol="0">
+            <a:spAutoFit/>
+          </a:bodyPr>
+          <a:lstStyle/>
+          <a:p>
+            <a:r>
+              <a:rPr lang="en-US" altLang="zh-CN" sz="1400" dirty="0"/>
+              <a:t>R/W a whole string with address</a:t>
+            </a:r>
+            <a:endParaRPr lang="zh-CN" altLang="en-US" sz="1400" dirty="0"/>
+          </a:p>
+        </p:txBody>
+      </p:sp>
+      <p:sp>
+        <p:nvSpPr>
+          <p:cNvPr id="22" name="矩形: 圆角 21">
+            <a:extLst>
+              <a:ext uri="{FF2B5EF4-FFF2-40B4-BE49-F238E27FC236}">
+                <a16:creationId xmlns:a16="http://schemas.microsoft.com/office/drawing/2014/main" id="{6B4C788E-1314-4460-B95C-C89064CD8462}"/>
+              </a:ext>
+            </a:extLst>
+          </p:cNvPr>
+          <p:cNvSpPr/>
+          <p:nvPr/>
+        </p:nvSpPr>
+        <p:spPr>
+          <a:xfrm>
+            <a:off x="2607904" y="4385016"/>
+            <a:ext cx="1646855" cy="466344"/>
+          </a:xfrm>
+          <a:prstGeom prst="roundRect">
+            <a:avLst/>
+          </a:prstGeom>
+          <a:solidFill>
+            <a:schemeClr val="bg1"/>
+          </a:solidFill>
+          <a:ln w="19050">
             <a:solidFill>
-              <a:schemeClr val="bg1"/>
+              <a:schemeClr val="tx1"/>
             </a:solidFill>
-            <a:tailEnd type="triangle"/>
           </a:ln>
+        </p:spPr>
+        <p:style>
+          <a:lnRef idx="2">
+            <a:schemeClr val="accent1">
+              <a:shade val="50000"/>
+            </a:schemeClr>
+          </a:lnRef>
+          <a:fillRef idx="1">
+            <a:schemeClr val="accent1"/>
+          </a:fillRef>
+          <a:effectRef idx="0">
+            <a:schemeClr val="accent1"/>
+          </a:effectRef>
+          <a:fontRef idx="minor">
+            <a:schemeClr val="lt1"/>
+          </a:fontRef>
+        </p:style>
+        <p:txBody>
+          <a:bodyPr rtlCol="0" anchor="ctr"/>
+          <a:lstStyle/>
+          <a:p>
+            <a:pPr algn="ctr"/>
+            <a:r>
+              <a:rPr lang="en-US" altLang="zh-CN" sz="1600" dirty="0">
+                <a:solidFill>
+                  <a:schemeClr val="tx1"/>
+                </a:solidFill>
+              </a:rPr>
+              <a:t>Atom Address</a:t>
+            </a:r>
+            <a:endParaRPr lang="zh-CN" altLang="en-US" sz="1600" dirty="0">
+              <a:solidFill>
+                <a:schemeClr val="tx1"/>
+              </a:solidFill>
+            </a:endParaRPr>
+          </a:p>
+        </p:txBody>
+      </p:sp>
+      <p:sp>
+        <p:nvSpPr>
+          <p:cNvPr id="23" name="矩形: 圆角 22">
+            <a:extLst>
+              <a:ext uri="{FF2B5EF4-FFF2-40B4-BE49-F238E27FC236}">
+                <a16:creationId xmlns:a16="http://schemas.microsoft.com/office/drawing/2014/main" id="{29DA4B20-485E-4451-A726-DEF768B6E595}"/>
+              </a:ext>
+            </a:extLst>
+          </p:cNvPr>
+          <p:cNvSpPr/>
+          <p:nvPr/>
+        </p:nvSpPr>
+        <p:spPr>
+          <a:xfrm>
+            <a:off x="2607903" y="5900778"/>
+            <a:ext cx="1646855" cy="466344"/>
+          </a:xfrm>
+          <a:prstGeom prst="roundRect">
+            <a:avLst/>
+          </a:prstGeom>
+          <a:solidFill>
+            <a:schemeClr val="bg1"/>
+          </a:solidFill>
+          <a:ln w="19050">
+            <a:solidFill>
+              <a:schemeClr val="tx1"/>
+            </a:solidFill>
+          </a:ln>
+        </p:spPr>
+        <p:style>
+          <a:lnRef idx="2">
+            <a:schemeClr val="accent1">
+              <a:shade val="50000"/>
+            </a:schemeClr>
+          </a:lnRef>
+          <a:fillRef idx="1">
+            <a:schemeClr val="accent1"/>
+          </a:fillRef>
+          <a:effectRef idx="0">
+            <a:schemeClr val="accent1"/>
+          </a:effectRef>
+          <a:fontRef idx="minor">
+            <a:schemeClr val="lt1"/>
+          </a:fontRef>
+        </p:style>
+        <p:txBody>
+          <a:bodyPr rtlCol="0" anchor="ctr"/>
+          <a:lstStyle/>
+          <a:p>
+            <a:pPr algn="ctr"/>
+            <a:r>
+              <a:rPr lang="en-US" altLang="zh-CN" sz="1600" dirty="0">
+                <a:solidFill>
+                  <a:schemeClr val="tx1"/>
+                </a:solidFill>
+              </a:rPr>
+              <a:t>Atom Dual </a:t>
+            </a:r>
+            <a:r>
+              <a:rPr lang="en-US" altLang="zh-CN" sz="1600" dirty="0" err="1">
+                <a:solidFill>
+                  <a:schemeClr val="tx1"/>
+                </a:solidFill>
+              </a:rPr>
+              <a:t>addr</a:t>
+            </a:r>
+            <a:endParaRPr lang="zh-CN" altLang="en-US" sz="1600" dirty="0">
+              <a:solidFill>
+                <a:schemeClr val="tx1"/>
+              </a:solidFill>
+            </a:endParaRPr>
+          </a:p>
+        </p:txBody>
+      </p:sp>
+      <p:sp>
+        <p:nvSpPr>
+          <p:cNvPr id="24" name="文本框 23">
+            <a:extLst>
+              <a:ext uri="{FF2B5EF4-FFF2-40B4-BE49-F238E27FC236}">
+                <a16:creationId xmlns:a16="http://schemas.microsoft.com/office/drawing/2014/main" id="{4A4CCA23-D179-4662-9991-9800803013FC}"/>
+              </a:ext>
+            </a:extLst>
+          </p:cNvPr>
+          <p:cNvSpPr txBox="1"/>
+          <p:nvPr/>
+        </p:nvSpPr>
+        <p:spPr>
+          <a:xfrm>
+            <a:off x="587828" y="4328140"/>
+            <a:ext cx="1912777" cy="523220"/>
+          </a:xfrm>
+          <a:prstGeom prst="rect">
+            <a:avLst/>
+          </a:prstGeom>
+          <a:noFill/>
+        </p:spPr>
+        <p:txBody>
+          <a:bodyPr wrap="square" rtlCol="0">
+            <a:spAutoFit/>
+          </a:bodyPr>
+          <a:lstStyle/>
+          <a:p>
+            <a:r>
+              <a:rPr lang="en-US" altLang="zh-CN" sz="1400" dirty="0"/>
+              <a:t>R/W one</a:t>
+            </a:r>
+            <a:r>
+              <a:rPr lang="zh-CN" altLang="en-US" sz="1400" dirty="0"/>
+              <a:t> </a:t>
+            </a:r>
+            <a:r>
+              <a:rPr lang="en-US" altLang="zh-CN" sz="1400" dirty="0"/>
+              <a:t>by</a:t>
+            </a:r>
+            <a:r>
+              <a:rPr lang="zh-CN" altLang="en-US" sz="1400" dirty="0"/>
+              <a:t> </a:t>
+            </a:r>
+            <a:r>
+              <a:rPr lang="en-US" altLang="zh-CN" sz="1400" dirty="0"/>
+              <a:t>one</a:t>
+            </a:r>
+            <a:r>
+              <a:rPr lang="zh-CN" altLang="en-US" sz="1400" dirty="0"/>
+              <a:t> </a:t>
+            </a:r>
+            <a:r>
+              <a:rPr lang="en-US" altLang="zh-CN" sz="1400" dirty="0"/>
+              <a:t>with address</a:t>
+            </a:r>
+            <a:endParaRPr lang="zh-CN" altLang="en-US" sz="1400" dirty="0"/>
+          </a:p>
+        </p:txBody>
+      </p:sp>
+      <p:sp>
+        <p:nvSpPr>
+          <p:cNvPr id="25" name="文本框 24">
+            <a:extLst>
+              <a:ext uri="{FF2B5EF4-FFF2-40B4-BE49-F238E27FC236}">
+                <a16:creationId xmlns:a16="http://schemas.microsoft.com/office/drawing/2014/main" id="{29807FA8-CB31-4C22-A0A5-103AD2E0A66D}"/>
+              </a:ext>
+            </a:extLst>
+          </p:cNvPr>
+          <p:cNvSpPr txBox="1"/>
+          <p:nvPr/>
+        </p:nvSpPr>
+        <p:spPr>
+          <a:xfrm>
+            <a:off x="587827" y="5872340"/>
+            <a:ext cx="1912777" cy="523220"/>
+          </a:xfrm>
+          <a:prstGeom prst="rect">
+            <a:avLst/>
+          </a:prstGeom>
+          <a:noFill/>
+        </p:spPr>
+        <p:txBody>
+          <a:bodyPr wrap="square" rtlCol="0">
+            <a:spAutoFit/>
+          </a:bodyPr>
+          <a:lstStyle/>
+          <a:p>
+            <a:r>
+              <a:rPr lang="en-US" altLang="zh-CN" sz="1400" dirty="0"/>
+              <a:t>R/W one</a:t>
+            </a:r>
+            <a:r>
+              <a:rPr lang="zh-CN" altLang="en-US" sz="1400" dirty="0"/>
+              <a:t> </a:t>
+            </a:r>
+            <a:r>
+              <a:rPr lang="en-US" altLang="zh-CN" sz="1400" dirty="0"/>
+              <a:t>by</a:t>
+            </a:r>
+            <a:r>
+              <a:rPr lang="zh-CN" altLang="en-US" sz="1400" dirty="0"/>
+              <a:t> </a:t>
+            </a:r>
+            <a:r>
+              <a:rPr lang="en-US" altLang="zh-CN" sz="1400" dirty="0"/>
+              <a:t>one</a:t>
+            </a:r>
+            <a:r>
+              <a:rPr lang="zh-CN" altLang="en-US" sz="1400" dirty="0"/>
+              <a:t> </a:t>
+            </a:r>
+            <a:r>
+              <a:rPr lang="en-US" altLang="zh-CN" sz="1400" dirty="0"/>
+              <a:t>with dual-address</a:t>
+            </a:r>
+            <a:endParaRPr lang="zh-CN" altLang="en-US" sz="1400" dirty="0"/>
+          </a:p>
+        </p:txBody>
+      </p:sp>
+      <p:sp>
+        <p:nvSpPr>
+          <p:cNvPr id="26" name="文本框 25">
+            <a:extLst>
+              <a:ext uri="{FF2B5EF4-FFF2-40B4-BE49-F238E27FC236}">
+                <a16:creationId xmlns:a16="http://schemas.microsoft.com/office/drawing/2014/main" id="{90D152CD-BB3E-4EC5-BF36-3D5D21BD35D1}"/>
+              </a:ext>
+            </a:extLst>
+          </p:cNvPr>
+          <p:cNvSpPr txBox="1"/>
+          <p:nvPr/>
+        </p:nvSpPr>
+        <p:spPr>
+          <a:xfrm>
+            <a:off x="587826" y="5097211"/>
+            <a:ext cx="1912777" cy="523220"/>
+          </a:xfrm>
+          <a:prstGeom prst="rect">
+            <a:avLst/>
+          </a:prstGeom>
+          <a:noFill/>
+        </p:spPr>
+        <p:txBody>
+          <a:bodyPr wrap="square" rtlCol="0">
+            <a:spAutoFit/>
+          </a:bodyPr>
+          <a:lstStyle/>
+          <a:p>
+            <a:r>
+              <a:rPr lang="en-US" altLang="zh-CN" sz="1400" dirty="0"/>
+              <a:t>R/W a whole string with dual-address</a:t>
+            </a:r>
+            <a:endParaRPr lang="zh-CN" altLang="en-US" sz="1400" dirty="0"/>
+          </a:p>
+        </p:txBody>
+      </p:sp>
+      <p:sp>
+        <p:nvSpPr>
+          <p:cNvPr id="28" name="矩形 27">
+            <a:extLst>
+              <a:ext uri="{FF2B5EF4-FFF2-40B4-BE49-F238E27FC236}">
+                <a16:creationId xmlns:a16="http://schemas.microsoft.com/office/drawing/2014/main" id="{06A0CA4C-3634-46F5-9FA7-0B0A9DC29E14}"/>
+              </a:ext>
+            </a:extLst>
+          </p:cNvPr>
+          <p:cNvSpPr/>
+          <p:nvPr/>
+        </p:nvSpPr>
+        <p:spPr>
+          <a:xfrm>
+            <a:off x="6354314" y="2931652"/>
+            <a:ext cx="1534394" cy="276999"/>
+          </a:xfrm>
+          <a:prstGeom prst="rect">
+            <a:avLst/>
+          </a:prstGeom>
+          <a:solidFill>
+            <a:schemeClr val="accent2">
+              <a:lumMod val="20000"/>
+              <a:lumOff val="80000"/>
+            </a:schemeClr>
+          </a:solidFill>
+        </p:spPr>
+        <p:txBody>
+          <a:bodyPr wrap="none">
+            <a:spAutoFit/>
+          </a:bodyPr>
+          <a:lstStyle/>
+          <a:p>
+            <a:r>
+              <a:rPr lang="en-US" altLang="zh-CN" sz="1200" dirty="0" err="1"/>
+              <a:t>concept_write_direct</a:t>
+            </a:r>
+            <a:endParaRPr lang="zh-CN" altLang="en-US" sz="1200" dirty="0"/>
+          </a:p>
+        </p:txBody>
+      </p:sp>
+      <p:sp>
+        <p:nvSpPr>
+          <p:cNvPr id="30" name="矩形 29">
+            <a:extLst>
+              <a:ext uri="{FF2B5EF4-FFF2-40B4-BE49-F238E27FC236}">
+                <a16:creationId xmlns:a16="http://schemas.microsoft.com/office/drawing/2014/main" id="{C5BB9EA6-F2FF-4E49-96BC-ECD093A8FED1}"/>
+              </a:ext>
+            </a:extLst>
+          </p:cNvPr>
+          <p:cNvSpPr/>
+          <p:nvPr/>
+        </p:nvSpPr>
+        <p:spPr>
+          <a:xfrm>
+            <a:off x="4550163" y="2931651"/>
+            <a:ext cx="1508746" cy="276999"/>
+          </a:xfrm>
+          <a:prstGeom prst="rect">
+            <a:avLst/>
+          </a:prstGeom>
+          <a:solidFill>
+            <a:schemeClr val="accent2">
+              <a:lumMod val="20000"/>
+              <a:lumOff val="80000"/>
+            </a:schemeClr>
+          </a:solidFill>
+        </p:spPr>
+        <p:txBody>
+          <a:bodyPr wrap="none">
+            <a:spAutoFit/>
+          </a:bodyPr>
+          <a:lstStyle/>
+          <a:p>
+            <a:r>
+              <a:rPr lang="en-US" altLang="zh-CN" sz="1200" dirty="0" err="1"/>
+              <a:t>concept_read_direct</a:t>
+            </a:r>
+            <a:endParaRPr lang="zh-CN" altLang="en-US" sz="1200" dirty="0"/>
+          </a:p>
+        </p:txBody>
+      </p:sp>
+      <p:sp>
+        <p:nvSpPr>
+          <p:cNvPr id="32" name="矩形 31">
+            <a:extLst>
+              <a:ext uri="{FF2B5EF4-FFF2-40B4-BE49-F238E27FC236}">
+                <a16:creationId xmlns:a16="http://schemas.microsoft.com/office/drawing/2014/main" id="{6EC38CCA-AB95-4057-B43C-B6146B71BD01}"/>
+              </a:ext>
+            </a:extLst>
+          </p:cNvPr>
+          <p:cNvSpPr/>
+          <p:nvPr/>
+        </p:nvSpPr>
+        <p:spPr>
+          <a:xfrm>
+            <a:off x="5572594" y="3258058"/>
+            <a:ext cx="1372492" cy="276999"/>
+          </a:xfrm>
+          <a:prstGeom prst="rect">
+            <a:avLst/>
+          </a:prstGeom>
+          <a:solidFill>
+            <a:schemeClr val="accent2">
+              <a:lumMod val="20000"/>
+              <a:lumOff val="80000"/>
+            </a:schemeClr>
+          </a:solidFill>
+        </p:spPr>
+        <p:txBody>
+          <a:bodyPr wrap="none">
+            <a:spAutoFit/>
+          </a:bodyPr>
+          <a:lstStyle/>
+          <a:p>
+            <a:r>
+              <a:rPr lang="en-US" altLang="zh-CN" sz="1200" dirty="0" err="1"/>
+              <a:t>concept_rw_direct</a:t>
+            </a:r>
+            <a:endParaRPr lang="zh-CN" altLang="en-US" sz="1200" dirty="0"/>
+          </a:p>
+        </p:txBody>
+      </p:sp>
+      <p:sp>
+        <p:nvSpPr>
+          <p:cNvPr id="33" name="左大括号 32">
+            <a:extLst>
+              <a:ext uri="{FF2B5EF4-FFF2-40B4-BE49-F238E27FC236}">
+                <a16:creationId xmlns:a16="http://schemas.microsoft.com/office/drawing/2014/main" id="{3563EE6E-5253-4750-9409-D9918639AB65}"/>
+              </a:ext>
+            </a:extLst>
+          </p:cNvPr>
+          <p:cNvSpPr/>
+          <p:nvPr/>
+        </p:nvSpPr>
+        <p:spPr>
+          <a:xfrm rot="16200000" flipV="1">
+            <a:off x="6100500" y="2524739"/>
+            <a:ext cx="73760" cy="1441582"/>
+          </a:xfrm>
+          <a:prstGeom prst="leftBrace">
+            <a:avLst/>
+          </a:prstGeom>
+          <a:noFill/>
         </p:spPr>
         <p:style>
           <a:lnRef idx="1">
@@ -8374,33 +9623,77 @@
             <a:schemeClr val="tx1"/>
           </a:fontRef>
         </p:style>
-      </p:cxnSp>
-      <p:cxnSp>
-        <p:nvCxnSpPr>
-          <p:cNvPr id="8" name="直接箭头连接符 7">
-            <a:extLst>
-              <a:ext uri="{FF2B5EF4-FFF2-40B4-BE49-F238E27FC236}">
-                <a16:creationId xmlns:a16="http://schemas.microsoft.com/office/drawing/2014/main" id="{3E48BD81-D312-4252-B8E3-289287B4DE8E}"/>
-              </a:ext>
-            </a:extLst>
-          </p:cNvPr>
-          <p:cNvCxnSpPr/>
-          <p:nvPr/>
-        </p:nvCxnSpPr>
-        <p:spPr>
-          <a:xfrm>
-            <a:off x="3969639" y="2857309"/>
-            <a:ext cx="0" cy="237744"/>
-          </a:xfrm>
-          <a:prstGeom prst="straightConnector1">
-            <a:avLst/>
-          </a:prstGeom>
-          <a:ln w="12700">
-            <a:solidFill>
-              <a:schemeClr val="bg1"/>
-            </a:solidFill>
-            <a:tailEnd type="triangle"/>
-          </a:ln>
+        <p:txBody>
+          <a:bodyPr rtlCol="0" anchor="ctr"/>
+          <a:lstStyle/>
+          <a:p>
+            <a:pPr algn="ctr"/>
+            <a:endParaRPr lang="zh-CN" altLang="en-US"/>
+          </a:p>
+        </p:txBody>
+      </p:sp>
+      <p:sp>
+        <p:nvSpPr>
+          <p:cNvPr id="37" name="矩形 36">
+            <a:extLst>
+              <a:ext uri="{FF2B5EF4-FFF2-40B4-BE49-F238E27FC236}">
+                <a16:creationId xmlns:a16="http://schemas.microsoft.com/office/drawing/2014/main" id="{448A5677-ED38-42F1-9DB3-866D5DAE02EE}"/>
+              </a:ext>
+            </a:extLst>
+          </p:cNvPr>
+          <p:cNvSpPr/>
+          <p:nvPr/>
+        </p:nvSpPr>
+        <p:spPr>
+          <a:xfrm>
+            <a:off x="7969119" y="2931650"/>
+            <a:ext cx="1830950" cy="276999"/>
+          </a:xfrm>
+          <a:prstGeom prst="rect">
+            <a:avLst/>
+          </a:prstGeom>
+          <a:solidFill>
+            <a:schemeClr val="accent2">
+              <a:lumMod val="20000"/>
+              <a:lumOff val="80000"/>
+            </a:schemeClr>
+          </a:solidFill>
+        </p:spPr>
+        <p:txBody>
+          <a:bodyPr wrap="none">
+            <a:spAutoFit/>
+          </a:bodyPr>
+          <a:lstStyle/>
+          <a:p>
+            <a:r>
+              <a:rPr lang="en-US" altLang="zh-CN" sz="1200" dirty="0" err="1"/>
+              <a:t>concept_readwrite_direct</a:t>
+            </a:r>
+            <a:endParaRPr lang="zh-CN" altLang="en-US" sz="1200" dirty="0"/>
+          </a:p>
+        </p:txBody>
+      </p:sp>
+      <p:sp>
+        <p:nvSpPr>
+          <p:cNvPr id="39" name="左大括号 38">
+            <a:extLst>
+              <a:ext uri="{FF2B5EF4-FFF2-40B4-BE49-F238E27FC236}">
+                <a16:creationId xmlns:a16="http://schemas.microsoft.com/office/drawing/2014/main" id="{D6DB5F05-5E7C-419A-BA69-A9E64460CCD0}"/>
+              </a:ext>
+            </a:extLst>
+          </p:cNvPr>
+          <p:cNvSpPr/>
+          <p:nvPr/>
+        </p:nvSpPr>
+        <p:spPr>
+          <a:xfrm rot="16200000" flipV="1">
+            <a:off x="7481590" y="2195151"/>
+            <a:ext cx="45719" cy="2756587"/>
+          </a:xfrm>
+          <a:prstGeom prst="leftBrace">
+            <a:avLst/>
+          </a:prstGeom>
+          <a:noFill/>
         </p:spPr>
         <p:style>
           <a:lnRef idx="1">
@@ -8416,35 +9709,159 @@
             <a:schemeClr val="tx1"/>
           </a:fontRef>
         </p:style>
-      </p:cxnSp>
-      <p:cxnSp>
-        <p:nvCxnSpPr>
-          <p:cNvPr id="9" name="直接箭头连接符 8">
-            <a:extLst>
-              <a:ext uri="{FF2B5EF4-FFF2-40B4-BE49-F238E27FC236}">
-                <a16:creationId xmlns:a16="http://schemas.microsoft.com/office/drawing/2014/main" id="{BFAB672A-D741-4A8E-9146-F4D568DB9C4C}"/>
-              </a:ext>
-            </a:extLst>
-          </p:cNvPr>
-          <p:cNvCxnSpPr>
-            <a:cxnSpLocks/>
-          </p:cNvCxnSpPr>
-          <p:nvPr/>
-        </p:nvCxnSpPr>
-        <p:spPr>
-          <a:xfrm>
-            <a:off x="4212526" y="2857309"/>
-            <a:ext cx="0" cy="237744"/>
-          </a:xfrm>
-          <a:prstGeom prst="straightConnector1">
-            <a:avLst/>
-          </a:prstGeom>
-          <a:ln w="12700">
-            <a:solidFill>
-              <a:schemeClr val="bg1"/>
-            </a:solidFill>
-            <a:tailEnd type="triangle"/>
-          </a:ln>
+        <p:txBody>
+          <a:bodyPr rtlCol="0" anchor="ctr"/>
+          <a:lstStyle/>
+          <a:p>
+            <a:pPr algn="ctr"/>
+            <a:endParaRPr lang="zh-CN" altLang="en-US"/>
+          </a:p>
+        </p:txBody>
+      </p:sp>
+      <p:sp>
+        <p:nvSpPr>
+          <p:cNvPr id="41" name="矩形 40">
+            <a:extLst>
+              <a:ext uri="{FF2B5EF4-FFF2-40B4-BE49-F238E27FC236}">
+                <a16:creationId xmlns:a16="http://schemas.microsoft.com/office/drawing/2014/main" id="{8EBE81A3-988E-404B-AD55-9EEF6B0D3271}"/>
+              </a:ext>
+            </a:extLst>
+          </p:cNvPr>
+          <p:cNvSpPr/>
+          <p:nvPr/>
+        </p:nvSpPr>
+        <p:spPr>
+          <a:xfrm>
+            <a:off x="6774121" y="3623098"/>
+            <a:ext cx="1460656" cy="276999"/>
+          </a:xfrm>
+          <a:prstGeom prst="rect">
+            <a:avLst/>
+          </a:prstGeom>
+          <a:solidFill>
+            <a:schemeClr val="accent2">
+              <a:lumMod val="20000"/>
+              <a:lumOff val="80000"/>
+            </a:schemeClr>
+          </a:solidFill>
+        </p:spPr>
+        <p:txBody>
+          <a:bodyPr wrap="none">
+            <a:spAutoFit/>
+          </a:bodyPr>
+          <a:lstStyle/>
+          <a:p>
+            <a:r>
+              <a:rPr lang="en-US" altLang="zh-CN" sz="1200" dirty="0" err="1"/>
+              <a:t>concept_rwd_direct</a:t>
+            </a:r>
+            <a:endParaRPr lang="zh-CN" altLang="en-US" sz="1200" dirty="0"/>
+          </a:p>
+        </p:txBody>
+      </p:sp>
+      <p:sp>
+        <p:nvSpPr>
+          <p:cNvPr id="43" name="矩形 42">
+            <a:extLst>
+              <a:ext uri="{FF2B5EF4-FFF2-40B4-BE49-F238E27FC236}">
+                <a16:creationId xmlns:a16="http://schemas.microsoft.com/office/drawing/2014/main" id="{A7AF4694-6B27-4EA9-898B-40D0DD5D301F}"/>
+              </a:ext>
+            </a:extLst>
+          </p:cNvPr>
+          <p:cNvSpPr/>
+          <p:nvPr/>
+        </p:nvSpPr>
+        <p:spPr>
+          <a:xfrm>
+            <a:off x="4408359" y="4080371"/>
+            <a:ext cx="1782860" cy="276999"/>
+          </a:xfrm>
+          <a:prstGeom prst="rect">
+            <a:avLst/>
+          </a:prstGeom>
+          <a:solidFill>
+            <a:schemeClr val="accent4">
+              <a:lumMod val="20000"/>
+              <a:lumOff val="80000"/>
+            </a:schemeClr>
+          </a:solidFill>
+        </p:spPr>
+        <p:txBody>
+          <a:bodyPr wrap="none">
+            <a:spAutoFit/>
+          </a:bodyPr>
+          <a:lstStyle/>
+          <a:p>
+            <a:r>
+              <a:rPr lang="en-US" altLang="zh-CN" sz="1200" dirty="0" err="1"/>
+              <a:t>concept_read_with_addr</a:t>
+            </a:r>
+            <a:endParaRPr lang="zh-CN" altLang="en-US" sz="1200" dirty="0"/>
+          </a:p>
+        </p:txBody>
+      </p:sp>
+      <p:sp>
+        <p:nvSpPr>
+          <p:cNvPr id="45" name="矩形 44">
+            <a:extLst>
+              <a:ext uri="{FF2B5EF4-FFF2-40B4-BE49-F238E27FC236}">
+                <a16:creationId xmlns:a16="http://schemas.microsoft.com/office/drawing/2014/main" id="{EE913470-8A64-490E-8D13-23121107830E}"/>
+              </a:ext>
+            </a:extLst>
+          </p:cNvPr>
+          <p:cNvSpPr/>
+          <p:nvPr/>
+        </p:nvSpPr>
+        <p:spPr>
+          <a:xfrm>
+            <a:off x="6217257" y="4080371"/>
+            <a:ext cx="1808508" cy="276999"/>
+          </a:xfrm>
+          <a:prstGeom prst="rect">
+            <a:avLst/>
+          </a:prstGeom>
+          <a:solidFill>
+            <a:schemeClr val="accent4">
+              <a:lumMod val="20000"/>
+              <a:lumOff val="80000"/>
+            </a:schemeClr>
+          </a:solidFill>
+        </p:spPr>
+        <p:txBody>
+          <a:bodyPr wrap="none">
+            <a:spAutoFit/>
+          </a:bodyPr>
+          <a:lstStyle/>
+          <a:p>
+            <a:r>
+              <a:rPr lang="en-US" altLang="zh-CN" sz="1200" dirty="0" err="1"/>
+              <a:t>concept_write_with_addr</a:t>
+            </a:r>
+            <a:endParaRPr lang="zh-CN" altLang="en-US" sz="1200" dirty="0"/>
+          </a:p>
+        </p:txBody>
+      </p:sp>
+      <p:sp>
+        <p:nvSpPr>
+          <p:cNvPr id="46" name="左大括号 45">
+            <a:extLst>
+              <a:ext uri="{FF2B5EF4-FFF2-40B4-BE49-F238E27FC236}">
+                <a16:creationId xmlns:a16="http://schemas.microsoft.com/office/drawing/2014/main" id="{188CF496-B33C-4E00-A230-1C7CA0734C42}"/>
+              </a:ext>
+            </a:extLst>
+          </p:cNvPr>
+          <p:cNvSpPr/>
+          <p:nvPr/>
+        </p:nvSpPr>
+        <p:spPr>
+          <a:xfrm rot="16200000" flipV="1">
+            <a:off x="6089276" y="3636579"/>
+            <a:ext cx="73760" cy="1441582"/>
+          </a:xfrm>
+          <a:prstGeom prst="leftBrace">
+            <a:avLst/>
+          </a:prstGeom>
+          <a:noFill/>
         </p:spPr>
         <p:style>
           <a:lnRef idx="1">
@@ -8460,35 +9877,159 @@
             <a:schemeClr val="tx1"/>
           </a:fontRef>
         </p:style>
-      </p:cxnSp>
-      <p:cxnSp>
-        <p:nvCxnSpPr>
-          <p:cNvPr id="11" name="直接箭头连接符 10">
-            <a:extLst>
-              <a:ext uri="{FF2B5EF4-FFF2-40B4-BE49-F238E27FC236}">
-                <a16:creationId xmlns:a16="http://schemas.microsoft.com/office/drawing/2014/main" id="{6F5D1EB6-C7EA-40CB-95DC-8425F10A45E7}"/>
-              </a:ext>
-            </a:extLst>
-          </p:cNvPr>
-          <p:cNvCxnSpPr>
-            <a:cxnSpLocks/>
-          </p:cNvCxnSpPr>
-          <p:nvPr/>
-        </p:nvCxnSpPr>
-        <p:spPr>
-          <a:xfrm>
-            <a:off x="4441126" y="2857309"/>
-            <a:ext cx="0" cy="237744"/>
-          </a:xfrm>
-          <a:prstGeom prst="straightConnector1">
-            <a:avLst/>
-          </a:prstGeom>
-          <a:ln w="12700">
-            <a:solidFill>
-              <a:schemeClr val="bg1"/>
-            </a:solidFill>
-            <a:tailEnd type="triangle"/>
-          </a:ln>
+        <p:txBody>
+          <a:bodyPr rtlCol="0" anchor="ctr"/>
+          <a:lstStyle/>
+          <a:p>
+            <a:pPr algn="ctr"/>
+            <a:endParaRPr lang="zh-CN" altLang="en-US"/>
+          </a:p>
+        </p:txBody>
+      </p:sp>
+      <p:sp>
+        <p:nvSpPr>
+          <p:cNvPr id="47" name="矩形 46">
+            <a:extLst>
+              <a:ext uri="{FF2B5EF4-FFF2-40B4-BE49-F238E27FC236}">
+                <a16:creationId xmlns:a16="http://schemas.microsoft.com/office/drawing/2014/main" id="{0689350A-17DE-4B75-94A5-79563D81BABC}"/>
+              </a:ext>
+            </a:extLst>
+          </p:cNvPr>
+          <p:cNvSpPr/>
+          <p:nvPr/>
+        </p:nvSpPr>
+        <p:spPr>
+          <a:xfrm>
+            <a:off x="5298481" y="4445411"/>
+            <a:ext cx="1646605" cy="276999"/>
+          </a:xfrm>
+          <a:prstGeom prst="rect">
+            <a:avLst/>
+          </a:prstGeom>
+          <a:solidFill>
+            <a:schemeClr val="accent4">
+              <a:lumMod val="20000"/>
+              <a:lumOff val="80000"/>
+            </a:schemeClr>
+          </a:solidFill>
+        </p:spPr>
+        <p:txBody>
+          <a:bodyPr wrap="none">
+            <a:spAutoFit/>
+          </a:bodyPr>
+          <a:lstStyle/>
+          <a:p>
+            <a:r>
+              <a:rPr lang="en-US" altLang="zh-CN" sz="1200" dirty="0" err="1"/>
+              <a:t>concept_rw_with_addr</a:t>
+            </a:r>
+            <a:endParaRPr lang="zh-CN" altLang="en-US" sz="1200" dirty="0"/>
+          </a:p>
+        </p:txBody>
+      </p:sp>
+      <p:sp>
+        <p:nvSpPr>
+          <p:cNvPr id="52" name="矩形 51">
+            <a:extLst>
+              <a:ext uri="{FF2B5EF4-FFF2-40B4-BE49-F238E27FC236}">
+                <a16:creationId xmlns:a16="http://schemas.microsoft.com/office/drawing/2014/main" id="{7CD6631F-8FAD-4F0C-A7DE-CEBEB1D359D2}"/>
+              </a:ext>
+            </a:extLst>
+          </p:cNvPr>
+          <p:cNvSpPr/>
+          <p:nvPr/>
+        </p:nvSpPr>
+        <p:spPr>
+          <a:xfrm>
+            <a:off x="4265185" y="5114316"/>
+            <a:ext cx="2066591" cy="276999"/>
+          </a:xfrm>
+          <a:prstGeom prst="rect">
+            <a:avLst/>
+          </a:prstGeom>
+          <a:solidFill>
+            <a:schemeClr val="accent5">
+              <a:lumMod val="20000"/>
+              <a:lumOff val="80000"/>
+            </a:schemeClr>
+          </a:solidFill>
+        </p:spPr>
+        <p:txBody>
+          <a:bodyPr wrap="none">
+            <a:spAutoFit/>
+          </a:bodyPr>
+          <a:lstStyle/>
+          <a:p>
+            <a:r>
+              <a:rPr lang="en-US" altLang="zh-CN" sz="1200" dirty="0" err="1"/>
+              <a:t>concept_read_with_dualaddr</a:t>
+            </a:r>
+            <a:endParaRPr lang="zh-CN" altLang="en-US" sz="1200" dirty="0"/>
+          </a:p>
+        </p:txBody>
+      </p:sp>
+      <p:sp>
+        <p:nvSpPr>
+          <p:cNvPr id="54" name="矩形 53">
+            <a:extLst>
+              <a:ext uri="{FF2B5EF4-FFF2-40B4-BE49-F238E27FC236}">
+                <a16:creationId xmlns:a16="http://schemas.microsoft.com/office/drawing/2014/main" id="{475A46AF-FCD1-4D8E-B915-2B66DB3FC4AB}"/>
+              </a:ext>
+            </a:extLst>
+          </p:cNvPr>
+          <p:cNvSpPr/>
+          <p:nvPr/>
+        </p:nvSpPr>
+        <p:spPr>
+          <a:xfrm>
+            <a:off x="6258840" y="5111619"/>
+            <a:ext cx="2092239" cy="276999"/>
+          </a:xfrm>
+          <a:prstGeom prst="rect">
+            <a:avLst/>
+          </a:prstGeom>
+          <a:solidFill>
+            <a:schemeClr val="accent5">
+              <a:lumMod val="20000"/>
+              <a:lumOff val="80000"/>
+            </a:schemeClr>
+          </a:solidFill>
+        </p:spPr>
+        <p:txBody>
+          <a:bodyPr wrap="none">
+            <a:spAutoFit/>
+          </a:bodyPr>
+          <a:lstStyle/>
+          <a:p>
+            <a:r>
+              <a:rPr lang="en-US" altLang="zh-CN" sz="1200" dirty="0" err="1"/>
+              <a:t>concept_write_with_dualaddr</a:t>
+            </a:r>
+            <a:endParaRPr lang="zh-CN" altLang="en-US" sz="1200" dirty="0"/>
+          </a:p>
+        </p:txBody>
+      </p:sp>
+      <p:sp>
+        <p:nvSpPr>
+          <p:cNvPr id="55" name="左大括号 54">
+            <a:extLst>
+              <a:ext uri="{FF2B5EF4-FFF2-40B4-BE49-F238E27FC236}">
+                <a16:creationId xmlns:a16="http://schemas.microsoft.com/office/drawing/2014/main" id="{C282F704-6A07-4A28-BE37-C512EFB8AFF3}"/>
+              </a:ext>
+            </a:extLst>
+          </p:cNvPr>
+          <p:cNvSpPr/>
+          <p:nvPr/>
+        </p:nvSpPr>
+        <p:spPr>
+          <a:xfrm rot="16200000" flipV="1">
+            <a:off x="6112733" y="4704707"/>
+            <a:ext cx="73760" cy="1441582"/>
+          </a:xfrm>
+          <a:prstGeom prst="leftBrace">
+            <a:avLst/>
+          </a:prstGeom>
+          <a:noFill/>
         </p:spPr>
         <p:style>
           <a:lnRef idx="1">
@@ -8504,35 +10045,364 @@
             <a:schemeClr val="tx1"/>
           </a:fontRef>
         </p:style>
-      </p:cxnSp>
-      <p:cxnSp>
-        <p:nvCxnSpPr>
-          <p:cNvPr id="12" name="直接箭头连接符 11">
-            <a:extLst>
-              <a:ext uri="{FF2B5EF4-FFF2-40B4-BE49-F238E27FC236}">
-                <a16:creationId xmlns:a16="http://schemas.microsoft.com/office/drawing/2014/main" id="{C75B837D-4263-4E5D-81E1-BF65E14B5198}"/>
-              </a:ext>
-            </a:extLst>
-          </p:cNvPr>
-          <p:cNvCxnSpPr>
-            <a:cxnSpLocks/>
-          </p:cNvCxnSpPr>
-          <p:nvPr/>
-        </p:nvCxnSpPr>
-        <p:spPr>
-          <a:xfrm>
-            <a:off x="4688776" y="2857309"/>
-            <a:ext cx="0" cy="237744"/>
-          </a:xfrm>
-          <a:prstGeom prst="straightConnector1">
-            <a:avLst/>
-          </a:prstGeom>
-          <a:ln w="12700">
-            <a:solidFill>
-              <a:schemeClr val="bg1"/>
-            </a:solidFill>
-            <a:tailEnd type="triangle"/>
-          </a:ln>
+        <p:txBody>
+          <a:bodyPr rtlCol="0" anchor="ctr"/>
+          <a:lstStyle/>
+          <a:p>
+            <a:pPr algn="ctr"/>
+            <a:endParaRPr lang="zh-CN" altLang="en-US"/>
+          </a:p>
+        </p:txBody>
+      </p:sp>
+      <p:sp>
+        <p:nvSpPr>
+          <p:cNvPr id="57" name="矩形 56">
+            <a:extLst>
+              <a:ext uri="{FF2B5EF4-FFF2-40B4-BE49-F238E27FC236}">
+                <a16:creationId xmlns:a16="http://schemas.microsoft.com/office/drawing/2014/main" id="{DBB404E3-D3D6-422E-B74E-7FA7DFA5982B}"/>
+              </a:ext>
+            </a:extLst>
+          </p:cNvPr>
+          <p:cNvSpPr/>
+          <p:nvPr/>
+        </p:nvSpPr>
+        <p:spPr>
+          <a:xfrm>
+            <a:off x="5191174" y="5467272"/>
+            <a:ext cx="1930337" cy="276999"/>
+          </a:xfrm>
+          <a:prstGeom prst="rect">
+            <a:avLst/>
+          </a:prstGeom>
+          <a:solidFill>
+            <a:schemeClr val="accent5">
+              <a:lumMod val="20000"/>
+              <a:lumOff val="80000"/>
+            </a:schemeClr>
+          </a:solidFill>
+        </p:spPr>
+        <p:txBody>
+          <a:bodyPr wrap="none">
+            <a:spAutoFit/>
+          </a:bodyPr>
+          <a:lstStyle/>
+          <a:p>
+            <a:r>
+              <a:rPr lang="en-US" altLang="zh-CN" sz="1200" dirty="0" err="1"/>
+              <a:t>concept_rw_with_dualaddr</a:t>
+            </a:r>
+            <a:endParaRPr lang="zh-CN" altLang="en-US" sz="1200" dirty="0"/>
+          </a:p>
+        </p:txBody>
+      </p:sp>
+      <p:sp>
+        <p:nvSpPr>
+          <p:cNvPr id="59" name="矩形 58">
+            <a:extLst>
+              <a:ext uri="{FF2B5EF4-FFF2-40B4-BE49-F238E27FC236}">
+                <a16:creationId xmlns:a16="http://schemas.microsoft.com/office/drawing/2014/main" id="{E8BDAADA-815C-4FD9-B279-C64D8264F1F8}"/>
+              </a:ext>
+            </a:extLst>
+          </p:cNvPr>
+          <p:cNvSpPr/>
+          <p:nvPr/>
+        </p:nvSpPr>
+        <p:spPr>
+          <a:xfrm>
+            <a:off x="4539298" y="1718781"/>
+            <a:ext cx="1518364" cy="276999"/>
+          </a:xfrm>
+          <a:prstGeom prst="rect">
+            <a:avLst/>
+          </a:prstGeom>
+          <a:solidFill>
+            <a:schemeClr val="tx2">
+              <a:lumMod val="20000"/>
+              <a:lumOff val="80000"/>
+            </a:schemeClr>
+          </a:solidFill>
+        </p:spPr>
+        <p:txBody>
+          <a:bodyPr wrap="none">
+            <a:spAutoFit/>
+          </a:bodyPr>
+          <a:lstStyle/>
+          <a:p>
+            <a:r>
+              <a:rPr lang="en-US" altLang="zh-CN" sz="1200" dirty="0" err="1"/>
+              <a:t>concept_read_single</a:t>
+            </a:r>
+            <a:endParaRPr lang="zh-CN" altLang="en-US" sz="1200" dirty="0"/>
+          </a:p>
+        </p:txBody>
+      </p:sp>
+      <p:sp>
+        <p:nvSpPr>
+          <p:cNvPr id="61" name="矩形 60">
+            <a:extLst>
+              <a:ext uri="{FF2B5EF4-FFF2-40B4-BE49-F238E27FC236}">
+                <a16:creationId xmlns:a16="http://schemas.microsoft.com/office/drawing/2014/main" id="{ECD612AF-1CA0-41A3-92B1-BCDEB705FE8E}"/>
+              </a:ext>
+            </a:extLst>
+          </p:cNvPr>
+          <p:cNvSpPr/>
+          <p:nvPr/>
+        </p:nvSpPr>
+        <p:spPr>
+          <a:xfrm>
+            <a:off x="6226730" y="1718781"/>
+            <a:ext cx="1544012" cy="276999"/>
+          </a:xfrm>
+          <a:prstGeom prst="rect">
+            <a:avLst/>
+          </a:prstGeom>
+          <a:solidFill>
+            <a:schemeClr val="tx2">
+              <a:lumMod val="20000"/>
+              <a:lumOff val="80000"/>
+            </a:schemeClr>
+          </a:solidFill>
+        </p:spPr>
+        <p:txBody>
+          <a:bodyPr wrap="none">
+            <a:spAutoFit/>
+          </a:bodyPr>
+          <a:lstStyle/>
+          <a:p>
+            <a:r>
+              <a:rPr lang="en-US" altLang="zh-CN" sz="1200" dirty="0" err="1"/>
+              <a:t>concept_write_single</a:t>
+            </a:r>
+            <a:endParaRPr lang="zh-CN" altLang="en-US" sz="1200" dirty="0"/>
+          </a:p>
+        </p:txBody>
+      </p:sp>
+      <p:sp>
+        <p:nvSpPr>
+          <p:cNvPr id="63" name="矩形 62">
+            <a:extLst>
+              <a:ext uri="{FF2B5EF4-FFF2-40B4-BE49-F238E27FC236}">
+                <a16:creationId xmlns:a16="http://schemas.microsoft.com/office/drawing/2014/main" id="{9848CF91-A2B6-4292-B33E-58153A6A6FF7}"/>
+              </a:ext>
+            </a:extLst>
+          </p:cNvPr>
+          <p:cNvSpPr/>
+          <p:nvPr/>
+        </p:nvSpPr>
+        <p:spPr>
+          <a:xfrm>
+            <a:off x="5430728" y="1994262"/>
+            <a:ext cx="1382110" cy="276999"/>
+          </a:xfrm>
+          <a:prstGeom prst="rect">
+            <a:avLst/>
+          </a:prstGeom>
+          <a:solidFill>
+            <a:schemeClr val="tx2">
+              <a:lumMod val="20000"/>
+              <a:lumOff val="80000"/>
+            </a:schemeClr>
+          </a:solidFill>
+        </p:spPr>
+        <p:txBody>
+          <a:bodyPr wrap="none">
+            <a:spAutoFit/>
+          </a:bodyPr>
+          <a:lstStyle/>
+          <a:p>
+            <a:r>
+              <a:rPr lang="en-US" altLang="zh-CN" sz="1200" dirty="0" err="1"/>
+              <a:t>concept_rw_single</a:t>
+            </a:r>
+            <a:endParaRPr lang="zh-CN" altLang="en-US" sz="1200" dirty="0"/>
+          </a:p>
+        </p:txBody>
+      </p:sp>
+      <p:sp>
+        <p:nvSpPr>
+          <p:cNvPr id="65" name="矩形 64">
+            <a:extLst>
+              <a:ext uri="{FF2B5EF4-FFF2-40B4-BE49-F238E27FC236}">
+                <a16:creationId xmlns:a16="http://schemas.microsoft.com/office/drawing/2014/main" id="{8B1C22DA-1A2D-4AB6-9620-9968FE1857C9}"/>
+              </a:ext>
+            </a:extLst>
+          </p:cNvPr>
+          <p:cNvSpPr/>
+          <p:nvPr/>
+        </p:nvSpPr>
+        <p:spPr>
+          <a:xfrm>
+            <a:off x="9911570" y="1718781"/>
+            <a:ext cx="1438214" cy="276999"/>
+          </a:xfrm>
+          <a:prstGeom prst="rect">
+            <a:avLst/>
+          </a:prstGeom>
+          <a:solidFill>
+            <a:schemeClr val="tx2">
+              <a:lumMod val="20000"/>
+              <a:lumOff val="80000"/>
+            </a:schemeClr>
+          </a:solidFill>
+        </p:spPr>
+        <p:txBody>
+          <a:bodyPr wrap="none">
+            <a:spAutoFit/>
+          </a:bodyPr>
+          <a:lstStyle/>
+          <a:p>
+            <a:r>
+              <a:rPr lang="en-US" altLang="zh-CN" sz="1200" dirty="0" err="1"/>
+              <a:t>gmp_concept_seek</a:t>
+            </a:r>
+            <a:endParaRPr lang="zh-CN" altLang="en-US" sz="1200" dirty="0"/>
+          </a:p>
+        </p:txBody>
+      </p:sp>
+      <p:sp>
+        <p:nvSpPr>
+          <p:cNvPr id="67" name="矩形 66">
+            <a:extLst>
+              <a:ext uri="{FF2B5EF4-FFF2-40B4-BE49-F238E27FC236}">
+                <a16:creationId xmlns:a16="http://schemas.microsoft.com/office/drawing/2014/main" id="{E7938B70-CAF5-4FBF-8242-3713A7C7B741}"/>
+              </a:ext>
+            </a:extLst>
+          </p:cNvPr>
+          <p:cNvSpPr/>
+          <p:nvPr/>
+        </p:nvSpPr>
+        <p:spPr>
+          <a:xfrm>
+            <a:off x="7939810" y="1716958"/>
+            <a:ext cx="1840568" cy="276999"/>
+          </a:xfrm>
+          <a:prstGeom prst="rect">
+            <a:avLst/>
+          </a:prstGeom>
+          <a:solidFill>
+            <a:schemeClr val="tx2">
+              <a:lumMod val="20000"/>
+              <a:lumOff val="80000"/>
+            </a:schemeClr>
+          </a:solidFill>
+        </p:spPr>
+        <p:txBody>
+          <a:bodyPr wrap="none">
+            <a:spAutoFit/>
+          </a:bodyPr>
+          <a:lstStyle/>
+          <a:p>
+            <a:r>
+              <a:rPr lang="en-US" altLang="zh-CN" sz="1200" dirty="0" err="1"/>
+              <a:t>concept_readwrite_single</a:t>
+            </a:r>
+            <a:endParaRPr lang="zh-CN" altLang="en-US" sz="1200" dirty="0"/>
+          </a:p>
+        </p:txBody>
+      </p:sp>
+      <p:sp>
+        <p:nvSpPr>
+          <p:cNvPr id="69" name="矩形 68">
+            <a:extLst>
+              <a:ext uri="{FF2B5EF4-FFF2-40B4-BE49-F238E27FC236}">
+                <a16:creationId xmlns:a16="http://schemas.microsoft.com/office/drawing/2014/main" id="{23FC58D2-C83B-4B90-BCEB-0F10C40D7211}"/>
+              </a:ext>
+            </a:extLst>
+          </p:cNvPr>
+          <p:cNvSpPr/>
+          <p:nvPr/>
+        </p:nvSpPr>
+        <p:spPr>
+          <a:xfrm>
+            <a:off x="6825115" y="2282092"/>
+            <a:ext cx="1470274" cy="276999"/>
+          </a:xfrm>
+          <a:prstGeom prst="rect">
+            <a:avLst/>
+          </a:prstGeom>
+          <a:solidFill>
+            <a:schemeClr val="tx2">
+              <a:lumMod val="20000"/>
+              <a:lumOff val="80000"/>
+            </a:schemeClr>
+          </a:solidFill>
+        </p:spPr>
+        <p:txBody>
+          <a:bodyPr wrap="none">
+            <a:spAutoFit/>
+          </a:bodyPr>
+          <a:lstStyle/>
+          <a:p>
+            <a:r>
+              <a:rPr lang="en-US" altLang="zh-CN" sz="1200" dirty="0" err="1"/>
+              <a:t>concept_rwd_single</a:t>
+            </a:r>
+            <a:endParaRPr lang="zh-CN" altLang="en-US" sz="1200" dirty="0"/>
+          </a:p>
+        </p:txBody>
+      </p:sp>
+      <p:sp>
+        <p:nvSpPr>
+          <p:cNvPr id="71" name="矩形 70">
+            <a:extLst>
+              <a:ext uri="{FF2B5EF4-FFF2-40B4-BE49-F238E27FC236}">
+                <a16:creationId xmlns:a16="http://schemas.microsoft.com/office/drawing/2014/main" id="{56129184-76A1-49AF-BC0A-1C9D0B36FEBC}"/>
+              </a:ext>
+            </a:extLst>
+          </p:cNvPr>
+          <p:cNvSpPr/>
+          <p:nvPr/>
+        </p:nvSpPr>
+        <p:spPr>
+          <a:xfrm>
+            <a:off x="8378778" y="2551660"/>
+            <a:ext cx="1532792" cy="276999"/>
+          </a:xfrm>
+          <a:prstGeom prst="rect">
+            <a:avLst/>
+          </a:prstGeom>
+          <a:solidFill>
+            <a:schemeClr val="tx2">
+              <a:lumMod val="20000"/>
+              <a:lumOff val="80000"/>
+            </a:schemeClr>
+          </a:solidFill>
+        </p:spPr>
+        <p:txBody>
+          <a:bodyPr wrap="none">
+            <a:spAutoFit/>
+          </a:bodyPr>
+          <a:lstStyle/>
+          <a:p>
+            <a:r>
+              <a:rPr lang="en-US" altLang="zh-CN" sz="1200" dirty="0" err="1"/>
+              <a:t>concept_rwds_single</a:t>
+            </a:r>
+            <a:endParaRPr lang="zh-CN" altLang="en-US" sz="1200" dirty="0"/>
+          </a:p>
+        </p:txBody>
+      </p:sp>
+      <p:sp>
+        <p:nvSpPr>
+          <p:cNvPr id="72" name="左大括号 71">
+            <a:extLst>
+              <a:ext uri="{FF2B5EF4-FFF2-40B4-BE49-F238E27FC236}">
+                <a16:creationId xmlns:a16="http://schemas.microsoft.com/office/drawing/2014/main" id="{D2DC5F1F-5375-4B97-B78C-D23597D7BFDF}"/>
+              </a:ext>
+            </a:extLst>
+          </p:cNvPr>
+          <p:cNvSpPr/>
+          <p:nvPr/>
+        </p:nvSpPr>
+        <p:spPr>
+          <a:xfrm rot="16200000" flipV="1">
+            <a:off x="6119314" y="1282753"/>
+            <a:ext cx="73760" cy="1441582"/>
+          </a:xfrm>
+          <a:prstGeom prst="leftBrace">
+            <a:avLst/>
+          </a:prstGeom>
+          <a:noFill/>
         </p:spPr>
         <p:style>
           <a:lnRef idx="1">
@@ -8548,41 +10418,148 @@
             <a:schemeClr val="tx1"/>
           </a:fontRef>
         </p:style>
-      </p:cxnSp>
-      <p:pic>
-        <p:nvPicPr>
-          <p:cNvPr id="15" name="图片 14">
-            <a:extLst>
-              <a:ext uri="{FF2B5EF4-FFF2-40B4-BE49-F238E27FC236}">
-                <a16:creationId xmlns:a16="http://schemas.microsoft.com/office/drawing/2014/main" id="{93CD3B9B-CC51-4DFB-84CA-4B9C458BB73C}"/>
-              </a:ext>
-            </a:extLst>
-          </p:cNvPr>
-          <p:cNvPicPr>
-            <a:picLocks noChangeAspect="1"/>
-          </p:cNvPicPr>
-          <p:nvPr/>
-        </p:nvPicPr>
-        <p:blipFill>
-          <a:blip r:embed="rId3"/>
-          <a:stretch>
-            <a:fillRect/>
-          </a:stretch>
-        </p:blipFill>
-        <p:spPr>
-          <a:xfrm>
-            <a:off x="1375739" y="3614497"/>
-            <a:ext cx="8935697" cy="3448531"/>
+        <p:txBody>
+          <a:bodyPr rtlCol="0" anchor="ctr"/>
+          <a:lstStyle/>
+          <a:p>
+            <a:pPr algn="ctr"/>
+            <a:endParaRPr lang="zh-CN" altLang="en-US"/>
+          </a:p>
+        </p:txBody>
+      </p:sp>
+      <p:sp>
+        <p:nvSpPr>
+          <p:cNvPr id="73" name="左大括号 72">
+            <a:extLst>
+              <a:ext uri="{FF2B5EF4-FFF2-40B4-BE49-F238E27FC236}">
+                <a16:creationId xmlns:a16="http://schemas.microsoft.com/office/drawing/2014/main" id="{D3041485-A8A9-43A9-891B-67753A7AFFA3}"/>
+              </a:ext>
+            </a:extLst>
+          </p:cNvPr>
+          <p:cNvSpPr/>
+          <p:nvPr/>
+        </p:nvSpPr>
+        <p:spPr>
+          <a:xfrm rot="16200000" flipV="1">
+            <a:off x="7521884" y="888548"/>
+            <a:ext cx="45719" cy="2756587"/>
+          </a:xfrm>
+          <a:prstGeom prst="leftBrace">
+            <a:avLst/>
+          </a:prstGeom>
+          <a:noFill/>
+        </p:spPr>
+        <p:style>
+          <a:lnRef idx="1">
+            <a:schemeClr val="accent1"/>
+          </a:lnRef>
+          <a:fillRef idx="0">
+            <a:schemeClr val="accent1"/>
+          </a:fillRef>
+          <a:effectRef idx="0">
+            <a:schemeClr val="accent1"/>
+          </a:effectRef>
+          <a:fontRef idx="minor">
+            <a:schemeClr val="tx1"/>
+          </a:fontRef>
+        </p:style>
+        <p:txBody>
+          <a:bodyPr rtlCol="0" anchor="ctr"/>
+          <a:lstStyle/>
+          <a:p>
+            <a:pPr algn="ctr"/>
+            <a:endParaRPr lang="zh-CN" altLang="en-US"/>
+          </a:p>
+        </p:txBody>
+      </p:sp>
+      <p:sp>
+        <p:nvSpPr>
+          <p:cNvPr id="74" name="左大括号 73">
+            <a:extLst>
+              <a:ext uri="{FF2B5EF4-FFF2-40B4-BE49-F238E27FC236}">
+                <a16:creationId xmlns:a16="http://schemas.microsoft.com/office/drawing/2014/main" id="{826A3658-6FCA-4CB6-BF51-CDB0518AF441}"/>
+              </a:ext>
+            </a:extLst>
+          </p:cNvPr>
+          <p:cNvSpPr/>
+          <p:nvPr/>
+        </p:nvSpPr>
+        <p:spPr>
+          <a:xfrm rot="5400000" flipH="1">
+            <a:off x="9095953" y="978439"/>
+            <a:ext cx="45719" cy="3148138"/>
+          </a:xfrm>
+          <a:prstGeom prst="leftBrace">
+            <a:avLst/>
+          </a:prstGeom>
+          <a:noFill/>
+        </p:spPr>
+        <p:style>
+          <a:lnRef idx="1">
+            <a:schemeClr val="accent1"/>
+          </a:lnRef>
+          <a:fillRef idx="0">
+            <a:schemeClr val="accent1"/>
+          </a:fillRef>
+          <a:effectRef idx="0">
+            <a:schemeClr val="accent1"/>
+          </a:effectRef>
+          <a:fontRef idx="minor">
+            <a:schemeClr val="tx1"/>
+          </a:fontRef>
+        </p:style>
+        <p:txBody>
+          <a:bodyPr rtlCol="0" anchor="ctr"/>
+          <a:lstStyle/>
+          <a:p>
+            <a:pPr algn="ctr"/>
+            <a:endParaRPr lang="zh-CN" altLang="en-US"/>
+          </a:p>
+        </p:txBody>
+      </p:sp>
+      <p:sp>
+        <p:nvSpPr>
+          <p:cNvPr id="75" name="矩形 74">
+            <a:extLst>
+              <a:ext uri="{FF2B5EF4-FFF2-40B4-BE49-F238E27FC236}">
+                <a16:creationId xmlns:a16="http://schemas.microsoft.com/office/drawing/2014/main" id="{B6E81305-E736-4E99-9B4B-81A9FCCC4F6B}"/>
+              </a:ext>
+            </a:extLst>
+          </p:cNvPr>
+          <p:cNvSpPr/>
+          <p:nvPr/>
+        </p:nvSpPr>
+        <p:spPr>
+          <a:xfrm>
+            <a:off x="500658" y="177576"/>
+            <a:ext cx="2736647" cy="369332"/>
           </a:xfrm>
           <a:prstGeom prst="rect">
             <a:avLst/>
           </a:prstGeom>
         </p:spPr>
-      </p:pic>
+        <p:txBody>
+          <a:bodyPr wrap="none">
+            <a:spAutoFit/>
+          </a:bodyPr>
+          <a:lstStyle/>
+          <a:p>
+            <a:r>
+              <a:rPr lang="zh-CN" altLang="en-US" dirty="0"/>
+              <a:t>Genealogy </a:t>
+            </a:r>
+            <a:r>
+              <a:rPr lang="en-US" altLang="zh-CN" dirty="0"/>
+              <a:t>for IO concept</a:t>
+            </a:r>
+            <a:endParaRPr lang="zh-CN" altLang="en-US" dirty="0"/>
+          </a:p>
+        </p:txBody>
+      </p:sp>
     </p:spTree>
     <p:extLst>
       <p:ext uri="{BB962C8B-B14F-4D97-AF65-F5344CB8AC3E}">
-        <p14:creationId xmlns:p14="http://schemas.microsoft.com/office/powerpoint/2010/main" val="4286398889"/>
+        <p14:creationId xmlns:p14="http://schemas.microsoft.com/office/powerpoint/2010/main" val="1699221804"/>
       </p:ext>
     </p:extLst>
   </p:cSld>
@@ -8611,6 +10588,438 @@
       </p:grpSpPr>
       <p:pic>
         <p:nvPicPr>
+          <p:cNvPr id="2" name="图片 1">
+            <a:extLst>
+              <a:ext uri="{FF2B5EF4-FFF2-40B4-BE49-F238E27FC236}">
+                <a16:creationId xmlns:a16="http://schemas.microsoft.com/office/drawing/2014/main" id="{D696744D-87D4-4CD8-83D9-A99C2CD3D514}"/>
+              </a:ext>
+            </a:extLst>
+          </p:cNvPr>
+          <p:cNvPicPr>
+            <a:picLocks noChangeAspect="1"/>
+          </p:cNvPicPr>
+          <p:nvPr/>
+        </p:nvPicPr>
+        <p:blipFill>
+          <a:blip r:embed="rId2"/>
+          <a:stretch>
+            <a:fillRect/>
+          </a:stretch>
+        </p:blipFill>
+        <p:spPr>
+          <a:xfrm>
+            <a:off x="1219200" y="571500"/>
+            <a:ext cx="9753600" cy="5715000"/>
+          </a:xfrm>
+          <a:prstGeom prst="rect">
+            <a:avLst/>
+          </a:prstGeom>
+        </p:spPr>
+      </p:pic>
+      <p:cxnSp>
+        <p:nvCxnSpPr>
+          <p:cNvPr id="4" name="直接箭头连接符 3">
+            <a:extLst>
+              <a:ext uri="{FF2B5EF4-FFF2-40B4-BE49-F238E27FC236}">
+                <a16:creationId xmlns:a16="http://schemas.microsoft.com/office/drawing/2014/main" id="{1BA65C68-BF96-4C65-9870-7529D836AD05}"/>
+              </a:ext>
+            </a:extLst>
+          </p:cNvPr>
+          <p:cNvCxnSpPr/>
+          <p:nvPr/>
+        </p:nvCxnSpPr>
+        <p:spPr>
+          <a:xfrm>
+            <a:off x="3026664" y="2862072"/>
+            <a:ext cx="0" cy="237744"/>
+          </a:xfrm>
+          <a:prstGeom prst="straightConnector1">
+            <a:avLst/>
+          </a:prstGeom>
+          <a:ln w="12700">
+            <a:solidFill>
+              <a:schemeClr val="bg1"/>
+            </a:solidFill>
+            <a:tailEnd type="triangle"/>
+          </a:ln>
+        </p:spPr>
+        <p:style>
+          <a:lnRef idx="1">
+            <a:schemeClr val="accent1"/>
+          </a:lnRef>
+          <a:fillRef idx="0">
+            <a:schemeClr val="accent1"/>
+          </a:fillRef>
+          <a:effectRef idx="0">
+            <a:schemeClr val="accent1"/>
+          </a:effectRef>
+          <a:fontRef idx="minor">
+            <a:schemeClr val="tx1"/>
+          </a:fontRef>
+        </p:style>
+      </p:cxnSp>
+      <p:cxnSp>
+        <p:nvCxnSpPr>
+          <p:cNvPr id="5" name="直接箭头连接符 4">
+            <a:extLst>
+              <a:ext uri="{FF2B5EF4-FFF2-40B4-BE49-F238E27FC236}">
+                <a16:creationId xmlns:a16="http://schemas.microsoft.com/office/drawing/2014/main" id="{49B99597-C175-41E8-8F21-97E74D074D46}"/>
+              </a:ext>
+            </a:extLst>
+          </p:cNvPr>
+          <p:cNvCxnSpPr/>
+          <p:nvPr/>
+        </p:nvCxnSpPr>
+        <p:spPr>
+          <a:xfrm>
+            <a:off x="3260026" y="2857309"/>
+            <a:ext cx="0" cy="237744"/>
+          </a:xfrm>
+          <a:prstGeom prst="straightConnector1">
+            <a:avLst/>
+          </a:prstGeom>
+          <a:ln w="12700">
+            <a:solidFill>
+              <a:schemeClr val="bg1"/>
+            </a:solidFill>
+            <a:tailEnd type="triangle"/>
+          </a:ln>
+        </p:spPr>
+        <p:style>
+          <a:lnRef idx="1">
+            <a:schemeClr val="accent1"/>
+          </a:lnRef>
+          <a:fillRef idx="0">
+            <a:schemeClr val="accent1"/>
+          </a:fillRef>
+          <a:effectRef idx="0">
+            <a:schemeClr val="accent1"/>
+          </a:effectRef>
+          <a:fontRef idx="minor">
+            <a:schemeClr val="tx1"/>
+          </a:fontRef>
+        </p:style>
+      </p:cxnSp>
+      <p:cxnSp>
+        <p:nvCxnSpPr>
+          <p:cNvPr id="6" name="直接箭头连接符 5">
+            <a:extLst>
+              <a:ext uri="{FF2B5EF4-FFF2-40B4-BE49-F238E27FC236}">
+                <a16:creationId xmlns:a16="http://schemas.microsoft.com/office/drawing/2014/main" id="{F43720B8-3FE3-4475-B372-FBB5828C509A}"/>
+              </a:ext>
+            </a:extLst>
+          </p:cNvPr>
+          <p:cNvCxnSpPr/>
+          <p:nvPr/>
+        </p:nvCxnSpPr>
+        <p:spPr>
+          <a:xfrm>
+            <a:off x="3493389" y="2862072"/>
+            <a:ext cx="0" cy="237744"/>
+          </a:xfrm>
+          <a:prstGeom prst="straightConnector1">
+            <a:avLst/>
+          </a:prstGeom>
+          <a:ln w="12700">
+            <a:solidFill>
+              <a:schemeClr val="bg1"/>
+            </a:solidFill>
+            <a:tailEnd type="triangle"/>
+          </a:ln>
+        </p:spPr>
+        <p:style>
+          <a:lnRef idx="1">
+            <a:schemeClr val="accent1"/>
+          </a:lnRef>
+          <a:fillRef idx="0">
+            <a:schemeClr val="accent1"/>
+          </a:fillRef>
+          <a:effectRef idx="0">
+            <a:schemeClr val="accent1"/>
+          </a:effectRef>
+          <a:fontRef idx="minor">
+            <a:schemeClr val="tx1"/>
+          </a:fontRef>
+        </p:style>
+      </p:cxnSp>
+      <p:cxnSp>
+        <p:nvCxnSpPr>
+          <p:cNvPr id="7" name="直接箭头连接符 6">
+            <a:extLst>
+              <a:ext uri="{FF2B5EF4-FFF2-40B4-BE49-F238E27FC236}">
+                <a16:creationId xmlns:a16="http://schemas.microsoft.com/office/drawing/2014/main" id="{5B131571-BF5A-46F6-B2A0-B7021E9E893D}"/>
+              </a:ext>
+            </a:extLst>
+          </p:cNvPr>
+          <p:cNvCxnSpPr/>
+          <p:nvPr/>
+        </p:nvCxnSpPr>
+        <p:spPr>
+          <a:xfrm>
+            <a:off x="3726751" y="2857309"/>
+            <a:ext cx="0" cy="237744"/>
+          </a:xfrm>
+          <a:prstGeom prst="straightConnector1">
+            <a:avLst/>
+          </a:prstGeom>
+          <a:ln w="12700">
+            <a:solidFill>
+              <a:schemeClr val="bg1"/>
+            </a:solidFill>
+            <a:tailEnd type="triangle"/>
+          </a:ln>
+        </p:spPr>
+        <p:style>
+          <a:lnRef idx="1">
+            <a:schemeClr val="accent1"/>
+          </a:lnRef>
+          <a:fillRef idx="0">
+            <a:schemeClr val="accent1"/>
+          </a:fillRef>
+          <a:effectRef idx="0">
+            <a:schemeClr val="accent1"/>
+          </a:effectRef>
+          <a:fontRef idx="minor">
+            <a:schemeClr val="tx1"/>
+          </a:fontRef>
+        </p:style>
+      </p:cxnSp>
+      <p:cxnSp>
+        <p:nvCxnSpPr>
+          <p:cNvPr id="8" name="直接箭头连接符 7">
+            <a:extLst>
+              <a:ext uri="{FF2B5EF4-FFF2-40B4-BE49-F238E27FC236}">
+                <a16:creationId xmlns:a16="http://schemas.microsoft.com/office/drawing/2014/main" id="{3E48BD81-D312-4252-B8E3-289287B4DE8E}"/>
+              </a:ext>
+            </a:extLst>
+          </p:cNvPr>
+          <p:cNvCxnSpPr/>
+          <p:nvPr/>
+        </p:nvCxnSpPr>
+        <p:spPr>
+          <a:xfrm>
+            <a:off x="3969639" y="2857309"/>
+            <a:ext cx="0" cy="237744"/>
+          </a:xfrm>
+          <a:prstGeom prst="straightConnector1">
+            <a:avLst/>
+          </a:prstGeom>
+          <a:ln w="12700">
+            <a:solidFill>
+              <a:schemeClr val="bg1"/>
+            </a:solidFill>
+            <a:tailEnd type="triangle"/>
+          </a:ln>
+        </p:spPr>
+        <p:style>
+          <a:lnRef idx="1">
+            <a:schemeClr val="accent1"/>
+          </a:lnRef>
+          <a:fillRef idx="0">
+            <a:schemeClr val="accent1"/>
+          </a:fillRef>
+          <a:effectRef idx="0">
+            <a:schemeClr val="accent1"/>
+          </a:effectRef>
+          <a:fontRef idx="minor">
+            <a:schemeClr val="tx1"/>
+          </a:fontRef>
+        </p:style>
+      </p:cxnSp>
+      <p:cxnSp>
+        <p:nvCxnSpPr>
+          <p:cNvPr id="9" name="直接箭头连接符 8">
+            <a:extLst>
+              <a:ext uri="{FF2B5EF4-FFF2-40B4-BE49-F238E27FC236}">
+                <a16:creationId xmlns:a16="http://schemas.microsoft.com/office/drawing/2014/main" id="{BFAB672A-D741-4A8E-9146-F4D568DB9C4C}"/>
+              </a:ext>
+            </a:extLst>
+          </p:cNvPr>
+          <p:cNvCxnSpPr>
+            <a:cxnSpLocks/>
+          </p:cNvCxnSpPr>
+          <p:nvPr/>
+        </p:nvCxnSpPr>
+        <p:spPr>
+          <a:xfrm>
+            <a:off x="4212526" y="2857309"/>
+            <a:ext cx="0" cy="237744"/>
+          </a:xfrm>
+          <a:prstGeom prst="straightConnector1">
+            <a:avLst/>
+          </a:prstGeom>
+          <a:ln w="12700">
+            <a:solidFill>
+              <a:schemeClr val="bg1"/>
+            </a:solidFill>
+            <a:tailEnd type="triangle"/>
+          </a:ln>
+        </p:spPr>
+        <p:style>
+          <a:lnRef idx="1">
+            <a:schemeClr val="accent1"/>
+          </a:lnRef>
+          <a:fillRef idx="0">
+            <a:schemeClr val="accent1"/>
+          </a:fillRef>
+          <a:effectRef idx="0">
+            <a:schemeClr val="accent1"/>
+          </a:effectRef>
+          <a:fontRef idx="minor">
+            <a:schemeClr val="tx1"/>
+          </a:fontRef>
+        </p:style>
+      </p:cxnSp>
+      <p:cxnSp>
+        <p:nvCxnSpPr>
+          <p:cNvPr id="11" name="直接箭头连接符 10">
+            <a:extLst>
+              <a:ext uri="{FF2B5EF4-FFF2-40B4-BE49-F238E27FC236}">
+                <a16:creationId xmlns:a16="http://schemas.microsoft.com/office/drawing/2014/main" id="{6F5D1EB6-C7EA-40CB-95DC-8425F10A45E7}"/>
+              </a:ext>
+            </a:extLst>
+          </p:cNvPr>
+          <p:cNvCxnSpPr>
+            <a:cxnSpLocks/>
+          </p:cNvCxnSpPr>
+          <p:nvPr/>
+        </p:nvCxnSpPr>
+        <p:spPr>
+          <a:xfrm>
+            <a:off x="4441126" y="2857309"/>
+            <a:ext cx="0" cy="237744"/>
+          </a:xfrm>
+          <a:prstGeom prst="straightConnector1">
+            <a:avLst/>
+          </a:prstGeom>
+          <a:ln w="12700">
+            <a:solidFill>
+              <a:schemeClr val="bg1"/>
+            </a:solidFill>
+            <a:tailEnd type="triangle"/>
+          </a:ln>
+        </p:spPr>
+        <p:style>
+          <a:lnRef idx="1">
+            <a:schemeClr val="accent1"/>
+          </a:lnRef>
+          <a:fillRef idx="0">
+            <a:schemeClr val="accent1"/>
+          </a:fillRef>
+          <a:effectRef idx="0">
+            <a:schemeClr val="accent1"/>
+          </a:effectRef>
+          <a:fontRef idx="minor">
+            <a:schemeClr val="tx1"/>
+          </a:fontRef>
+        </p:style>
+      </p:cxnSp>
+      <p:cxnSp>
+        <p:nvCxnSpPr>
+          <p:cNvPr id="12" name="直接箭头连接符 11">
+            <a:extLst>
+              <a:ext uri="{FF2B5EF4-FFF2-40B4-BE49-F238E27FC236}">
+                <a16:creationId xmlns:a16="http://schemas.microsoft.com/office/drawing/2014/main" id="{C75B837D-4263-4E5D-81E1-BF65E14B5198}"/>
+              </a:ext>
+            </a:extLst>
+          </p:cNvPr>
+          <p:cNvCxnSpPr>
+            <a:cxnSpLocks/>
+          </p:cNvCxnSpPr>
+          <p:nvPr/>
+        </p:nvCxnSpPr>
+        <p:spPr>
+          <a:xfrm>
+            <a:off x="4688776" y="2857309"/>
+            <a:ext cx="0" cy="237744"/>
+          </a:xfrm>
+          <a:prstGeom prst="straightConnector1">
+            <a:avLst/>
+          </a:prstGeom>
+          <a:ln w="12700">
+            <a:solidFill>
+              <a:schemeClr val="bg1"/>
+            </a:solidFill>
+            <a:tailEnd type="triangle"/>
+          </a:ln>
+        </p:spPr>
+        <p:style>
+          <a:lnRef idx="1">
+            <a:schemeClr val="accent1"/>
+          </a:lnRef>
+          <a:fillRef idx="0">
+            <a:schemeClr val="accent1"/>
+          </a:fillRef>
+          <a:effectRef idx="0">
+            <a:schemeClr val="accent1"/>
+          </a:effectRef>
+          <a:fontRef idx="minor">
+            <a:schemeClr val="tx1"/>
+          </a:fontRef>
+        </p:style>
+      </p:cxnSp>
+      <p:pic>
+        <p:nvPicPr>
+          <p:cNvPr id="15" name="图片 14">
+            <a:extLst>
+              <a:ext uri="{FF2B5EF4-FFF2-40B4-BE49-F238E27FC236}">
+                <a16:creationId xmlns:a16="http://schemas.microsoft.com/office/drawing/2014/main" id="{93CD3B9B-CC51-4DFB-84CA-4B9C458BB73C}"/>
+              </a:ext>
+            </a:extLst>
+          </p:cNvPr>
+          <p:cNvPicPr>
+            <a:picLocks noChangeAspect="1"/>
+          </p:cNvPicPr>
+          <p:nvPr/>
+        </p:nvPicPr>
+        <p:blipFill>
+          <a:blip r:embed="rId3"/>
+          <a:stretch>
+            <a:fillRect/>
+          </a:stretch>
+        </p:blipFill>
+        <p:spPr>
+          <a:xfrm>
+            <a:off x="1375739" y="3614497"/>
+            <a:ext cx="8935697" cy="3448531"/>
+          </a:xfrm>
+          <a:prstGeom prst="rect">
+            <a:avLst/>
+          </a:prstGeom>
+        </p:spPr>
+      </p:pic>
+    </p:spTree>
+    <p:extLst>
+      <p:ext uri="{BB962C8B-B14F-4D97-AF65-F5344CB8AC3E}">
+        <p14:creationId xmlns:p14="http://schemas.microsoft.com/office/powerpoint/2010/main" val="4286398889"/>
+      </p:ext>
+    </p:extLst>
+  </p:cSld>
+  <p:clrMapOvr>
+    <a:masterClrMapping/>
+  </p:clrMapOvr>
+</p:sld>
+</file>
+
+<file path=ppt/slides/slide5.xml><?xml version="1.0" encoding="utf-8"?>
+<p:sld xmlns:a="http://schemas.openxmlformats.org/drawingml/2006/main" xmlns:r="http://schemas.openxmlformats.org/officeDocument/2006/relationships" xmlns:p="http://schemas.openxmlformats.org/presentationml/2006/main">
+  <p:cSld>
+    <p:spTree>
+      <p:nvGrpSpPr>
+        <p:cNvPr id="1" name=""/>
+        <p:cNvGrpSpPr/>
+        <p:nvPr/>
+      </p:nvGrpSpPr>
+      <p:grpSpPr>
+        <a:xfrm>
+          <a:off x="0" y="0"/>
+          <a:ext cx="0" cy="0"/>
+          <a:chOff x="0" y="0"/>
+          <a:chExt cx="0" cy="0"/>
+        </a:xfrm>
+      </p:grpSpPr>
+      <p:pic>
+        <p:nvPicPr>
           <p:cNvPr id="1026" name="Picture 2">
             <a:extLst>
               <a:ext uri="{FF2B5EF4-FFF2-40B4-BE49-F238E27FC236}">
@@ -9725,7 +12134,7 @@
 </p:sld>
 </file>
 
-<file path=ppt/slides/slide5.xml><?xml version="1.0" encoding="utf-8"?>
+<file path=ppt/slides/slide6.xml><?xml version="1.0" encoding="utf-8"?>
 <p:sld xmlns:a="http://schemas.openxmlformats.org/drawingml/2006/main" xmlns:r="http://schemas.openxmlformats.org/officeDocument/2006/relationships" xmlns:p="http://schemas.openxmlformats.org/presentationml/2006/main">
   <p:cSld>
     <p:spTree>
